--- a/Flutter Workshop.pptx
+++ b/Flutter Workshop.pptx
@@ -12,6 +12,8 @@
     <p:sldId id="260" r:id="rId6"/>
     <p:sldId id="261" r:id="rId7"/>
     <p:sldId id="262" r:id="rId8"/>
+    <p:sldId id="263" r:id="rId9"/>
+    <p:sldId id="264" r:id="rId10"/>
   </p:sldIdLst>
   <p:sldSz cx="12192000" cy="6858000"/>
   <p:notesSz cx="6858000" cy="9144000"/>
@@ -7424,6 +7426,293 @@
 </p:sld>
 </file>
 
+<file path=ppt/slides/slide8.xml><?xml version="1.0" encoding="utf-8"?>
+<p:sld xmlns:a="http://schemas.openxmlformats.org/drawingml/2006/main" xmlns:r="http://schemas.openxmlformats.org/officeDocument/2006/relationships" xmlns:p="http://schemas.openxmlformats.org/presentationml/2006/main">
+  <p:cSld>
+    <p:spTree>
+      <p:nvGrpSpPr>
+        <p:cNvPr id="1" name=""/>
+        <p:cNvGrpSpPr/>
+        <p:nvPr/>
+      </p:nvGrpSpPr>
+      <p:grpSpPr>
+        <a:xfrm>
+          <a:off x="0" y="0"/>
+          <a:ext cx="0" cy="0"/>
+          <a:chOff x="0" y="0"/>
+          <a:chExt cx="0" cy="0"/>
+        </a:xfrm>
+      </p:grpSpPr>
+      <p:sp>
+        <p:nvSpPr>
+          <p:cNvPr id="2" name="Title 1">
+            <a:extLst>
+              <a:ext uri="{FF2B5EF4-FFF2-40B4-BE49-F238E27FC236}">
+                <a16:creationId xmlns:a16="http://schemas.microsoft.com/office/drawing/2014/main" id="{632C444E-F7F5-914A-92EB-9EADBCCF5189}"/>
+              </a:ext>
+            </a:extLst>
+          </p:cNvPr>
+          <p:cNvSpPr>
+            <a:spLocks noGrp="1"/>
+          </p:cNvSpPr>
+          <p:nvPr>
+            <p:ph type="title"/>
+          </p:nvPr>
+        </p:nvSpPr>
+        <p:spPr/>
+        <p:txBody>
+          <a:bodyPr/>
+          <a:lstStyle/>
+          <a:p>
+            <a:r>
+              <a:rPr lang="en-US" dirty="0"/>
+              <a:t>What are widgets?</a:t>
+            </a:r>
+          </a:p>
+        </p:txBody>
+      </p:sp>
+      <p:sp>
+        <p:nvSpPr>
+          <p:cNvPr id="3" name="Content Placeholder 2">
+            <a:extLst>
+              <a:ext uri="{FF2B5EF4-FFF2-40B4-BE49-F238E27FC236}">
+                <a16:creationId xmlns:a16="http://schemas.microsoft.com/office/drawing/2014/main" id="{ACF81D5A-65C2-BB4B-95B4-71AAD27A4F39}"/>
+              </a:ext>
+            </a:extLst>
+          </p:cNvPr>
+          <p:cNvSpPr>
+            <a:spLocks noGrp="1"/>
+          </p:cNvSpPr>
+          <p:nvPr>
+            <p:ph idx="1"/>
+          </p:nvPr>
+        </p:nvSpPr>
+        <p:spPr/>
+        <p:txBody>
+          <a:bodyPr/>
+          <a:lstStyle/>
+          <a:p>
+            <a:r>
+              <a:rPr lang="en-IN" dirty="0"/>
+              <a:t>Flutter widgets are built using a modern framework that takes inspiration from </a:t>
+            </a:r>
+            <a:r>
+              <a:rPr lang="en-IN" dirty="0">
+                <a:hlinkClick r:id="rId2"/>
+              </a:rPr>
+              <a:t>React</a:t>
+            </a:r>
+            <a:r>
+              <a:rPr lang="en-IN" dirty="0"/>
+              <a:t>. The central idea is that you build your UI out of widgets. </a:t>
+            </a:r>
+          </a:p>
+          <a:p>
+            <a:endParaRPr lang="en-IN" dirty="0"/>
+          </a:p>
+          <a:p>
+            <a:r>
+              <a:rPr lang="en-IN" dirty="0"/>
+              <a:t>Widgets describe what their view should look like given their current configuration and state. When a widget’s state changes, the widget rebuilds its description</a:t>
+            </a:r>
+            <a:endParaRPr lang="en-US" dirty="0"/>
+          </a:p>
+        </p:txBody>
+      </p:sp>
+    </p:spTree>
+    <p:extLst>
+      <p:ext uri="{BB962C8B-B14F-4D97-AF65-F5344CB8AC3E}">
+        <p14:creationId xmlns:p14="http://schemas.microsoft.com/office/powerpoint/2010/main" val="402986338"/>
+      </p:ext>
+    </p:extLst>
+  </p:cSld>
+  <p:clrMapOvr>
+    <a:masterClrMapping/>
+  </p:clrMapOvr>
+</p:sld>
+</file>
+
+<file path=ppt/slides/slide9.xml><?xml version="1.0" encoding="utf-8"?>
+<p:sld xmlns:a="http://schemas.openxmlformats.org/drawingml/2006/main" xmlns:r="http://schemas.openxmlformats.org/officeDocument/2006/relationships" xmlns:p="http://schemas.openxmlformats.org/presentationml/2006/main">
+  <p:cSld>
+    <p:spTree>
+      <p:nvGrpSpPr>
+        <p:cNvPr id="1" name=""/>
+        <p:cNvGrpSpPr/>
+        <p:nvPr/>
+      </p:nvGrpSpPr>
+      <p:grpSpPr>
+        <a:xfrm>
+          <a:off x="0" y="0"/>
+          <a:ext cx="0" cy="0"/>
+          <a:chOff x="0" y="0"/>
+          <a:chExt cx="0" cy="0"/>
+        </a:xfrm>
+      </p:grpSpPr>
+      <p:pic>
+        <p:nvPicPr>
+          <p:cNvPr id="1026" name="Picture 2">
+            <a:extLst>
+              <a:ext uri="{FF2B5EF4-FFF2-40B4-BE49-F238E27FC236}">
+                <a16:creationId xmlns:a16="http://schemas.microsoft.com/office/drawing/2014/main" id="{A36C8958-B7D5-F644-833C-660B1E3C74B4}"/>
+              </a:ext>
+            </a:extLst>
+          </p:cNvPr>
+          <p:cNvPicPr>
+            <a:picLocks noChangeAspect="1" noChangeArrowheads="1"/>
+          </p:cNvPicPr>
+          <p:nvPr/>
+        </p:nvPicPr>
+        <p:blipFill>
+          <a:blip r:embed="rId2">
+            <a:extLst>
+              <a:ext uri="{28A0092B-C50C-407E-A947-70E740481C1C}">
+                <a14:useLocalDpi xmlns:a14="http://schemas.microsoft.com/office/drawing/2010/main" val="0"/>
+              </a:ext>
+            </a:extLst>
+          </a:blip>
+          <a:srcRect/>
+          <a:stretch>
+            <a:fillRect/>
+          </a:stretch>
+        </p:blipFill>
+        <p:spPr bwMode="auto">
+          <a:xfrm>
+            <a:off x="3049852" y="169334"/>
+            <a:ext cx="6092296" cy="4884692"/>
+          </a:xfrm>
+          <a:prstGeom prst="rect">
+            <a:avLst/>
+          </a:prstGeom>
+          <a:noFill/>
+          <a:extLst>
+            <a:ext uri="{909E8E84-426E-40DD-AFC4-6F175D3DCCD1}">
+              <a14:hiddenFill xmlns:a14="http://schemas.microsoft.com/office/drawing/2010/main">
+                <a:solidFill>
+                  <a:srgbClr val="FFFFFF"/>
+                </a:solidFill>
+              </a14:hiddenFill>
+            </a:ext>
+          </a:extLst>
+        </p:spPr>
+      </p:pic>
+      <p:sp>
+        <p:nvSpPr>
+          <p:cNvPr id="4" name="TextBox 3">
+            <a:extLst>
+              <a:ext uri="{FF2B5EF4-FFF2-40B4-BE49-F238E27FC236}">
+                <a16:creationId xmlns:a16="http://schemas.microsoft.com/office/drawing/2014/main" id="{45F8C4E1-0CA6-6548-981C-7522268A887B}"/>
+              </a:ext>
+            </a:extLst>
+          </p:cNvPr>
+          <p:cNvSpPr txBox="1"/>
+          <p:nvPr/>
+        </p:nvSpPr>
+        <p:spPr>
+          <a:xfrm>
+            <a:off x="2975504" y="5269004"/>
+            <a:ext cx="2133600" cy="1200329"/>
+          </a:xfrm>
+          <a:prstGeom prst="rect">
+            <a:avLst/>
+          </a:prstGeom>
+          <a:noFill/>
+        </p:spPr>
+        <p:txBody>
+          <a:bodyPr wrap="square" rtlCol="0">
+            <a:spAutoFit/>
+          </a:bodyPr>
+          <a:lstStyle/>
+          <a:p>
+            <a:pPr algn="ctr"/>
+            <a:r>
+              <a:rPr lang="en-US" dirty="0"/>
+              <a:t>Cannot be updated on user interaction</a:t>
+            </a:r>
+          </a:p>
+          <a:p>
+            <a:pPr algn="ctr"/>
+            <a:endParaRPr lang="en-US" dirty="0"/>
+          </a:p>
+          <a:p>
+            <a:pPr algn="ctr"/>
+            <a:r>
+              <a:rPr lang="en-US" dirty="0"/>
+              <a:t>Shortcut - </a:t>
+            </a:r>
+            <a:r>
+              <a:rPr lang="en-US" dirty="0" err="1"/>
+              <a:t>stl</a:t>
+            </a:r>
+            <a:endParaRPr lang="en-US" dirty="0"/>
+          </a:p>
+        </p:txBody>
+      </p:sp>
+      <p:sp>
+        <p:nvSpPr>
+          <p:cNvPr id="6" name="TextBox 5">
+            <a:extLst>
+              <a:ext uri="{FF2B5EF4-FFF2-40B4-BE49-F238E27FC236}">
+                <a16:creationId xmlns:a16="http://schemas.microsoft.com/office/drawing/2014/main" id="{E042E13C-520D-1347-9797-6EF54AF4D4E4}"/>
+              </a:ext>
+            </a:extLst>
+          </p:cNvPr>
+          <p:cNvSpPr txBox="1"/>
+          <p:nvPr/>
+        </p:nvSpPr>
+        <p:spPr>
+          <a:xfrm>
+            <a:off x="5892800" y="5269003"/>
+            <a:ext cx="2133600" cy="1200329"/>
+          </a:xfrm>
+          <a:prstGeom prst="rect">
+            <a:avLst/>
+          </a:prstGeom>
+          <a:noFill/>
+        </p:spPr>
+        <p:txBody>
+          <a:bodyPr wrap="square" rtlCol="0">
+            <a:spAutoFit/>
+          </a:bodyPr>
+          <a:lstStyle/>
+          <a:p>
+            <a:pPr algn="ctr"/>
+            <a:r>
+              <a:rPr lang="en-US" dirty="0"/>
+              <a:t>Can be updated on user interaction</a:t>
+            </a:r>
+          </a:p>
+          <a:p>
+            <a:pPr algn="ctr"/>
+            <a:endParaRPr lang="en-US" dirty="0"/>
+          </a:p>
+          <a:p>
+            <a:pPr algn="ctr"/>
+            <a:r>
+              <a:rPr lang="en-US" dirty="0"/>
+              <a:t>Shortcut - </a:t>
+            </a:r>
+            <a:r>
+              <a:rPr lang="en-US" dirty="0" err="1"/>
+              <a:t>stf</a:t>
+            </a:r>
+            <a:endParaRPr lang="en-US" dirty="0"/>
+          </a:p>
+        </p:txBody>
+      </p:sp>
+    </p:spTree>
+    <p:extLst>
+      <p:ext uri="{BB962C8B-B14F-4D97-AF65-F5344CB8AC3E}">
+        <p14:creationId xmlns:p14="http://schemas.microsoft.com/office/powerpoint/2010/main" val="2335687602"/>
+      </p:ext>
+    </p:extLst>
+  </p:cSld>
+  <p:clrMapOvr>
+    <a:masterClrMapping/>
+  </p:clrMapOvr>
+</p:sld>
+</file>
+
 <file path=ppt/theme/theme1.xml><?xml version="1.0" encoding="utf-8"?>
 <a:theme xmlns:a="http://schemas.openxmlformats.org/drawingml/2006/main" name="Badge">
   <a:themeElements>

--- a/Flutter Workshop.pptx
+++ b/Flutter Workshop.pptx
@@ -13,7 +13,16 @@
     <p:sldId id="261" r:id="rId7"/>
     <p:sldId id="262" r:id="rId8"/>
     <p:sldId id="263" r:id="rId9"/>
-    <p:sldId id="264" r:id="rId10"/>
+    <p:sldId id="273" r:id="rId10"/>
+    <p:sldId id="270" r:id="rId11"/>
+    <p:sldId id="271" r:id="rId12"/>
+    <p:sldId id="265" r:id="rId13"/>
+    <p:sldId id="266" r:id="rId14"/>
+    <p:sldId id="267" r:id="rId15"/>
+    <p:sldId id="268" r:id="rId16"/>
+    <p:sldId id="269" r:id="rId17"/>
+    <p:sldId id="272" r:id="rId18"/>
+    <p:sldId id="264" r:id="rId19"/>
   </p:sldIdLst>
   <p:sldSz cx="12192000" cy="6858000"/>
   <p:notesSz cx="6858000" cy="9144000"/>
@@ -6886,6 +6895,1232 @@
 </p:sld>
 </file>
 
+<file path=ppt/slides/slide10.xml><?xml version="1.0" encoding="utf-8"?>
+<p:sld xmlns:a="http://schemas.openxmlformats.org/drawingml/2006/main" xmlns:r="http://schemas.openxmlformats.org/officeDocument/2006/relationships" xmlns:p="http://schemas.openxmlformats.org/presentationml/2006/main">
+  <p:cSld>
+    <p:spTree>
+      <p:nvGrpSpPr>
+        <p:cNvPr id="1" name=""/>
+        <p:cNvGrpSpPr/>
+        <p:nvPr/>
+      </p:nvGrpSpPr>
+      <p:grpSpPr>
+        <a:xfrm>
+          <a:off x="0" y="0"/>
+          <a:ext cx="0" cy="0"/>
+          <a:chOff x="0" y="0"/>
+          <a:chExt cx="0" cy="0"/>
+        </a:xfrm>
+      </p:grpSpPr>
+      <p:sp>
+        <p:nvSpPr>
+          <p:cNvPr id="2" name="Title 1">
+            <a:extLst>
+              <a:ext uri="{FF2B5EF4-FFF2-40B4-BE49-F238E27FC236}">
+                <a16:creationId xmlns:a16="http://schemas.microsoft.com/office/drawing/2014/main" id="{08F01746-5149-E34A-87B0-02685CF332FB}"/>
+              </a:ext>
+            </a:extLst>
+          </p:cNvPr>
+          <p:cNvSpPr>
+            <a:spLocks noGrp="1"/>
+          </p:cNvSpPr>
+          <p:nvPr>
+            <p:ph type="title"/>
+          </p:nvPr>
+        </p:nvSpPr>
+        <p:spPr/>
+        <p:txBody>
+          <a:bodyPr/>
+          <a:lstStyle/>
+          <a:p>
+            <a:r>
+              <a:rPr lang="en-US" dirty="0"/>
+              <a:t>Scaffold</a:t>
+            </a:r>
+          </a:p>
+        </p:txBody>
+      </p:sp>
+      <p:sp>
+        <p:nvSpPr>
+          <p:cNvPr id="3" name="Content Placeholder 2">
+            <a:extLst>
+              <a:ext uri="{FF2B5EF4-FFF2-40B4-BE49-F238E27FC236}">
+                <a16:creationId xmlns:a16="http://schemas.microsoft.com/office/drawing/2014/main" id="{F450093E-D5E3-FA42-A83C-B3EC5BDC31B6}"/>
+              </a:ext>
+            </a:extLst>
+          </p:cNvPr>
+          <p:cNvSpPr>
+            <a:spLocks noGrp="1"/>
+          </p:cNvSpPr>
+          <p:nvPr>
+            <p:ph idx="1"/>
+          </p:nvPr>
+        </p:nvSpPr>
+        <p:spPr/>
+        <p:txBody>
+          <a:bodyPr/>
+          <a:lstStyle/>
+          <a:p>
+            <a:r>
+              <a:rPr lang="en-IN" dirty="0"/>
+              <a:t>Implements the basic material design visual layout structure.</a:t>
+            </a:r>
+          </a:p>
+          <a:p>
+            <a:endParaRPr lang="en-IN" dirty="0"/>
+          </a:p>
+          <a:p>
+            <a:r>
+              <a:rPr lang="en-IN" dirty="0"/>
+              <a:t>This class provides APIs for showing drawers and bottom sheets.</a:t>
+            </a:r>
+          </a:p>
+        </p:txBody>
+      </p:sp>
+      <p:pic>
+        <p:nvPicPr>
+          <p:cNvPr id="2050" name="Picture 2" descr="The Scaffold has a white background with a blue AppBar at the top. A blue FloatingActionButton is positioned at the bottom right corner of the Scaffold.">
+            <a:extLst>
+              <a:ext uri="{FF2B5EF4-FFF2-40B4-BE49-F238E27FC236}">
+                <a16:creationId xmlns:a16="http://schemas.microsoft.com/office/drawing/2014/main" id="{00DBC750-5814-C847-AF48-95EA51ED7015}"/>
+              </a:ext>
+            </a:extLst>
+          </p:cNvPr>
+          <p:cNvPicPr>
+            <a:picLocks noChangeAspect="1" noChangeArrowheads="1"/>
+          </p:cNvPicPr>
+          <p:nvPr/>
+        </p:nvPicPr>
+        <p:blipFill>
+          <a:blip r:embed="rId2">
+            <a:extLst>
+              <a:ext uri="{28A0092B-C50C-407E-A947-70E740481C1C}">
+                <a14:useLocalDpi xmlns:a14="http://schemas.microsoft.com/office/drawing/2010/main" val="0"/>
+              </a:ext>
+            </a:extLst>
+          </a:blip>
+          <a:srcRect/>
+          <a:stretch>
+            <a:fillRect/>
+          </a:stretch>
+        </p:blipFill>
+        <p:spPr bwMode="auto">
+          <a:xfrm>
+            <a:off x="8489499" y="635254"/>
+            <a:ext cx="3139040" cy="5587492"/>
+          </a:xfrm>
+          <a:prstGeom prst="rect">
+            <a:avLst/>
+          </a:prstGeom>
+          <a:noFill/>
+          <a:extLst>
+            <a:ext uri="{909E8E84-426E-40DD-AFC4-6F175D3DCCD1}">
+              <a14:hiddenFill xmlns:a14="http://schemas.microsoft.com/office/drawing/2010/main">
+                <a:solidFill>
+                  <a:srgbClr val="FFFFFF"/>
+                </a:solidFill>
+              </a14:hiddenFill>
+            </a:ext>
+          </a:extLst>
+        </p:spPr>
+      </p:pic>
+    </p:spTree>
+    <p:extLst>
+      <p:ext uri="{BB962C8B-B14F-4D97-AF65-F5344CB8AC3E}">
+        <p14:creationId xmlns:p14="http://schemas.microsoft.com/office/powerpoint/2010/main" val="624436353"/>
+      </p:ext>
+    </p:extLst>
+  </p:cSld>
+  <p:clrMapOvr>
+    <a:masterClrMapping/>
+  </p:clrMapOvr>
+</p:sld>
+</file>
+
+<file path=ppt/slides/slide11.xml><?xml version="1.0" encoding="utf-8"?>
+<p:sld xmlns:a="http://schemas.openxmlformats.org/drawingml/2006/main" xmlns:r="http://schemas.openxmlformats.org/officeDocument/2006/relationships" xmlns:p="http://schemas.openxmlformats.org/presentationml/2006/main">
+  <p:cSld>
+    <p:spTree>
+      <p:nvGrpSpPr>
+        <p:cNvPr id="1" name=""/>
+        <p:cNvGrpSpPr/>
+        <p:nvPr/>
+      </p:nvGrpSpPr>
+      <p:grpSpPr>
+        <a:xfrm>
+          <a:off x="0" y="0"/>
+          <a:ext cx="0" cy="0"/>
+          <a:chOff x="0" y="0"/>
+          <a:chExt cx="0" cy="0"/>
+        </a:xfrm>
+      </p:grpSpPr>
+      <p:sp>
+        <p:nvSpPr>
+          <p:cNvPr id="2" name="Title 1">
+            <a:extLst>
+              <a:ext uri="{FF2B5EF4-FFF2-40B4-BE49-F238E27FC236}">
+                <a16:creationId xmlns:a16="http://schemas.microsoft.com/office/drawing/2014/main" id="{08F01746-5149-E34A-87B0-02685CF332FB}"/>
+              </a:ext>
+            </a:extLst>
+          </p:cNvPr>
+          <p:cNvSpPr>
+            <a:spLocks noGrp="1"/>
+          </p:cNvSpPr>
+          <p:nvPr>
+            <p:ph type="title"/>
+          </p:nvPr>
+        </p:nvSpPr>
+        <p:spPr/>
+        <p:txBody>
+          <a:bodyPr/>
+          <a:lstStyle/>
+          <a:p>
+            <a:r>
+              <a:rPr lang="en-US" dirty="0" err="1"/>
+              <a:t>Appbar</a:t>
+            </a:r>
+            <a:r>
+              <a:rPr lang="en-US" dirty="0"/>
+              <a:t> widget</a:t>
+            </a:r>
+          </a:p>
+        </p:txBody>
+      </p:sp>
+      <p:sp>
+        <p:nvSpPr>
+          <p:cNvPr id="3" name="Content Placeholder 2">
+            <a:extLst>
+              <a:ext uri="{FF2B5EF4-FFF2-40B4-BE49-F238E27FC236}">
+                <a16:creationId xmlns:a16="http://schemas.microsoft.com/office/drawing/2014/main" id="{F450093E-D5E3-FA42-A83C-B3EC5BDC31B6}"/>
+              </a:ext>
+            </a:extLst>
+          </p:cNvPr>
+          <p:cNvSpPr>
+            <a:spLocks noGrp="1"/>
+          </p:cNvSpPr>
+          <p:nvPr>
+            <p:ph idx="1"/>
+          </p:nvPr>
+        </p:nvSpPr>
+        <p:spPr/>
+        <p:txBody>
+          <a:bodyPr/>
+          <a:lstStyle/>
+          <a:p>
+            <a:r>
+              <a:rPr lang="en-IN" dirty="0"/>
+              <a:t>A material design app bar consists of a toolbar and potentially other widgets, such as a </a:t>
+            </a:r>
+            <a:r>
+              <a:rPr lang="en-IN" dirty="0" err="1"/>
+              <a:t>TabBar</a:t>
+            </a:r>
+            <a:r>
+              <a:rPr lang="en-IN" dirty="0"/>
+              <a:t> and a </a:t>
+            </a:r>
+            <a:r>
+              <a:rPr lang="en-IN" dirty="0" err="1"/>
+              <a:t>FlexibleSpaceBar</a:t>
+            </a:r>
+            <a:r>
+              <a:rPr lang="en-IN" dirty="0"/>
+              <a:t>. </a:t>
+            </a:r>
+          </a:p>
+          <a:p>
+            <a:endParaRPr lang="en-IN" dirty="0"/>
+          </a:p>
+          <a:p>
+            <a:r>
+              <a:rPr lang="en-IN" dirty="0"/>
+              <a:t>App bars typically expose one or more common actions with </a:t>
+            </a:r>
+            <a:r>
+              <a:rPr lang="en-IN" dirty="0" err="1"/>
+              <a:t>IconButtons</a:t>
+            </a:r>
+            <a:endParaRPr lang="en-IN" dirty="0"/>
+          </a:p>
+        </p:txBody>
+      </p:sp>
+    </p:spTree>
+    <p:extLst>
+      <p:ext uri="{BB962C8B-B14F-4D97-AF65-F5344CB8AC3E}">
+        <p14:creationId xmlns:p14="http://schemas.microsoft.com/office/powerpoint/2010/main" val="3871910676"/>
+      </p:ext>
+    </p:extLst>
+  </p:cSld>
+  <p:clrMapOvr>
+    <a:masterClrMapping/>
+  </p:clrMapOvr>
+</p:sld>
+</file>
+
+<file path=ppt/slides/slide12.xml><?xml version="1.0" encoding="utf-8"?>
+<p:sld xmlns:a="http://schemas.openxmlformats.org/drawingml/2006/main" xmlns:r="http://schemas.openxmlformats.org/officeDocument/2006/relationships" xmlns:p="http://schemas.openxmlformats.org/presentationml/2006/main">
+  <p:cSld>
+    <p:spTree>
+      <p:nvGrpSpPr>
+        <p:cNvPr id="1" name=""/>
+        <p:cNvGrpSpPr/>
+        <p:nvPr/>
+      </p:nvGrpSpPr>
+      <p:grpSpPr>
+        <a:xfrm>
+          <a:off x="0" y="0"/>
+          <a:ext cx="0" cy="0"/>
+          <a:chOff x="0" y="0"/>
+          <a:chExt cx="0" cy="0"/>
+        </a:xfrm>
+      </p:grpSpPr>
+      <p:sp>
+        <p:nvSpPr>
+          <p:cNvPr id="2" name="Title 1">
+            <a:extLst>
+              <a:ext uri="{FF2B5EF4-FFF2-40B4-BE49-F238E27FC236}">
+                <a16:creationId xmlns:a16="http://schemas.microsoft.com/office/drawing/2014/main" id="{08F01746-5149-E34A-87B0-02685CF332FB}"/>
+              </a:ext>
+            </a:extLst>
+          </p:cNvPr>
+          <p:cNvSpPr>
+            <a:spLocks noGrp="1"/>
+          </p:cNvSpPr>
+          <p:nvPr>
+            <p:ph type="title"/>
+          </p:nvPr>
+        </p:nvSpPr>
+        <p:spPr/>
+        <p:txBody>
+          <a:bodyPr/>
+          <a:lstStyle/>
+          <a:p>
+            <a:r>
+              <a:rPr lang="en-US" dirty="0"/>
+              <a:t>Container widget</a:t>
+            </a:r>
+          </a:p>
+        </p:txBody>
+      </p:sp>
+      <p:sp>
+        <p:nvSpPr>
+          <p:cNvPr id="3" name="Content Placeholder 2">
+            <a:extLst>
+              <a:ext uri="{FF2B5EF4-FFF2-40B4-BE49-F238E27FC236}">
+                <a16:creationId xmlns:a16="http://schemas.microsoft.com/office/drawing/2014/main" id="{F450093E-D5E3-FA42-A83C-B3EC5BDC31B6}"/>
+              </a:ext>
+            </a:extLst>
+          </p:cNvPr>
+          <p:cNvSpPr>
+            <a:spLocks noGrp="1"/>
+          </p:cNvSpPr>
+          <p:nvPr>
+            <p:ph idx="1"/>
+          </p:nvPr>
+        </p:nvSpPr>
+        <p:spPr/>
+        <p:txBody>
+          <a:bodyPr/>
+          <a:lstStyle/>
+          <a:p>
+            <a:r>
+              <a:rPr lang="en-IN" dirty="0"/>
+              <a:t>The Container widget lets you create a rectangular visual element. A container can be decorated with a </a:t>
+            </a:r>
+            <a:r>
+              <a:rPr lang="en-IN" dirty="0">
+                <a:hlinkClick r:id="rId2"/>
+              </a:rPr>
+              <a:t>BoxDecoration</a:t>
+            </a:r>
+            <a:r>
+              <a:rPr lang="en-IN" dirty="0"/>
+              <a:t>, such as a background, a border, or a shadow. </a:t>
+            </a:r>
+          </a:p>
+          <a:p>
+            <a:endParaRPr lang="en-IN" dirty="0"/>
+          </a:p>
+          <a:p>
+            <a:r>
+              <a:rPr lang="en-IN" dirty="0"/>
+              <a:t>A Container can also have margins, padding, and constraints applied to its size. In addition, a Container can be transformed in three dimensional space using a matrix.</a:t>
+            </a:r>
+            <a:endParaRPr lang="en-US" dirty="0"/>
+          </a:p>
+        </p:txBody>
+      </p:sp>
+    </p:spTree>
+    <p:extLst>
+      <p:ext uri="{BB962C8B-B14F-4D97-AF65-F5344CB8AC3E}">
+        <p14:creationId xmlns:p14="http://schemas.microsoft.com/office/powerpoint/2010/main" val="2065876928"/>
+      </p:ext>
+    </p:extLst>
+  </p:cSld>
+  <p:clrMapOvr>
+    <a:masterClrMapping/>
+  </p:clrMapOvr>
+</p:sld>
+</file>
+
+<file path=ppt/slides/slide13.xml><?xml version="1.0" encoding="utf-8"?>
+<p:sld xmlns:a="http://schemas.openxmlformats.org/drawingml/2006/main" xmlns:r="http://schemas.openxmlformats.org/officeDocument/2006/relationships" xmlns:p="http://schemas.openxmlformats.org/presentationml/2006/main">
+  <p:cSld>
+    <p:spTree>
+      <p:nvGrpSpPr>
+        <p:cNvPr id="1" name=""/>
+        <p:cNvGrpSpPr/>
+        <p:nvPr/>
+      </p:nvGrpSpPr>
+      <p:grpSpPr>
+        <a:xfrm>
+          <a:off x="0" y="0"/>
+          <a:ext cx="0" cy="0"/>
+          <a:chOff x="0" y="0"/>
+          <a:chExt cx="0" cy="0"/>
+        </a:xfrm>
+      </p:grpSpPr>
+      <p:sp>
+        <p:nvSpPr>
+          <p:cNvPr id="2" name="Title 1">
+            <a:extLst>
+              <a:ext uri="{FF2B5EF4-FFF2-40B4-BE49-F238E27FC236}">
+                <a16:creationId xmlns:a16="http://schemas.microsoft.com/office/drawing/2014/main" id="{08F01746-5149-E34A-87B0-02685CF332FB}"/>
+              </a:ext>
+            </a:extLst>
+          </p:cNvPr>
+          <p:cNvSpPr>
+            <a:spLocks noGrp="1"/>
+          </p:cNvSpPr>
+          <p:nvPr>
+            <p:ph type="title"/>
+          </p:nvPr>
+        </p:nvSpPr>
+        <p:spPr/>
+        <p:txBody>
+          <a:bodyPr/>
+          <a:lstStyle/>
+          <a:p>
+            <a:r>
+              <a:rPr lang="en-US" dirty="0"/>
+              <a:t>Row, column widgets</a:t>
+            </a:r>
+          </a:p>
+        </p:txBody>
+      </p:sp>
+      <p:sp>
+        <p:nvSpPr>
+          <p:cNvPr id="3" name="Content Placeholder 2">
+            <a:extLst>
+              <a:ext uri="{FF2B5EF4-FFF2-40B4-BE49-F238E27FC236}">
+                <a16:creationId xmlns:a16="http://schemas.microsoft.com/office/drawing/2014/main" id="{F450093E-D5E3-FA42-A83C-B3EC5BDC31B6}"/>
+              </a:ext>
+            </a:extLst>
+          </p:cNvPr>
+          <p:cNvSpPr>
+            <a:spLocks noGrp="1"/>
+          </p:cNvSpPr>
+          <p:nvPr>
+            <p:ph idx="1"/>
+          </p:nvPr>
+        </p:nvSpPr>
+        <p:spPr/>
+        <p:txBody>
+          <a:bodyPr/>
+          <a:lstStyle/>
+          <a:p>
+            <a:r>
+              <a:rPr lang="en-IN" dirty="0"/>
+              <a:t>These flex widgets let you create flexible layouts in both the horizontal (Row) and vertical (Column) directions. </a:t>
+            </a:r>
+          </a:p>
+          <a:p>
+            <a:endParaRPr lang="en-IN" dirty="0"/>
+          </a:p>
+          <a:p>
+            <a:r>
+              <a:rPr lang="en-IN" dirty="0"/>
+              <a:t>The design of these objects is based on the web’s flexbox layout model.</a:t>
+            </a:r>
+          </a:p>
+          <a:p>
+            <a:endParaRPr lang="en-IN" dirty="0"/>
+          </a:p>
+          <a:p>
+            <a:r>
+              <a:rPr lang="en-IN" dirty="0"/>
+              <a:t>Row is widget that displays its children in a horizontal array.</a:t>
+            </a:r>
+          </a:p>
+          <a:p>
+            <a:endParaRPr lang="en-IN" dirty="0"/>
+          </a:p>
+          <a:p>
+            <a:r>
+              <a:rPr lang="en-IN" dirty="0"/>
+              <a:t>Column is a widget that displays its children in a vertical array.</a:t>
+            </a:r>
+          </a:p>
+        </p:txBody>
+      </p:sp>
+    </p:spTree>
+    <p:extLst>
+      <p:ext uri="{BB962C8B-B14F-4D97-AF65-F5344CB8AC3E}">
+        <p14:creationId xmlns:p14="http://schemas.microsoft.com/office/powerpoint/2010/main" val="2502009771"/>
+      </p:ext>
+    </p:extLst>
+  </p:cSld>
+  <p:clrMapOvr>
+    <a:masterClrMapping/>
+  </p:clrMapOvr>
+</p:sld>
+</file>
+
+<file path=ppt/slides/slide14.xml><?xml version="1.0" encoding="utf-8"?>
+<p:sld xmlns:a="http://schemas.openxmlformats.org/drawingml/2006/main" xmlns:r="http://schemas.openxmlformats.org/officeDocument/2006/relationships" xmlns:p="http://schemas.openxmlformats.org/presentationml/2006/main">
+  <p:cSld>
+    <p:spTree>
+      <p:nvGrpSpPr>
+        <p:cNvPr id="1" name=""/>
+        <p:cNvGrpSpPr/>
+        <p:nvPr/>
+      </p:nvGrpSpPr>
+      <p:grpSpPr>
+        <a:xfrm>
+          <a:off x="0" y="0"/>
+          <a:ext cx="0" cy="0"/>
+          <a:chOff x="0" y="0"/>
+          <a:chExt cx="0" cy="0"/>
+        </a:xfrm>
+      </p:grpSpPr>
+      <p:sp>
+        <p:nvSpPr>
+          <p:cNvPr id="2" name="Title 1">
+            <a:extLst>
+              <a:ext uri="{FF2B5EF4-FFF2-40B4-BE49-F238E27FC236}">
+                <a16:creationId xmlns:a16="http://schemas.microsoft.com/office/drawing/2014/main" id="{08F01746-5149-E34A-87B0-02685CF332FB}"/>
+              </a:ext>
+            </a:extLst>
+          </p:cNvPr>
+          <p:cNvSpPr>
+            <a:spLocks noGrp="1"/>
+          </p:cNvSpPr>
+          <p:nvPr>
+            <p:ph type="title"/>
+          </p:nvPr>
+        </p:nvSpPr>
+        <p:spPr/>
+        <p:txBody>
+          <a:bodyPr/>
+          <a:lstStyle/>
+          <a:p>
+            <a:r>
+              <a:rPr lang="en-US" dirty="0"/>
+              <a:t>Text widget</a:t>
+            </a:r>
+          </a:p>
+        </p:txBody>
+      </p:sp>
+      <p:sp>
+        <p:nvSpPr>
+          <p:cNvPr id="3" name="Content Placeholder 2">
+            <a:extLst>
+              <a:ext uri="{FF2B5EF4-FFF2-40B4-BE49-F238E27FC236}">
+                <a16:creationId xmlns:a16="http://schemas.microsoft.com/office/drawing/2014/main" id="{F450093E-D5E3-FA42-A83C-B3EC5BDC31B6}"/>
+              </a:ext>
+            </a:extLst>
+          </p:cNvPr>
+          <p:cNvSpPr>
+            <a:spLocks noGrp="1"/>
+          </p:cNvSpPr>
+          <p:nvPr>
+            <p:ph idx="1"/>
+          </p:nvPr>
+        </p:nvSpPr>
+        <p:spPr/>
+        <p:txBody>
+          <a:bodyPr/>
+          <a:lstStyle/>
+          <a:p>
+            <a:r>
+              <a:rPr lang="en-IN" dirty="0"/>
+              <a:t>The Text widget displays a string of text with single style. </a:t>
+            </a:r>
+          </a:p>
+          <a:p>
+            <a:endParaRPr lang="en-IN" dirty="0"/>
+          </a:p>
+          <a:p>
+            <a:r>
+              <a:rPr lang="en-IN" dirty="0"/>
+              <a:t>The string might break across multiple lines or might all be displayed on the same line depending on the layout constraints. </a:t>
+            </a:r>
+          </a:p>
+          <a:p>
+            <a:endParaRPr lang="en-IN" dirty="0"/>
+          </a:p>
+          <a:p>
+            <a:r>
+              <a:rPr lang="en-IN" dirty="0"/>
+              <a:t>The style argument is optional.</a:t>
+            </a:r>
+          </a:p>
+        </p:txBody>
+      </p:sp>
+    </p:spTree>
+    <p:extLst>
+      <p:ext uri="{BB962C8B-B14F-4D97-AF65-F5344CB8AC3E}">
+        <p14:creationId xmlns:p14="http://schemas.microsoft.com/office/powerpoint/2010/main" val="138455456"/>
+      </p:ext>
+    </p:extLst>
+  </p:cSld>
+  <p:clrMapOvr>
+    <a:masterClrMapping/>
+  </p:clrMapOvr>
+</p:sld>
+</file>
+
+<file path=ppt/slides/slide15.xml><?xml version="1.0" encoding="utf-8"?>
+<p:sld xmlns:a="http://schemas.openxmlformats.org/drawingml/2006/main" xmlns:r="http://schemas.openxmlformats.org/officeDocument/2006/relationships" xmlns:p="http://schemas.openxmlformats.org/presentationml/2006/main">
+  <p:cSld>
+    <p:spTree>
+      <p:nvGrpSpPr>
+        <p:cNvPr id="1" name=""/>
+        <p:cNvGrpSpPr/>
+        <p:nvPr/>
+      </p:nvGrpSpPr>
+      <p:grpSpPr>
+        <a:xfrm>
+          <a:off x="0" y="0"/>
+          <a:ext cx="0" cy="0"/>
+          <a:chOff x="0" y="0"/>
+          <a:chExt cx="0" cy="0"/>
+        </a:xfrm>
+      </p:grpSpPr>
+      <p:sp>
+        <p:nvSpPr>
+          <p:cNvPr id="2" name="Title 1">
+            <a:extLst>
+              <a:ext uri="{FF2B5EF4-FFF2-40B4-BE49-F238E27FC236}">
+                <a16:creationId xmlns:a16="http://schemas.microsoft.com/office/drawing/2014/main" id="{08F01746-5149-E34A-87B0-02685CF332FB}"/>
+              </a:ext>
+            </a:extLst>
+          </p:cNvPr>
+          <p:cNvSpPr>
+            <a:spLocks noGrp="1"/>
+          </p:cNvSpPr>
+          <p:nvPr>
+            <p:ph type="title"/>
+          </p:nvPr>
+        </p:nvSpPr>
+        <p:spPr/>
+        <p:txBody>
+          <a:bodyPr/>
+          <a:lstStyle/>
+          <a:p>
+            <a:r>
+              <a:rPr lang="en-US" dirty="0"/>
+              <a:t>Icons</a:t>
+            </a:r>
+          </a:p>
+        </p:txBody>
+      </p:sp>
+      <p:sp>
+        <p:nvSpPr>
+          <p:cNvPr id="3" name="Content Placeholder 2">
+            <a:extLst>
+              <a:ext uri="{FF2B5EF4-FFF2-40B4-BE49-F238E27FC236}">
+                <a16:creationId xmlns:a16="http://schemas.microsoft.com/office/drawing/2014/main" id="{F450093E-D5E3-FA42-A83C-B3EC5BDC31B6}"/>
+              </a:ext>
+            </a:extLst>
+          </p:cNvPr>
+          <p:cNvSpPr>
+            <a:spLocks noGrp="1"/>
+          </p:cNvSpPr>
+          <p:nvPr>
+            <p:ph idx="1"/>
+          </p:nvPr>
+        </p:nvSpPr>
+        <p:spPr/>
+        <p:txBody>
+          <a:bodyPr/>
+          <a:lstStyle/>
+          <a:p>
+            <a:r>
+              <a:rPr lang="en-IN" dirty="0"/>
+              <a:t>A graphical icon widget drawn with a glyph from a font described in an </a:t>
+            </a:r>
+            <a:r>
+              <a:rPr lang="en-IN" dirty="0">
+                <a:hlinkClick r:id="rId2"/>
+              </a:rPr>
+              <a:t>IconData</a:t>
+            </a:r>
+            <a:r>
+              <a:rPr lang="en-IN" dirty="0"/>
+              <a:t> such as material's predefined </a:t>
+            </a:r>
+            <a:r>
+              <a:rPr lang="en-IN" dirty="0" err="1">
+                <a:hlinkClick r:id="rId2"/>
+              </a:rPr>
+              <a:t>IconData</a:t>
+            </a:r>
+            <a:r>
+              <a:rPr lang="en-IN" dirty="0" err="1"/>
+              <a:t>s</a:t>
+            </a:r>
+            <a:r>
+              <a:rPr lang="en-IN" dirty="0"/>
+              <a:t> in </a:t>
+            </a:r>
+            <a:r>
+              <a:rPr lang="en-IN" dirty="0">
+                <a:hlinkClick r:id="rId3"/>
+              </a:rPr>
+              <a:t>Icons</a:t>
+            </a:r>
+            <a:r>
+              <a:rPr lang="en-IN" dirty="0"/>
+              <a:t>.</a:t>
+            </a:r>
+          </a:p>
+          <a:p>
+            <a:pPr marL="0" indent="0">
+              <a:buNone/>
+            </a:pPr>
+            <a:endParaRPr lang="en-IN" dirty="0"/>
+          </a:p>
+          <a:p>
+            <a:r>
+              <a:rPr lang="en-IN" dirty="0"/>
+              <a:t>Icons are not interactive. For an interactive icon, consider material's </a:t>
+            </a:r>
+            <a:r>
+              <a:rPr lang="en-IN" dirty="0">
+                <a:hlinkClick r:id="rId4"/>
+              </a:rPr>
+              <a:t>IconButton</a:t>
+            </a:r>
+            <a:r>
+              <a:rPr lang="en-IN" dirty="0"/>
+              <a:t>.</a:t>
+            </a:r>
+          </a:p>
+        </p:txBody>
+      </p:sp>
+    </p:spTree>
+    <p:extLst>
+      <p:ext uri="{BB962C8B-B14F-4D97-AF65-F5344CB8AC3E}">
+        <p14:creationId xmlns:p14="http://schemas.microsoft.com/office/powerpoint/2010/main" val="2514715186"/>
+      </p:ext>
+    </p:extLst>
+  </p:cSld>
+  <p:clrMapOvr>
+    <a:masterClrMapping/>
+  </p:clrMapOvr>
+</p:sld>
+</file>
+
+<file path=ppt/slides/slide16.xml><?xml version="1.0" encoding="utf-8"?>
+<p:sld xmlns:a="http://schemas.openxmlformats.org/drawingml/2006/main" xmlns:r="http://schemas.openxmlformats.org/officeDocument/2006/relationships" xmlns:p="http://schemas.openxmlformats.org/presentationml/2006/main">
+  <p:cSld>
+    <p:spTree>
+      <p:nvGrpSpPr>
+        <p:cNvPr id="1" name=""/>
+        <p:cNvGrpSpPr/>
+        <p:nvPr/>
+      </p:nvGrpSpPr>
+      <p:grpSpPr>
+        <a:xfrm>
+          <a:off x="0" y="0"/>
+          <a:ext cx="0" cy="0"/>
+          <a:chOff x="0" y="0"/>
+          <a:chExt cx="0" cy="0"/>
+        </a:xfrm>
+      </p:grpSpPr>
+      <p:sp>
+        <p:nvSpPr>
+          <p:cNvPr id="2" name="Title 1">
+            <a:extLst>
+              <a:ext uri="{FF2B5EF4-FFF2-40B4-BE49-F238E27FC236}">
+                <a16:creationId xmlns:a16="http://schemas.microsoft.com/office/drawing/2014/main" id="{08F01746-5149-E34A-87B0-02685CF332FB}"/>
+              </a:ext>
+            </a:extLst>
+          </p:cNvPr>
+          <p:cNvSpPr>
+            <a:spLocks noGrp="1"/>
+          </p:cNvSpPr>
+          <p:nvPr>
+            <p:ph type="title"/>
+          </p:nvPr>
+        </p:nvSpPr>
+        <p:spPr/>
+        <p:txBody>
+          <a:bodyPr/>
+          <a:lstStyle/>
+          <a:p>
+            <a:r>
+              <a:rPr lang="en-US" dirty="0"/>
+              <a:t>Image widget</a:t>
+            </a:r>
+          </a:p>
+        </p:txBody>
+      </p:sp>
+      <p:sp>
+        <p:nvSpPr>
+          <p:cNvPr id="3" name="Content Placeholder 2">
+            <a:extLst>
+              <a:ext uri="{FF2B5EF4-FFF2-40B4-BE49-F238E27FC236}">
+                <a16:creationId xmlns:a16="http://schemas.microsoft.com/office/drawing/2014/main" id="{F450093E-D5E3-FA42-A83C-B3EC5BDC31B6}"/>
+              </a:ext>
+            </a:extLst>
+          </p:cNvPr>
+          <p:cNvSpPr>
+            <a:spLocks noGrp="1"/>
+          </p:cNvSpPr>
+          <p:nvPr>
+            <p:ph idx="1"/>
+          </p:nvPr>
+        </p:nvSpPr>
+        <p:spPr/>
+        <p:txBody>
+          <a:bodyPr/>
+          <a:lstStyle/>
+          <a:p>
+            <a:r>
+              <a:rPr lang="en-IN" dirty="0"/>
+              <a:t>A widget that is used to display images in the application.</a:t>
+            </a:r>
+          </a:p>
+          <a:p>
+            <a:endParaRPr lang="en-IN" dirty="0"/>
+          </a:p>
+          <a:p>
+            <a:r>
+              <a:rPr lang="en-IN" dirty="0"/>
+              <a:t>Several constructors are provided for the various ways that an image can be specified:</a:t>
+            </a:r>
+          </a:p>
+          <a:p>
+            <a:pPr lvl="1"/>
+            <a:r>
+              <a:rPr lang="en-IN" dirty="0">
+                <a:hlinkClick r:id="rId2"/>
+              </a:rPr>
+              <a:t>new Image</a:t>
+            </a:r>
+            <a:r>
+              <a:rPr lang="en-IN" dirty="0"/>
+              <a:t>, for obtaining an image from an </a:t>
+            </a:r>
+            <a:r>
+              <a:rPr lang="en-IN" dirty="0">
+                <a:hlinkClick r:id="rId3"/>
+              </a:rPr>
+              <a:t>ImageProvider</a:t>
+            </a:r>
+            <a:r>
+              <a:rPr lang="en-IN" dirty="0"/>
+              <a:t>.</a:t>
+            </a:r>
+          </a:p>
+          <a:p>
+            <a:pPr lvl="1"/>
+            <a:r>
+              <a:rPr lang="en-IN" dirty="0">
+                <a:hlinkClick r:id="rId4"/>
+              </a:rPr>
+              <a:t>new Image.asset</a:t>
+            </a:r>
+            <a:r>
+              <a:rPr lang="en-IN" dirty="0"/>
+              <a:t>, for obtaining an image from an </a:t>
+            </a:r>
+            <a:r>
+              <a:rPr lang="en-IN" dirty="0">
+                <a:hlinkClick r:id="rId5"/>
+              </a:rPr>
+              <a:t>AssetBundle</a:t>
+            </a:r>
+            <a:r>
+              <a:rPr lang="en-IN" dirty="0"/>
+              <a:t> using a key.</a:t>
+            </a:r>
+          </a:p>
+          <a:p>
+            <a:pPr lvl="1"/>
+            <a:r>
+              <a:rPr lang="en-IN" dirty="0">
+                <a:hlinkClick r:id="rId6"/>
+              </a:rPr>
+              <a:t>new Image.network</a:t>
+            </a:r>
+            <a:r>
+              <a:rPr lang="en-IN" dirty="0"/>
+              <a:t>, for obtaining an image from a URL.</a:t>
+            </a:r>
+          </a:p>
+          <a:p>
+            <a:pPr lvl="1"/>
+            <a:r>
+              <a:rPr lang="en-IN" dirty="0">
+                <a:hlinkClick r:id="rId7"/>
+              </a:rPr>
+              <a:t>new Image.file</a:t>
+            </a:r>
+            <a:r>
+              <a:rPr lang="en-IN" dirty="0"/>
+              <a:t>, for obtaining an image from a </a:t>
+            </a:r>
+            <a:r>
+              <a:rPr lang="en-IN" dirty="0">
+                <a:hlinkClick r:id="rId8"/>
+              </a:rPr>
+              <a:t>File</a:t>
+            </a:r>
+            <a:r>
+              <a:rPr lang="en-IN" dirty="0"/>
+              <a:t>.</a:t>
+            </a:r>
+          </a:p>
+          <a:p>
+            <a:pPr lvl="1"/>
+            <a:r>
+              <a:rPr lang="en-IN" dirty="0">
+                <a:hlinkClick r:id="rId9"/>
+              </a:rPr>
+              <a:t>new Image.memory</a:t>
+            </a:r>
+            <a:r>
+              <a:rPr lang="en-IN" dirty="0"/>
+              <a:t>, for obtaining an image from a </a:t>
+            </a:r>
+            <a:r>
+              <a:rPr lang="en-IN" dirty="0">
+                <a:hlinkClick r:id="rId10"/>
+              </a:rPr>
+              <a:t>Uint8List</a:t>
+            </a:r>
+            <a:r>
+              <a:rPr lang="en-IN" dirty="0"/>
+              <a:t>.</a:t>
+            </a:r>
+          </a:p>
+          <a:p>
+            <a:endParaRPr lang="en-IN" dirty="0"/>
+          </a:p>
+        </p:txBody>
+      </p:sp>
+    </p:spTree>
+    <p:extLst>
+      <p:ext uri="{BB962C8B-B14F-4D97-AF65-F5344CB8AC3E}">
+        <p14:creationId xmlns:p14="http://schemas.microsoft.com/office/powerpoint/2010/main" val="2762348345"/>
+      </p:ext>
+    </p:extLst>
+  </p:cSld>
+  <p:clrMapOvr>
+    <a:masterClrMapping/>
+  </p:clrMapOvr>
+</p:sld>
+</file>
+
+<file path=ppt/slides/slide17.xml><?xml version="1.0" encoding="utf-8"?>
+<p:sld xmlns:a="http://schemas.openxmlformats.org/drawingml/2006/main" xmlns:r="http://schemas.openxmlformats.org/officeDocument/2006/relationships" xmlns:p="http://schemas.openxmlformats.org/presentationml/2006/main">
+  <p:cSld>
+    <p:spTree>
+      <p:nvGrpSpPr>
+        <p:cNvPr id="1" name=""/>
+        <p:cNvGrpSpPr/>
+        <p:nvPr/>
+      </p:nvGrpSpPr>
+      <p:grpSpPr>
+        <a:xfrm>
+          <a:off x="0" y="0"/>
+          <a:ext cx="0" cy="0"/>
+          <a:chOff x="0" y="0"/>
+          <a:chExt cx="0" cy="0"/>
+        </a:xfrm>
+      </p:grpSpPr>
+      <p:sp>
+        <p:nvSpPr>
+          <p:cNvPr id="2" name="Title 1">
+            <a:extLst>
+              <a:ext uri="{FF2B5EF4-FFF2-40B4-BE49-F238E27FC236}">
+                <a16:creationId xmlns:a16="http://schemas.microsoft.com/office/drawing/2014/main" id="{118C87DD-08E4-5F47-ADD8-FBC1E4552AA0}"/>
+              </a:ext>
+            </a:extLst>
+          </p:cNvPr>
+          <p:cNvSpPr>
+            <a:spLocks noGrp="1"/>
+          </p:cNvSpPr>
+          <p:nvPr>
+            <p:ph type="title"/>
+          </p:nvPr>
+        </p:nvSpPr>
+        <p:spPr/>
+        <p:txBody>
+          <a:bodyPr/>
+          <a:lstStyle/>
+          <a:p>
+            <a:r>
+              <a:rPr lang="en-US" dirty="0"/>
+              <a:t>Packages in flutter</a:t>
+            </a:r>
+          </a:p>
+        </p:txBody>
+      </p:sp>
+      <p:sp>
+        <p:nvSpPr>
+          <p:cNvPr id="3" name="Content Placeholder 2">
+            <a:extLst>
+              <a:ext uri="{FF2B5EF4-FFF2-40B4-BE49-F238E27FC236}">
+                <a16:creationId xmlns:a16="http://schemas.microsoft.com/office/drawing/2014/main" id="{FEE9AA64-80E0-314E-9CB6-EB83F52C1657}"/>
+              </a:ext>
+            </a:extLst>
+          </p:cNvPr>
+          <p:cNvSpPr>
+            <a:spLocks noGrp="1"/>
+          </p:cNvSpPr>
+          <p:nvPr>
+            <p:ph idx="1"/>
+          </p:nvPr>
+        </p:nvSpPr>
+        <p:spPr/>
+        <p:txBody>
+          <a:bodyPr/>
+          <a:lstStyle/>
+          <a:p>
+            <a:r>
+              <a:rPr lang="en-IN" dirty="0"/>
+              <a:t>Flutter supports using shared packages contributed by other developers to the Flutter and Dart ecosystems.</a:t>
+            </a:r>
+          </a:p>
+          <a:p>
+            <a:endParaRPr lang="en-IN" dirty="0"/>
+          </a:p>
+          <a:p>
+            <a:r>
+              <a:rPr lang="en-IN" dirty="0"/>
+              <a:t>This allows quickly building an app without having to develop everything from scratch.</a:t>
+            </a:r>
+          </a:p>
+          <a:p>
+            <a:endParaRPr lang="en-IN" dirty="0"/>
+          </a:p>
+          <a:p>
+            <a:r>
+              <a:rPr lang="en-IN" dirty="0"/>
+              <a:t>Website to check all the packages available – </a:t>
+            </a:r>
+            <a:r>
+              <a:rPr lang="en-IN" dirty="0">
+                <a:hlinkClick r:id="rId2"/>
+              </a:rPr>
+              <a:t>https://pub.dev</a:t>
+            </a:r>
+            <a:r>
+              <a:rPr lang="en-IN" dirty="0"/>
+              <a:t>	</a:t>
+            </a:r>
+            <a:endParaRPr lang="en-US" dirty="0"/>
+          </a:p>
+        </p:txBody>
+      </p:sp>
+    </p:spTree>
+    <p:extLst>
+      <p:ext uri="{BB962C8B-B14F-4D97-AF65-F5344CB8AC3E}">
+        <p14:creationId xmlns:p14="http://schemas.microsoft.com/office/powerpoint/2010/main" val="2082540175"/>
+      </p:ext>
+    </p:extLst>
+  </p:cSld>
+  <p:clrMapOvr>
+    <a:masterClrMapping/>
+  </p:clrMapOvr>
+</p:sld>
+</file>
+
+<file path=ppt/slides/slide18.xml><?xml version="1.0" encoding="utf-8"?>
+<p:sld xmlns:a="http://schemas.openxmlformats.org/drawingml/2006/main" xmlns:r="http://schemas.openxmlformats.org/officeDocument/2006/relationships" xmlns:p="http://schemas.openxmlformats.org/presentationml/2006/main">
+  <p:cSld>
+    <p:spTree>
+      <p:nvGrpSpPr>
+        <p:cNvPr id="1" name=""/>
+        <p:cNvGrpSpPr/>
+        <p:nvPr/>
+      </p:nvGrpSpPr>
+      <p:grpSpPr>
+        <a:xfrm>
+          <a:off x="0" y="0"/>
+          <a:ext cx="0" cy="0"/>
+          <a:chOff x="0" y="0"/>
+          <a:chExt cx="0" cy="0"/>
+        </a:xfrm>
+      </p:grpSpPr>
+      <p:pic>
+        <p:nvPicPr>
+          <p:cNvPr id="1026" name="Picture 2">
+            <a:extLst>
+              <a:ext uri="{FF2B5EF4-FFF2-40B4-BE49-F238E27FC236}">
+                <a16:creationId xmlns:a16="http://schemas.microsoft.com/office/drawing/2014/main" id="{A36C8958-B7D5-F644-833C-660B1E3C74B4}"/>
+              </a:ext>
+            </a:extLst>
+          </p:cNvPr>
+          <p:cNvPicPr>
+            <a:picLocks noChangeAspect="1" noChangeArrowheads="1"/>
+          </p:cNvPicPr>
+          <p:nvPr/>
+        </p:nvPicPr>
+        <p:blipFill>
+          <a:blip r:embed="rId2">
+            <a:extLst>
+              <a:ext uri="{28A0092B-C50C-407E-A947-70E740481C1C}">
+                <a14:useLocalDpi xmlns:a14="http://schemas.microsoft.com/office/drawing/2010/main" val="0"/>
+              </a:ext>
+            </a:extLst>
+          </a:blip>
+          <a:srcRect/>
+          <a:stretch>
+            <a:fillRect/>
+          </a:stretch>
+        </p:blipFill>
+        <p:spPr bwMode="auto">
+          <a:xfrm>
+            <a:off x="3049852" y="169334"/>
+            <a:ext cx="6092296" cy="4884692"/>
+          </a:xfrm>
+          <a:prstGeom prst="rect">
+            <a:avLst/>
+          </a:prstGeom>
+          <a:noFill/>
+          <a:extLst>
+            <a:ext uri="{909E8E84-426E-40DD-AFC4-6F175D3DCCD1}">
+              <a14:hiddenFill xmlns:a14="http://schemas.microsoft.com/office/drawing/2010/main">
+                <a:solidFill>
+                  <a:srgbClr val="FFFFFF"/>
+                </a:solidFill>
+              </a14:hiddenFill>
+            </a:ext>
+          </a:extLst>
+        </p:spPr>
+      </p:pic>
+      <p:sp>
+        <p:nvSpPr>
+          <p:cNvPr id="4" name="TextBox 3">
+            <a:extLst>
+              <a:ext uri="{FF2B5EF4-FFF2-40B4-BE49-F238E27FC236}">
+                <a16:creationId xmlns:a16="http://schemas.microsoft.com/office/drawing/2014/main" id="{45F8C4E1-0CA6-6548-981C-7522268A887B}"/>
+              </a:ext>
+            </a:extLst>
+          </p:cNvPr>
+          <p:cNvSpPr txBox="1"/>
+          <p:nvPr/>
+        </p:nvSpPr>
+        <p:spPr>
+          <a:xfrm>
+            <a:off x="2975504" y="5269004"/>
+            <a:ext cx="2133600" cy="1200329"/>
+          </a:xfrm>
+          <a:prstGeom prst="rect">
+            <a:avLst/>
+          </a:prstGeom>
+          <a:noFill/>
+        </p:spPr>
+        <p:txBody>
+          <a:bodyPr wrap="square" rtlCol="0">
+            <a:spAutoFit/>
+          </a:bodyPr>
+          <a:lstStyle/>
+          <a:p>
+            <a:pPr algn="ctr"/>
+            <a:r>
+              <a:rPr lang="en-US" dirty="0"/>
+              <a:t>Cannot be updated on user interaction</a:t>
+            </a:r>
+          </a:p>
+          <a:p>
+            <a:pPr algn="ctr"/>
+            <a:endParaRPr lang="en-US" dirty="0"/>
+          </a:p>
+          <a:p>
+            <a:pPr algn="ctr"/>
+            <a:r>
+              <a:rPr lang="en-US" dirty="0"/>
+              <a:t>Shortcut - </a:t>
+            </a:r>
+            <a:r>
+              <a:rPr lang="en-US" dirty="0" err="1"/>
+              <a:t>stl</a:t>
+            </a:r>
+            <a:endParaRPr lang="en-US" dirty="0"/>
+          </a:p>
+        </p:txBody>
+      </p:sp>
+      <p:sp>
+        <p:nvSpPr>
+          <p:cNvPr id="6" name="TextBox 5">
+            <a:extLst>
+              <a:ext uri="{FF2B5EF4-FFF2-40B4-BE49-F238E27FC236}">
+                <a16:creationId xmlns:a16="http://schemas.microsoft.com/office/drawing/2014/main" id="{E042E13C-520D-1347-9797-6EF54AF4D4E4}"/>
+              </a:ext>
+            </a:extLst>
+          </p:cNvPr>
+          <p:cNvSpPr txBox="1"/>
+          <p:nvPr/>
+        </p:nvSpPr>
+        <p:spPr>
+          <a:xfrm>
+            <a:off x="5892800" y="5269003"/>
+            <a:ext cx="2133600" cy="1200329"/>
+          </a:xfrm>
+          <a:prstGeom prst="rect">
+            <a:avLst/>
+          </a:prstGeom>
+          <a:noFill/>
+        </p:spPr>
+        <p:txBody>
+          <a:bodyPr wrap="square" rtlCol="0">
+            <a:spAutoFit/>
+          </a:bodyPr>
+          <a:lstStyle/>
+          <a:p>
+            <a:pPr algn="ctr"/>
+            <a:r>
+              <a:rPr lang="en-US" dirty="0"/>
+              <a:t>Can be updated on user interaction</a:t>
+            </a:r>
+          </a:p>
+          <a:p>
+            <a:pPr algn="ctr"/>
+            <a:endParaRPr lang="en-US" dirty="0"/>
+          </a:p>
+          <a:p>
+            <a:pPr algn="ctr"/>
+            <a:r>
+              <a:rPr lang="en-US" dirty="0"/>
+              <a:t>Shortcut - </a:t>
+            </a:r>
+            <a:r>
+              <a:rPr lang="en-US" dirty="0" err="1"/>
+              <a:t>stf</a:t>
+            </a:r>
+            <a:endParaRPr lang="en-US" dirty="0"/>
+          </a:p>
+        </p:txBody>
+      </p:sp>
+    </p:spTree>
+    <p:extLst>
+      <p:ext uri="{BB962C8B-B14F-4D97-AF65-F5344CB8AC3E}">
+        <p14:creationId xmlns:p14="http://schemas.microsoft.com/office/powerpoint/2010/main" val="2335687602"/>
+      </p:ext>
+    </p:extLst>
+  </p:cSld>
+  <p:clrMapOvr>
+    <a:masterClrMapping/>
+  </p:clrMapOvr>
+</p:sld>
+</file>
+
 <file path=ppt/slides/slide2.xml><?xml version="1.0" encoding="utf-8"?>
 <p:sld xmlns:a="http://schemas.openxmlformats.org/drawingml/2006/main" xmlns:r="http://schemas.openxmlformats.org/officeDocument/2006/relationships" xmlns:p="http://schemas.openxmlformats.org/presentationml/2006/main">
   <p:cSld>
@@ -7513,7 +8748,16 @@
           <a:p>
             <a:r>
               <a:rPr lang="en-IN" dirty="0"/>
-              <a:t>Widgets describe what their view should look like given their current configuration and state. When a widget’s state changes, the widget rebuilds its description</a:t>
+              <a:t>Widgets describe what their view should look like given their current configuration and state. When a widget’s state changes, the widget rebuilds its description.</a:t>
+            </a:r>
+          </a:p>
+          <a:p>
+            <a:endParaRPr lang="en-IN" dirty="0"/>
+          </a:p>
+          <a:p>
+            <a:r>
+              <a:rPr lang="en-IN" dirty="0"/>
+              <a:t>Examples – Container, Row, Column, Image, Icon etc.</a:t>
             </a:r>
             <a:endParaRPr lang="en-US" dirty="0"/>
           </a:p>
@@ -7549,152 +8793,96 @@
           <a:chExt cx="0" cy="0"/>
         </a:xfrm>
       </p:grpSpPr>
-      <p:pic>
-        <p:nvPicPr>
-          <p:cNvPr id="1026" name="Picture 2">
+      <p:sp>
+        <p:nvSpPr>
+          <p:cNvPr id="2" name="Title 1">
             <a:extLst>
               <a:ext uri="{FF2B5EF4-FFF2-40B4-BE49-F238E27FC236}">
-                <a16:creationId xmlns:a16="http://schemas.microsoft.com/office/drawing/2014/main" id="{A36C8958-B7D5-F644-833C-660B1E3C74B4}"/>
+                <a16:creationId xmlns:a16="http://schemas.microsoft.com/office/drawing/2014/main" id="{9A3837F2-C4CD-684B-8DD5-F961D7CEB8C0}"/>
               </a:ext>
             </a:extLst>
           </p:cNvPr>
-          <p:cNvPicPr>
-            <a:picLocks noChangeAspect="1" noChangeArrowheads="1"/>
-          </p:cNvPicPr>
-          <p:nvPr/>
-        </p:nvPicPr>
-        <p:blipFill>
-          <a:blip r:embed="rId2">
-            <a:extLst>
-              <a:ext uri="{28A0092B-C50C-407E-A947-70E740481C1C}">
-                <a14:useLocalDpi xmlns:a14="http://schemas.microsoft.com/office/drawing/2010/main" val="0"/>
-              </a:ext>
-            </a:extLst>
-          </a:blip>
-          <a:srcRect/>
-          <a:stretch>
-            <a:fillRect/>
-          </a:stretch>
-        </p:blipFill>
-        <p:spPr bwMode="auto">
-          <a:xfrm>
-            <a:off x="3049852" y="169334"/>
-            <a:ext cx="6092296" cy="4884692"/>
-          </a:xfrm>
-          <a:prstGeom prst="rect">
-            <a:avLst/>
-          </a:prstGeom>
-          <a:noFill/>
-          <a:extLst>
-            <a:ext uri="{909E8E84-426E-40DD-AFC4-6F175D3DCCD1}">
-              <a14:hiddenFill xmlns:a14="http://schemas.microsoft.com/office/drawing/2010/main">
-                <a:solidFill>
-                  <a:srgbClr val="FFFFFF"/>
-                </a:solidFill>
-              </a14:hiddenFill>
-            </a:ext>
-          </a:extLst>
-        </p:spPr>
-      </p:pic>
-      <p:sp>
-        <p:nvSpPr>
-          <p:cNvPr id="4" name="TextBox 3">
+          <p:cNvSpPr>
+            <a:spLocks noGrp="1"/>
+          </p:cNvSpPr>
+          <p:nvPr>
+            <p:ph type="title"/>
+          </p:nvPr>
+        </p:nvSpPr>
+        <p:spPr/>
+        <p:txBody>
+          <a:bodyPr/>
+          <a:lstStyle/>
+          <a:p>
+            <a:r>
+              <a:rPr lang="en-US" dirty="0"/>
+              <a:t>Material app</a:t>
+            </a:r>
+          </a:p>
+        </p:txBody>
+      </p:sp>
+      <p:sp>
+        <p:nvSpPr>
+          <p:cNvPr id="3" name="Content Placeholder 2">
             <a:extLst>
               <a:ext uri="{FF2B5EF4-FFF2-40B4-BE49-F238E27FC236}">
-                <a16:creationId xmlns:a16="http://schemas.microsoft.com/office/drawing/2014/main" id="{45F8C4E1-0CA6-6548-981C-7522268A887B}"/>
+                <a16:creationId xmlns:a16="http://schemas.microsoft.com/office/drawing/2014/main" id="{813C1C68-8457-7D42-848F-09DE86B59F84}"/>
               </a:ext>
             </a:extLst>
           </p:cNvPr>
-          <p:cNvSpPr txBox="1"/>
-          <p:nvPr/>
-        </p:nvSpPr>
-        <p:spPr>
-          <a:xfrm>
-            <a:off x="2975504" y="5269004"/>
-            <a:ext cx="2133600" cy="1200329"/>
-          </a:xfrm>
-          <a:prstGeom prst="rect">
-            <a:avLst/>
-          </a:prstGeom>
-          <a:noFill/>
-        </p:spPr>
-        <p:txBody>
-          <a:bodyPr wrap="square" rtlCol="0">
-            <a:spAutoFit/>
-          </a:bodyPr>
+          <p:cNvSpPr>
+            <a:spLocks noGrp="1"/>
+          </p:cNvSpPr>
+          <p:nvPr>
+            <p:ph idx="1"/>
+          </p:nvPr>
+        </p:nvSpPr>
+        <p:spPr/>
+        <p:txBody>
+          <a:bodyPr/>
           <a:lstStyle/>
           <a:p>
-            <a:pPr algn="ctr"/>
+            <a:r>
+              <a:rPr lang="en-IN" dirty="0" err="1"/>
+              <a:t>MaterialApp</a:t>
+            </a:r>
+            <a:r>
+              <a:rPr lang="en-IN" dirty="0"/>
+              <a:t> is </a:t>
+            </a:r>
+            <a:r>
+              <a:rPr lang="en-IN" b="1" dirty="0"/>
+              <a:t>a predefined class in a flutter</a:t>
+            </a:r>
+            <a:r>
+              <a:rPr lang="en-IN" dirty="0"/>
+              <a:t>.</a:t>
+            </a:r>
+          </a:p>
+          <a:p>
+            <a:endParaRPr lang="en-IN" dirty="0"/>
+          </a:p>
+          <a:p>
+            <a:r>
+              <a:rPr lang="en-IN" dirty="0"/>
+              <a:t>It is likely the main or core component of flutter. We can access all the other components and widgets provided by Flutter SDK.</a:t>
+            </a:r>
+          </a:p>
+          <a:p>
+            <a:endParaRPr lang="en-IN" dirty="0"/>
+          </a:p>
+          <a:p>
+            <a:r>
+              <a:rPr lang="en-US" dirty="0" err="1"/>
+              <a:t>MaterialApp</a:t>
+            </a:r>
             <a:r>
               <a:rPr lang="en-US" dirty="0"/>
-              <a:t>Cannot be updated on user interaction</a:t>
-            </a:r>
-          </a:p>
-          <a:p>
-            <a:pPr algn="ctr"/>
-            <a:endParaRPr lang="en-US" dirty="0"/>
-          </a:p>
-          <a:p>
-            <a:pPr algn="ctr"/>
-            <a:r>
-              <a:rPr lang="en-US" dirty="0"/>
-              <a:t>Shortcut - </a:t>
-            </a:r>
-            <a:r>
-              <a:rPr lang="en-US" dirty="0" err="1"/>
-              <a:t>stl</a:t>
-            </a:r>
-            <a:endParaRPr lang="en-US" dirty="0"/>
-          </a:p>
-        </p:txBody>
-      </p:sp>
-      <p:sp>
-        <p:nvSpPr>
-          <p:cNvPr id="6" name="TextBox 5">
-            <a:extLst>
-              <a:ext uri="{FF2B5EF4-FFF2-40B4-BE49-F238E27FC236}">
-                <a16:creationId xmlns:a16="http://schemas.microsoft.com/office/drawing/2014/main" id="{E042E13C-520D-1347-9797-6EF54AF4D4E4}"/>
-              </a:ext>
-            </a:extLst>
-          </p:cNvPr>
-          <p:cNvSpPr txBox="1"/>
-          <p:nvPr/>
-        </p:nvSpPr>
-        <p:spPr>
-          <a:xfrm>
-            <a:off x="5892800" y="5269003"/>
-            <a:ext cx="2133600" cy="1200329"/>
-          </a:xfrm>
-          <a:prstGeom prst="rect">
-            <a:avLst/>
-          </a:prstGeom>
-          <a:noFill/>
-        </p:spPr>
-        <p:txBody>
-          <a:bodyPr wrap="square" rtlCol="0">
-            <a:spAutoFit/>
-          </a:bodyPr>
-          <a:lstStyle/>
-          <a:p>
-            <a:pPr algn="ctr"/>
-            <a:r>
-              <a:rPr lang="en-US" dirty="0"/>
-              <a:t>Can be updated on user interaction</a:t>
-            </a:r>
-          </a:p>
-          <a:p>
-            <a:pPr algn="ctr"/>
-            <a:endParaRPr lang="en-US" dirty="0"/>
-          </a:p>
-          <a:p>
-            <a:pPr algn="ctr"/>
-            <a:r>
-              <a:rPr lang="en-US" dirty="0"/>
-              <a:t>Shortcut - </a:t>
-            </a:r>
-            <a:r>
-              <a:rPr lang="en-US" dirty="0" err="1"/>
-              <a:t>stf</a:t>
+              <a:t> is a widget that introduces many interesting tools such as Navigator or Theme to help you develop your app. Material is, on the other hand, a widget used to define a UI element respecting </a:t>
+            </a:r>
+            <a:r>
+              <a:rPr lang="en-US"/>
+              <a:t>Material rules.</a:t>
             </a:r>
             <a:endParaRPr lang="en-US" dirty="0"/>
           </a:p>
@@ -7703,7 +8891,7 @@
     </p:spTree>
     <p:extLst>
       <p:ext uri="{BB962C8B-B14F-4D97-AF65-F5344CB8AC3E}">
-        <p14:creationId xmlns:p14="http://schemas.microsoft.com/office/powerpoint/2010/main" val="2335687602"/>
+        <p14:creationId xmlns:p14="http://schemas.microsoft.com/office/powerpoint/2010/main" val="3678167165"/>
       </p:ext>
     </p:extLst>
   </p:cSld>

--- a/Flutter Workshop.pptx
+++ b/Flutter Workshop.pptx
@@ -10,19 +10,20 @@
     <p:sldId id="259" r:id="rId4"/>
     <p:sldId id="258" r:id="rId5"/>
     <p:sldId id="260" r:id="rId6"/>
-    <p:sldId id="261" r:id="rId7"/>
-    <p:sldId id="262" r:id="rId8"/>
-    <p:sldId id="263" r:id="rId9"/>
-    <p:sldId id="273" r:id="rId10"/>
-    <p:sldId id="270" r:id="rId11"/>
-    <p:sldId id="271" r:id="rId12"/>
-    <p:sldId id="265" r:id="rId13"/>
-    <p:sldId id="266" r:id="rId14"/>
-    <p:sldId id="267" r:id="rId15"/>
-    <p:sldId id="268" r:id="rId16"/>
-    <p:sldId id="269" r:id="rId17"/>
-    <p:sldId id="272" r:id="rId18"/>
-    <p:sldId id="264" r:id="rId19"/>
+    <p:sldId id="274" r:id="rId7"/>
+    <p:sldId id="261" r:id="rId8"/>
+    <p:sldId id="262" r:id="rId9"/>
+    <p:sldId id="263" r:id="rId10"/>
+    <p:sldId id="264" r:id="rId11"/>
+    <p:sldId id="273" r:id="rId12"/>
+    <p:sldId id="270" r:id="rId13"/>
+    <p:sldId id="271" r:id="rId14"/>
+    <p:sldId id="265" r:id="rId15"/>
+    <p:sldId id="266" r:id="rId16"/>
+    <p:sldId id="267" r:id="rId17"/>
+    <p:sldId id="268" r:id="rId18"/>
+    <p:sldId id="269" r:id="rId19"/>
+    <p:sldId id="272" r:id="rId20"/>
   </p:sldIdLst>
   <p:sldSz cx="12192000" cy="6858000"/>
   <p:notesSz cx="6858000" cy="9144000"/>
@@ -6804,11 +6805,21 @@
             <p:ph type="ctrTitle"/>
           </p:nvPr>
         </p:nvSpPr>
-        <p:spPr/>
+        <p:spPr>
+          <a:xfrm>
+            <a:off x="1078521" y="1231506"/>
+            <a:ext cx="10318418" cy="4394988"/>
+          </a:xfrm>
+        </p:spPr>
         <p:txBody>
           <a:bodyPr/>
           <a:lstStyle/>
           <a:p>
+            <a:pPr>
+              <a:lnSpc>
+                <a:spcPct val="150000"/>
+              </a:lnSpc>
+            </a:pPr>
             <a:r>
               <a:rPr lang="en-US" sz="3600" dirty="0"/>
               <a:t>Introduction to app development </a:t>
@@ -6816,16 +6827,10 @@
             <a:br>
               <a:rPr lang="en-US" sz="3600" dirty="0"/>
             </a:br>
-            <a:br>
-              <a:rPr lang="en-US" sz="3600" dirty="0"/>
-            </a:br>
             <a:r>
               <a:rPr lang="en-US" sz="3600" dirty="0"/>
               <a:t>&amp;</a:t>
             </a:r>
-            <a:br>
-              <a:rPr lang="en-US" sz="3600" dirty="0"/>
-            </a:br>
             <a:br>
               <a:rPr lang="en-US" sz="3600" dirty="0"/>
             </a:br>
@@ -6861,128 +6866,23 @@
           <a:p>
             <a:r>
               <a:rPr lang="en-US" dirty="0"/>
-              <a:t>Narayan </a:t>
-            </a:r>
-            <a:r>
-              <a:rPr lang="en-US" dirty="0" err="1"/>
-              <a:t>vyas</a:t>
-            </a:r>
-            <a:endParaRPr lang="en-US" dirty="0"/>
+              <a:t>Narayan vyas</a:t>
+            </a:r>
           </a:p>
           <a:p>
             <a:r>
               <a:rPr lang="en-US" dirty="0"/>
-              <a:t>Sr. Developer, </a:t>
-            </a:r>
-            <a:r>
-              <a:rPr lang="en-US" dirty="0" err="1"/>
-              <a:t>Flexxited</a:t>
-            </a:r>
-            <a:endParaRPr lang="en-US" dirty="0"/>
-          </a:p>
-        </p:txBody>
-      </p:sp>
-    </p:spTree>
-    <p:extLst>
-      <p:ext uri="{BB962C8B-B14F-4D97-AF65-F5344CB8AC3E}">
-        <p14:creationId xmlns:p14="http://schemas.microsoft.com/office/powerpoint/2010/main" val="571155388"/>
-      </p:ext>
-    </p:extLst>
-  </p:cSld>
-  <p:clrMapOvr>
-    <a:masterClrMapping/>
-  </p:clrMapOvr>
-</p:sld>
-</file>
-
-<file path=ppt/slides/slide10.xml><?xml version="1.0" encoding="utf-8"?>
-<p:sld xmlns:a="http://schemas.openxmlformats.org/drawingml/2006/main" xmlns:r="http://schemas.openxmlformats.org/officeDocument/2006/relationships" xmlns:p="http://schemas.openxmlformats.org/presentationml/2006/main">
-  <p:cSld>
-    <p:spTree>
-      <p:nvGrpSpPr>
-        <p:cNvPr id="1" name=""/>
-        <p:cNvGrpSpPr/>
-        <p:nvPr/>
-      </p:nvGrpSpPr>
-      <p:grpSpPr>
-        <a:xfrm>
-          <a:off x="0" y="0"/>
-          <a:ext cx="0" cy="0"/>
-          <a:chOff x="0" y="0"/>
-          <a:chExt cx="0" cy="0"/>
-        </a:xfrm>
-      </p:grpSpPr>
-      <p:sp>
-        <p:nvSpPr>
-          <p:cNvPr id="2" name="Title 1">
+              <a:t>Sr. Developer, Flexxited</a:t>
+            </a:r>
+          </a:p>
+        </p:txBody>
+      </p:sp>
+      <p:pic>
+        <p:nvPicPr>
+          <p:cNvPr id="1026" name="Picture 2">
             <a:extLst>
               <a:ext uri="{FF2B5EF4-FFF2-40B4-BE49-F238E27FC236}">
-                <a16:creationId xmlns:a16="http://schemas.microsoft.com/office/drawing/2014/main" id="{08F01746-5149-E34A-87B0-02685CF332FB}"/>
-              </a:ext>
-            </a:extLst>
-          </p:cNvPr>
-          <p:cNvSpPr>
-            <a:spLocks noGrp="1"/>
-          </p:cNvSpPr>
-          <p:nvPr>
-            <p:ph type="title"/>
-          </p:nvPr>
-        </p:nvSpPr>
-        <p:spPr/>
-        <p:txBody>
-          <a:bodyPr/>
-          <a:lstStyle/>
-          <a:p>
-            <a:r>
-              <a:rPr lang="en-US" dirty="0"/>
-              <a:t>Scaffold</a:t>
-            </a:r>
-          </a:p>
-        </p:txBody>
-      </p:sp>
-      <p:sp>
-        <p:nvSpPr>
-          <p:cNvPr id="3" name="Content Placeholder 2">
-            <a:extLst>
-              <a:ext uri="{FF2B5EF4-FFF2-40B4-BE49-F238E27FC236}">
-                <a16:creationId xmlns:a16="http://schemas.microsoft.com/office/drawing/2014/main" id="{F450093E-D5E3-FA42-A83C-B3EC5BDC31B6}"/>
-              </a:ext>
-            </a:extLst>
-          </p:cNvPr>
-          <p:cNvSpPr>
-            <a:spLocks noGrp="1"/>
-          </p:cNvSpPr>
-          <p:nvPr>
-            <p:ph idx="1"/>
-          </p:nvPr>
-        </p:nvSpPr>
-        <p:spPr/>
-        <p:txBody>
-          <a:bodyPr/>
-          <a:lstStyle/>
-          <a:p>
-            <a:r>
-              <a:rPr lang="en-IN" dirty="0"/>
-              <a:t>Implements the basic material design visual layout structure.</a:t>
-            </a:r>
-          </a:p>
-          <a:p>
-            <a:endParaRPr lang="en-IN" dirty="0"/>
-          </a:p>
-          <a:p>
-            <a:r>
-              <a:rPr lang="en-IN" dirty="0"/>
-              <a:t>This class provides APIs for showing drawers and bottom sheets.</a:t>
-            </a:r>
-          </a:p>
-        </p:txBody>
-      </p:sp>
-      <p:pic>
-        <p:nvPicPr>
-          <p:cNvPr id="2050" name="Picture 2" descr="The Scaffold has a white background with a blue AppBar at the top. A blue FloatingActionButton is positioned at the bottom right corner of the Scaffold.">
-            <a:extLst>
-              <a:ext uri="{FF2B5EF4-FFF2-40B4-BE49-F238E27FC236}">
-                <a16:creationId xmlns:a16="http://schemas.microsoft.com/office/drawing/2014/main" id="{00DBC750-5814-C847-AF48-95EA51ED7015}"/>
+                <a16:creationId xmlns:a16="http://schemas.microsoft.com/office/drawing/2014/main" id="{8FD54320-E717-014C-AC87-90FB4983861C}"/>
               </a:ext>
             </a:extLst>
           </p:cNvPr>
@@ -7006,8 +6906,8 @@
         </p:blipFill>
         <p:spPr bwMode="auto">
           <a:xfrm>
-            <a:off x="8489499" y="635254"/>
-            <a:ext cx="3139040" cy="5587492"/>
+            <a:off x="5182572" y="1098388"/>
+            <a:ext cx="2110317" cy="602193"/>
           </a:xfrm>
           <a:prstGeom prst="rect">
             <a:avLst/>
@@ -7027,7 +6927,7 @@
     </p:spTree>
     <p:extLst>
       <p:ext uri="{BB962C8B-B14F-4D97-AF65-F5344CB8AC3E}">
-        <p14:creationId xmlns:p14="http://schemas.microsoft.com/office/powerpoint/2010/main" val="624436353"/>
+        <p14:creationId xmlns:p14="http://schemas.microsoft.com/office/powerpoint/2010/main" val="571155388"/>
       </p:ext>
     </p:extLst>
   </p:cSld>
@@ -7037,910 +6937,7 @@
 </p:sld>
 </file>
 
-<file path=ppt/slides/slide11.xml><?xml version="1.0" encoding="utf-8"?>
-<p:sld xmlns:a="http://schemas.openxmlformats.org/drawingml/2006/main" xmlns:r="http://schemas.openxmlformats.org/officeDocument/2006/relationships" xmlns:p="http://schemas.openxmlformats.org/presentationml/2006/main">
-  <p:cSld>
-    <p:spTree>
-      <p:nvGrpSpPr>
-        <p:cNvPr id="1" name=""/>
-        <p:cNvGrpSpPr/>
-        <p:nvPr/>
-      </p:nvGrpSpPr>
-      <p:grpSpPr>
-        <a:xfrm>
-          <a:off x="0" y="0"/>
-          <a:ext cx="0" cy="0"/>
-          <a:chOff x="0" y="0"/>
-          <a:chExt cx="0" cy="0"/>
-        </a:xfrm>
-      </p:grpSpPr>
-      <p:sp>
-        <p:nvSpPr>
-          <p:cNvPr id="2" name="Title 1">
-            <a:extLst>
-              <a:ext uri="{FF2B5EF4-FFF2-40B4-BE49-F238E27FC236}">
-                <a16:creationId xmlns:a16="http://schemas.microsoft.com/office/drawing/2014/main" id="{08F01746-5149-E34A-87B0-02685CF332FB}"/>
-              </a:ext>
-            </a:extLst>
-          </p:cNvPr>
-          <p:cNvSpPr>
-            <a:spLocks noGrp="1"/>
-          </p:cNvSpPr>
-          <p:nvPr>
-            <p:ph type="title"/>
-          </p:nvPr>
-        </p:nvSpPr>
-        <p:spPr/>
-        <p:txBody>
-          <a:bodyPr/>
-          <a:lstStyle/>
-          <a:p>
-            <a:r>
-              <a:rPr lang="en-US" dirty="0" err="1"/>
-              <a:t>Appbar</a:t>
-            </a:r>
-            <a:r>
-              <a:rPr lang="en-US" dirty="0"/>
-              <a:t> widget</a:t>
-            </a:r>
-          </a:p>
-        </p:txBody>
-      </p:sp>
-      <p:sp>
-        <p:nvSpPr>
-          <p:cNvPr id="3" name="Content Placeholder 2">
-            <a:extLst>
-              <a:ext uri="{FF2B5EF4-FFF2-40B4-BE49-F238E27FC236}">
-                <a16:creationId xmlns:a16="http://schemas.microsoft.com/office/drawing/2014/main" id="{F450093E-D5E3-FA42-A83C-B3EC5BDC31B6}"/>
-              </a:ext>
-            </a:extLst>
-          </p:cNvPr>
-          <p:cNvSpPr>
-            <a:spLocks noGrp="1"/>
-          </p:cNvSpPr>
-          <p:nvPr>
-            <p:ph idx="1"/>
-          </p:nvPr>
-        </p:nvSpPr>
-        <p:spPr/>
-        <p:txBody>
-          <a:bodyPr/>
-          <a:lstStyle/>
-          <a:p>
-            <a:r>
-              <a:rPr lang="en-IN" dirty="0"/>
-              <a:t>A material design app bar consists of a toolbar and potentially other widgets, such as a </a:t>
-            </a:r>
-            <a:r>
-              <a:rPr lang="en-IN" dirty="0" err="1"/>
-              <a:t>TabBar</a:t>
-            </a:r>
-            <a:r>
-              <a:rPr lang="en-IN" dirty="0"/>
-              <a:t> and a </a:t>
-            </a:r>
-            <a:r>
-              <a:rPr lang="en-IN" dirty="0" err="1"/>
-              <a:t>FlexibleSpaceBar</a:t>
-            </a:r>
-            <a:r>
-              <a:rPr lang="en-IN" dirty="0"/>
-              <a:t>. </a:t>
-            </a:r>
-          </a:p>
-          <a:p>
-            <a:endParaRPr lang="en-IN" dirty="0"/>
-          </a:p>
-          <a:p>
-            <a:r>
-              <a:rPr lang="en-IN" dirty="0"/>
-              <a:t>App bars typically expose one or more common actions with </a:t>
-            </a:r>
-            <a:r>
-              <a:rPr lang="en-IN" dirty="0" err="1"/>
-              <a:t>IconButtons</a:t>
-            </a:r>
-            <a:endParaRPr lang="en-IN" dirty="0"/>
-          </a:p>
-        </p:txBody>
-      </p:sp>
-    </p:spTree>
-    <p:extLst>
-      <p:ext uri="{BB962C8B-B14F-4D97-AF65-F5344CB8AC3E}">
-        <p14:creationId xmlns:p14="http://schemas.microsoft.com/office/powerpoint/2010/main" val="3871910676"/>
-      </p:ext>
-    </p:extLst>
-  </p:cSld>
-  <p:clrMapOvr>
-    <a:masterClrMapping/>
-  </p:clrMapOvr>
-</p:sld>
-</file>
-
-<file path=ppt/slides/slide12.xml><?xml version="1.0" encoding="utf-8"?>
-<p:sld xmlns:a="http://schemas.openxmlformats.org/drawingml/2006/main" xmlns:r="http://schemas.openxmlformats.org/officeDocument/2006/relationships" xmlns:p="http://schemas.openxmlformats.org/presentationml/2006/main">
-  <p:cSld>
-    <p:spTree>
-      <p:nvGrpSpPr>
-        <p:cNvPr id="1" name=""/>
-        <p:cNvGrpSpPr/>
-        <p:nvPr/>
-      </p:nvGrpSpPr>
-      <p:grpSpPr>
-        <a:xfrm>
-          <a:off x="0" y="0"/>
-          <a:ext cx="0" cy="0"/>
-          <a:chOff x="0" y="0"/>
-          <a:chExt cx="0" cy="0"/>
-        </a:xfrm>
-      </p:grpSpPr>
-      <p:sp>
-        <p:nvSpPr>
-          <p:cNvPr id="2" name="Title 1">
-            <a:extLst>
-              <a:ext uri="{FF2B5EF4-FFF2-40B4-BE49-F238E27FC236}">
-                <a16:creationId xmlns:a16="http://schemas.microsoft.com/office/drawing/2014/main" id="{08F01746-5149-E34A-87B0-02685CF332FB}"/>
-              </a:ext>
-            </a:extLst>
-          </p:cNvPr>
-          <p:cNvSpPr>
-            <a:spLocks noGrp="1"/>
-          </p:cNvSpPr>
-          <p:nvPr>
-            <p:ph type="title"/>
-          </p:nvPr>
-        </p:nvSpPr>
-        <p:spPr/>
-        <p:txBody>
-          <a:bodyPr/>
-          <a:lstStyle/>
-          <a:p>
-            <a:r>
-              <a:rPr lang="en-US" dirty="0"/>
-              <a:t>Container widget</a:t>
-            </a:r>
-          </a:p>
-        </p:txBody>
-      </p:sp>
-      <p:sp>
-        <p:nvSpPr>
-          <p:cNvPr id="3" name="Content Placeholder 2">
-            <a:extLst>
-              <a:ext uri="{FF2B5EF4-FFF2-40B4-BE49-F238E27FC236}">
-                <a16:creationId xmlns:a16="http://schemas.microsoft.com/office/drawing/2014/main" id="{F450093E-D5E3-FA42-A83C-B3EC5BDC31B6}"/>
-              </a:ext>
-            </a:extLst>
-          </p:cNvPr>
-          <p:cNvSpPr>
-            <a:spLocks noGrp="1"/>
-          </p:cNvSpPr>
-          <p:nvPr>
-            <p:ph idx="1"/>
-          </p:nvPr>
-        </p:nvSpPr>
-        <p:spPr/>
-        <p:txBody>
-          <a:bodyPr/>
-          <a:lstStyle/>
-          <a:p>
-            <a:r>
-              <a:rPr lang="en-IN" dirty="0"/>
-              <a:t>The Container widget lets you create a rectangular visual element. A container can be decorated with a </a:t>
-            </a:r>
-            <a:r>
-              <a:rPr lang="en-IN" dirty="0">
-                <a:hlinkClick r:id="rId2"/>
-              </a:rPr>
-              <a:t>BoxDecoration</a:t>
-            </a:r>
-            <a:r>
-              <a:rPr lang="en-IN" dirty="0"/>
-              <a:t>, such as a background, a border, or a shadow. </a:t>
-            </a:r>
-          </a:p>
-          <a:p>
-            <a:endParaRPr lang="en-IN" dirty="0"/>
-          </a:p>
-          <a:p>
-            <a:r>
-              <a:rPr lang="en-IN" dirty="0"/>
-              <a:t>A Container can also have margins, padding, and constraints applied to its size. In addition, a Container can be transformed in three dimensional space using a matrix.</a:t>
-            </a:r>
-            <a:endParaRPr lang="en-US" dirty="0"/>
-          </a:p>
-        </p:txBody>
-      </p:sp>
-    </p:spTree>
-    <p:extLst>
-      <p:ext uri="{BB962C8B-B14F-4D97-AF65-F5344CB8AC3E}">
-        <p14:creationId xmlns:p14="http://schemas.microsoft.com/office/powerpoint/2010/main" val="2065876928"/>
-      </p:ext>
-    </p:extLst>
-  </p:cSld>
-  <p:clrMapOvr>
-    <a:masterClrMapping/>
-  </p:clrMapOvr>
-</p:sld>
-</file>
-
-<file path=ppt/slides/slide13.xml><?xml version="1.0" encoding="utf-8"?>
-<p:sld xmlns:a="http://schemas.openxmlformats.org/drawingml/2006/main" xmlns:r="http://schemas.openxmlformats.org/officeDocument/2006/relationships" xmlns:p="http://schemas.openxmlformats.org/presentationml/2006/main">
-  <p:cSld>
-    <p:spTree>
-      <p:nvGrpSpPr>
-        <p:cNvPr id="1" name=""/>
-        <p:cNvGrpSpPr/>
-        <p:nvPr/>
-      </p:nvGrpSpPr>
-      <p:grpSpPr>
-        <a:xfrm>
-          <a:off x="0" y="0"/>
-          <a:ext cx="0" cy="0"/>
-          <a:chOff x="0" y="0"/>
-          <a:chExt cx="0" cy="0"/>
-        </a:xfrm>
-      </p:grpSpPr>
-      <p:sp>
-        <p:nvSpPr>
-          <p:cNvPr id="2" name="Title 1">
-            <a:extLst>
-              <a:ext uri="{FF2B5EF4-FFF2-40B4-BE49-F238E27FC236}">
-                <a16:creationId xmlns:a16="http://schemas.microsoft.com/office/drawing/2014/main" id="{08F01746-5149-E34A-87B0-02685CF332FB}"/>
-              </a:ext>
-            </a:extLst>
-          </p:cNvPr>
-          <p:cNvSpPr>
-            <a:spLocks noGrp="1"/>
-          </p:cNvSpPr>
-          <p:nvPr>
-            <p:ph type="title"/>
-          </p:nvPr>
-        </p:nvSpPr>
-        <p:spPr/>
-        <p:txBody>
-          <a:bodyPr/>
-          <a:lstStyle/>
-          <a:p>
-            <a:r>
-              <a:rPr lang="en-US" dirty="0"/>
-              <a:t>Row, column widgets</a:t>
-            </a:r>
-          </a:p>
-        </p:txBody>
-      </p:sp>
-      <p:sp>
-        <p:nvSpPr>
-          <p:cNvPr id="3" name="Content Placeholder 2">
-            <a:extLst>
-              <a:ext uri="{FF2B5EF4-FFF2-40B4-BE49-F238E27FC236}">
-                <a16:creationId xmlns:a16="http://schemas.microsoft.com/office/drawing/2014/main" id="{F450093E-D5E3-FA42-A83C-B3EC5BDC31B6}"/>
-              </a:ext>
-            </a:extLst>
-          </p:cNvPr>
-          <p:cNvSpPr>
-            <a:spLocks noGrp="1"/>
-          </p:cNvSpPr>
-          <p:nvPr>
-            <p:ph idx="1"/>
-          </p:nvPr>
-        </p:nvSpPr>
-        <p:spPr/>
-        <p:txBody>
-          <a:bodyPr/>
-          <a:lstStyle/>
-          <a:p>
-            <a:r>
-              <a:rPr lang="en-IN" dirty="0"/>
-              <a:t>These flex widgets let you create flexible layouts in both the horizontal (Row) and vertical (Column) directions. </a:t>
-            </a:r>
-          </a:p>
-          <a:p>
-            <a:endParaRPr lang="en-IN" dirty="0"/>
-          </a:p>
-          <a:p>
-            <a:r>
-              <a:rPr lang="en-IN" dirty="0"/>
-              <a:t>The design of these objects is based on the web’s flexbox layout model.</a:t>
-            </a:r>
-          </a:p>
-          <a:p>
-            <a:endParaRPr lang="en-IN" dirty="0"/>
-          </a:p>
-          <a:p>
-            <a:r>
-              <a:rPr lang="en-IN" dirty="0"/>
-              <a:t>Row is widget that displays its children in a horizontal array.</a:t>
-            </a:r>
-          </a:p>
-          <a:p>
-            <a:endParaRPr lang="en-IN" dirty="0"/>
-          </a:p>
-          <a:p>
-            <a:r>
-              <a:rPr lang="en-IN" dirty="0"/>
-              <a:t>Column is a widget that displays its children in a vertical array.</a:t>
-            </a:r>
-          </a:p>
-        </p:txBody>
-      </p:sp>
-    </p:spTree>
-    <p:extLst>
-      <p:ext uri="{BB962C8B-B14F-4D97-AF65-F5344CB8AC3E}">
-        <p14:creationId xmlns:p14="http://schemas.microsoft.com/office/powerpoint/2010/main" val="2502009771"/>
-      </p:ext>
-    </p:extLst>
-  </p:cSld>
-  <p:clrMapOvr>
-    <a:masterClrMapping/>
-  </p:clrMapOvr>
-</p:sld>
-</file>
-
-<file path=ppt/slides/slide14.xml><?xml version="1.0" encoding="utf-8"?>
-<p:sld xmlns:a="http://schemas.openxmlformats.org/drawingml/2006/main" xmlns:r="http://schemas.openxmlformats.org/officeDocument/2006/relationships" xmlns:p="http://schemas.openxmlformats.org/presentationml/2006/main">
-  <p:cSld>
-    <p:spTree>
-      <p:nvGrpSpPr>
-        <p:cNvPr id="1" name=""/>
-        <p:cNvGrpSpPr/>
-        <p:nvPr/>
-      </p:nvGrpSpPr>
-      <p:grpSpPr>
-        <a:xfrm>
-          <a:off x="0" y="0"/>
-          <a:ext cx="0" cy="0"/>
-          <a:chOff x="0" y="0"/>
-          <a:chExt cx="0" cy="0"/>
-        </a:xfrm>
-      </p:grpSpPr>
-      <p:sp>
-        <p:nvSpPr>
-          <p:cNvPr id="2" name="Title 1">
-            <a:extLst>
-              <a:ext uri="{FF2B5EF4-FFF2-40B4-BE49-F238E27FC236}">
-                <a16:creationId xmlns:a16="http://schemas.microsoft.com/office/drawing/2014/main" id="{08F01746-5149-E34A-87B0-02685CF332FB}"/>
-              </a:ext>
-            </a:extLst>
-          </p:cNvPr>
-          <p:cNvSpPr>
-            <a:spLocks noGrp="1"/>
-          </p:cNvSpPr>
-          <p:nvPr>
-            <p:ph type="title"/>
-          </p:nvPr>
-        </p:nvSpPr>
-        <p:spPr/>
-        <p:txBody>
-          <a:bodyPr/>
-          <a:lstStyle/>
-          <a:p>
-            <a:r>
-              <a:rPr lang="en-US" dirty="0"/>
-              <a:t>Text widget</a:t>
-            </a:r>
-          </a:p>
-        </p:txBody>
-      </p:sp>
-      <p:sp>
-        <p:nvSpPr>
-          <p:cNvPr id="3" name="Content Placeholder 2">
-            <a:extLst>
-              <a:ext uri="{FF2B5EF4-FFF2-40B4-BE49-F238E27FC236}">
-                <a16:creationId xmlns:a16="http://schemas.microsoft.com/office/drawing/2014/main" id="{F450093E-D5E3-FA42-A83C-B3EC5BDC31B6}"/>
-              </a:ext>
-            </a:extLst>
-          </p:cNvPr>
-          <p:cNvSpPr>
-            <a:spLocks noGrp="1"/>
-          </p:cNvSpPr>
-          <p:nvPr>
-            <p:ph idx="1"/>
-          </p:nvPr>
-        </p:nvSpPr>
-        <p:spPr/>
-        <p:txBody>
-          <a:bodyPr/>
-          <a:lstStyle/>
-          <a:p>
-            <a:r>
-              <a:rPr lang="en-IN" dirty="0"/>
-              <a:t>The Text widget displays a string of text with single style. </a:t>
-            </a:r>
-          </a:p>
-          <a:p>
-            <a:endParaRPr lang="en-IN" dirty="0"/>
-          </a:p>
-          <a:p>
-            <a:r>
-              <a:rPr lang="en-IN" dirty="0"/>
-              <a:t>The string might break across multiple lines or might all be displayed on the same line depending on the layout constraints. </a:t>
-            </a:r>
-          </a:p>
-          <a:p>
-            <a:endParaRPr lang="en-IN" dirty="0"/>
-          </a:p>
-          <a:p>
-            <a:r>
-              <a:rPr lang="en-IN" dirty="0"/>
-              <a:t>The style argument is optional.</a:t>
-            </a:r>
-          </a:p>
-        </p:txBody>
-      </p:sp>
-    </p:spTree>
-    <p:extLst>
-      <p:ext uri="{BB962C8B-B14F-4D97-AF65-F5344CB8AC3E}">
-        <p14:creationId xmlns:p14="http://schemas.microsoft.com/office/powerpoint/2010/main" val="138455456"/>
-      </p:ext>
-    </p:extLst>
-  </p:cSld>
-  <p:clrMapOvr>
-    <a:masterClrMapping/>
-  </p:clrMapOvr>
-</p:sld>
-</file>
-
-<file path=ppt/slides/slide15.xml><?xml version="1.0" encoding="utf-8"?>
-<p:sld xmlns:a="http://schemas.openxmlformats.org/drawingml/2006/main" xmlns:r="http://schemas.openxmlformats.org/officeDocument/2006/relationships" xmlns:p="http://schemas.openxmlformats.org/presentationml/2006/main">
-  <p:cSld>
-    <p:spTree>
-      <p:nvGrpSpPr>
-        <p:cNvPr id="1" name=""/>
-        <p:cNvGrpSpPr/>
-        <p:nvPr/>
-      </p:nvGrpSpPr>
-      <p:grpSpPr>
-        <a:xfrm>
-          <a:off x="0" y="0"/>
-          <a:ext cx="0" cy="0"/>
-          <a:chOff x="0" y="0"/>
-          <a:chExt cx="0" cy="0"/>
-        </a:xfrm>
-      </p:grpSpPr>
-      <p:sp>
-        <p:nvSpPr>
-          <p:cNvPr id="2" name="Title 1">
-            <a:extLst>
-              <a:ext uri="{FF2B5EF4-FFF2-40B4-BE49-F238E27FC236}">
-                <a16:creationId xmlns:a16="http://schemas.microsoft.com/office/drawing/2014/main" id="{08F01746-5149-E34A-87B0-02685CF332FB}"/>
-              </a:ext>
-            </a:extLst>
-          </p:cNvPr>
-          <p:cNvSpPr>
-            <a:spLocks noGrp="1"/>
-          </p:cNvSpPr>
-          <p:nvPr>
-            <p:ph type="title"/>
-          </p:nvPr>
-        </p:nvSpPr>
-        <p:spPr/>
-        <p:txBody>
-          <a:bodyPr/>
-          <a:lstStyle/>
-          <a:p>
-            <a:r>
-              <a:rPr lang="en-US" dirty="0"/>
-              <a:t>Icons</a:t>
-            </a:r>
-          </a:p>
-        </p:txBody>
-      </p:sp>
-      <p:sp>
-        <p:nvSpPr>
-          <p:cNvPr id="3" name="Content Placeholder 2">
-            <a:extLst>
-              <a:ext uri="{FF2B5EF4-FFF2-40B4-BE49-F238E27FC236}">
-                <a16:creationId xmlns:a16="http://schemas.microsoft.com/office/drawing/2014/main" id="{F450093E-D5E3-FA42-A83C-B3EC5BDC31B6}"/>
-              </a:ext>
-            </a:extLst>
-          </p:cNvPr>
-          <p:cNvSpPr>
-            <a:spLocks noGrp="1"/>
-          </p:cNvSpPr>
-          <p:nvPr>
-            <p:ph idx="1"/>
-          </p:nvPr>
-        </p:nvSpPr>
-        <p:spPr/>
-        <p:txBody>
-          <a:bodyPr/>
-          <a:lstStyle/>
-          <a:p>
-            <a:r>
-              <a:rPr lang="en-IN" dirty="0"/>
-              <a:t>A graphical icon widget drawn with a glyph from a font described in an </a:t>
-            </a:r>
-            <a:r>
-              <a:rPr lang="en-IN" dirty="0">
-                <a:hlinkClick r:id="rId2"/>
-              </a:rPr>
-              <a:t>IconData</a:t>
-            </a:r>
-            <a:r>
-              <a:rPr lang="en-IN" dirty="0"/>
-              <a:t> such as material's predefined </a:t>
-            </a:r>
-            <a:r>
-              <a:rPr lang="en-IN" dirty="0" err="1">
-                <a:hlinkClick r:id="rId2"/>
-              </a:rPr>
-              <a:t>IconData</a:t>
-            </a:r>
-            <a:r>
-              <a:rPr lang="en-IN" dirty="0" err="1"/>
-              <a:t>s</a:t>
-            </a:r>
-            <a:r>
-              <a:rPr lang="en-IN" dirty="0"/>
-              <a:t> in </a:t>
-            </a:r>
-            <a:r>
-              <a:rPr lang="en-IN" dirty="0">
-                <a:hlinkClick r:id="rId3"/>
-              </a:rPr>
-              <a:t>Icons</a:t>
-            </a:r>
-            <a:r>
-              <a:rPr lang="en-IN" dirty="0"/>
-              <a:t>.</a:t>
-            </a:r>
-          </a:p>
-          <a:p>
-            <a:pPr marL="0" indent="0">
-              <a:buNone/>
-            </a:pPr>
-            <a:endParaRPr lang="en-IN" dirty="0"/>
-          </a:p>
-          <a:p>
-            <a:r>
-              <a:rPr lang="en-IN" dirty="0"/>
-              <a:t>Icons are not interactive. For an interactive icon, consider material's </a:t>
-            </a:r>
-            <a:r>
-              <a:rPr lang="en-IN" dirty="0">
-                <a:hlinkClick r:id="rId4"/>
-              </a:rPr>
-              <a:t>IconButton</a:t>
-            </a:r>
-            <a:r>
-              <a:rPr lang="en-IN" dirty="0"/>
-              <a:t>.</a:t>
-            </a:r>
-          </a:p>
-        </p:txBody>
-      </p:sp>
-    </p:spTree>
-    <p:extLst>
-      <p:ext uri="{BB962C8B-B14F-4D97-AF65-F5344CB8AC3E}">
-        <p14:creationId xmlns:p14="http://schemas.microsoft.com/office/powerpoint/2010/main" val="2514715186"/>
-      </p:ext>
-    </p:extLst>
-  </p:cSld>
-  <p:clrMapOvr>
-    <a:masterClrMapping/>
-  </p:clrMapOvr>
-</p:sld>
-</file>
-
-<file path=ppt/slides/slide16.xml><?xml version="1.0" encoding="utf-8"?>
-<p:sld xmlns:a="http://schemas.openxmlformats.org/drawingml/2006/main" xmlns:r="http://schemas.openxmlformats.org/officeDocument/2006/relationships" xmlns:p="http://schemas.openxmlformats.org/presentationml/2006/main">
-  <p:cSld>
-    <p:spTree>
-      <p:nvGrpSpPr>
-        <p:cNvPr id="1" name=""/>
-        <p:cNvGrpSpPr/>
-        <p:nvPr/>
-      </p:nvGrpSpPr>
-      <p:grpSpPr>
-        <a:xfrm>
-          <a:off x="0" y="0"/>
-          <a:ext cx="0" cy="0"/>
-          <a:chOff x="0" y="0"/>
-          <a:chExt cx="0" cy="0"/>
-        </a:xfrm>
-      </p:grpSpPr>
-      <p:sp>
-        <p:nvSpPr>
-          <p:cNvPr id="2" name="Title 1">
-            <a:extLst>
-              <a:ext uri="{FF2B5EF4-FFF2-40B4-BE49-F238E27FC236}">
-                <a16:creationId xmlns:a16="http://schemas.microsoft.com/office/drawing/2014/main" id="{08F01746-5149-E34A-87B0-02685CF332FB}"/>
-              </a:ext>
-            </a:extLst>
-          </p:cNvPr>
-          <p:cNvSpPr>
-            <a:spLocks noGrp="1"/>
-          </p:cNvSpPr>
-          <p:nvPr>
-            <p:ph type="title"/>
-          </p:nvPr>
-        </p:nvSpPr>
-        <p:spPr/>
-        <p:txBody>
-          <a:bodyPr/>
-          <a:lstStyle/>
-          <a:p>
-            <a:r>
-              <a:rPr lang="en-US" dirty="0"/>
-              <a:t>Image widget</a:t>
-            </a:r>
-          </a:p>
-        </p:txBody>
-      </p:sp>
-      <p:sp>
-        <p:nvSpPr>
-          <p:cNvPr id="3" name="Content Placeholder 2">
-            <a:extLst>
-              <a:ext uri="{FF2B5EF4-FFF2-40B4-BE49-F238E27FC236}">
-                <a16:creationId xmlns:a16="http://schemas.microsoft.com/office/drawing/2014/main" id="{F450093E-D5E3-FA42-A83C-B3EC5BDC31B6}"/>
-              </a:ext>
-            </a:extLst>
-          </p:cNvPr>
-          <p:cNvSpPr>
-            <a:spLocks noGrp="1"/>
-          </p:cNvSpPr>
-          <p:nvPr>
-            <p:ph idx="1"/>
-          </p:nvPr>
-        </p:nvSpPr>
-        <p:spPr/>
-        <p:txBody>
-          <a:bodyPr/>
-          <a:lstStyle/>
-          <a:p>
-            <a:r>
-              <a:rPr lang="en-IN" dirty="0"/>
-              <a:t>A widget that is used to display images in the application.</a:t>
-            </a:r>
-          </a:p>
-          <a:p>
-            <a:endParaRPr lang="en-IN" dirty="0"/>
-          </a:p>
-          <a:p>
-            <a:r>
-              <a:rPr lang="en-IN" dirty="0"/>
-              <a:t>Several constructors are provided for the various ways that an image can be specified:</a:t>
-            </a:r>
-          </a:p>
-          <a:p>
-            <a:pPr lvl="1"/>
-            <a:r>
-              <a:rPr lang="en-IN" dirty="0">
-                <a:hlinkClick r:id="rId2"/>
-              </a:rPr>
-              <a:t>new Image</a:t>
-            </a:r>
-            <a:r>
-              <a:rPr lang="en-IN" dirty="0"/>
-              <a:t>, for obtaining an image from an </a:t>
-            </a:r>
-            <a:r>
-              <a:rPr lang="en-IN" dirty="0">
-                <a:hlinkClick r:id="rId3"/>
-              </a:rPr>
-              <a:t>ImageProvider</a:t>
-            </a:r>
-            <a:r>
-              <a:rPr lang="en-IN" dirty="0"/>
-              <a:t>.</a:t>
-            </a:r>
-          </a:p>
-          <a:p>
-            <a:pPr lvl="1"/>
-            <a:r>
-              <a:rPr lang="en-IN" dirty="0">
-                <a:hlinkClick r:id="rId4"/>
-              </a:rPr>
-              <a:t>new Image.asset</a:t>
-            </a:r>
-            <a:r>
-              <a:rPr lang="en-IN" dirty="0"/>
-              <a:t>, for obtaining an image from an </a:t>
-            </a:r>
-            <a:r>
-              <a:rPr lang="en-IN" dirty="0">
-                <a:hlinkClick r:id="rId5"/>
-              </a:rPr>
-              <a:t>AssetBundle</a:t>
-            </a:r>
-            <a:r>
-              <a:rPr lang="en-IN" dirty="0"/>
-              <a:t> using a key.</a:t>
-            </a:r>
-          </a:p>
-          <a:p>
-            <a:pPr lvl="1"/>
-            <a:r>
-              <a:rPr lang="en-IN" dirty="0">
-                <a:hlinkClick r:id="rId6"/>
-              </a:rPr>
-              <a:t>new Image.network</a:t>
-            </a:r>
-            <a:r>
-              <a:rPr lang="en-IN" dirty="0"/>
-              <a:t>, for obtaining an image from a URL.</a:t>
-            </a:r>
-          </a:p>
-          <a:p>
-            <a:pPr lvl="1"/>
-            <a:r>
-              <a:rPr lang="en-IN" dirty="0">
-                <a:hlinkClick r:id="rId7"/>
-              </a:rPr>
-              <a:t>new Image.file</a:t>
-            </a:r>
-            <a:r>
-              <a:rPr lang="en-IN" dirty="0"/>
-              <a:t>, for obtaining an image from a </a:t>
-            </a:r>
-            <a:r>
-              <a:rPr lang="en-IN" dirty="0">
-                <a:hlinkClick r:id="rId8"/>
-              </a:rPr>
-              <a:t>File</a:t>
-            </a:r>
-            <a:r>
-              <a:rPr lang="en-IN" dirty="0"/>
-              <a:t>.</a:t>
-            </a:r>
-          </a:p>
-          <a:p>
-            <a:pPr lvl="1"/>
-            <a:r>
-              <a:rPr lang="en-IN" dirty="0">
-                <a:hlinkClick r:id="rId9"/>
-              </a:rPr>
-              <a:t>new Image.memory</a:t>
-            </a:r>
-            <a:r>
-              <a:rPr lang="en-IN" dirty="0"/>
-              <a:t>, for obtaining an image from a </a:t>
-            </a:r>
-            <a:r>
-              <a:rPr lang="en-IN" dirty="0">
-                <a:hlinkClick r:id="rId10"/>
-              </a:rPr>
-              <a:t>Uint8List</a:t>
-            </a:r>
-            <a:r>
-              <a:rPr lang="en-IN" dirty="0"/>
-              <a:t>.</a:t>
-            </a:r>
-          </a:p>
-          <a:p>
-            <a:endParaRPr lang="en-IN" dirty="0"/>
-          </a:p>
-        </p:txBody>
-      </p:sp>
-    </p:spTree>
-    <p:extLst>
-      <p:ext uri="{BB962C8B-B14F-4D97-AF65-F5344CB8AC3E}">
-        <p14:creationId xmlns:p14="http://schemas.microsoft.com/office/powerpoint/2010/main" val="2762348345"/>
-      </p:ext>
-    </p:extLst>
-  </p:cSld>
-  <p:clrMapOvr>
-    <a:masterClrMapping/>
-  </p:clrMapOvr>
-</p:sld>
-</file>
-
-<file path=ppt/slides/slide17.xml><?xml version="1.0" encoding="utf-8"?>
-<p:sld xmlns:a="http://schemas.openxmlformats.org/drawingml/2006/main" xmlns:r="http://schemas.openxmlformats.org/officeDocument/2006/relationships" xmlns:p="http://schemas.openxmlformats.org/presentationml/2006/main">
-  <p:cSld>
-    <p:spTree>
-      <p:nvGrpSpPr>
-        <p:cNvPr id="1" name=""/>
-        <p:cNvGrpSpPr/>
-        <p:nvPr/>
-      </p:nvGrpSpPr>
-      <p:grpSpPr>
-        <a:xfrm>
-          <a:off x="0" y="0"/>
-          <a:ext cx="0" cy="0"/>
-          <a:chOff x="0" y="0"/>
-          <a:chExt cx="0" cy="0"/>
-        </a:xfrm>
-      </p:grpSpPr>
-      <p:sp>
-        <p:nvSpPr>
-          <p:cNvPr id="2" name="Title 1">
-            <a:extLst>
-              <a:ext uri="{FF2B5EF4-FFF2-40B4-BE49-F238E27FC236}">
-                <a16:creationId xmlns:a16="http://schemas.microsoft.com/office/drawing/2014/main" id="{118C87DD-08E4-5F47-ADD8-FBC1E4552AA0}"/>
-              </a:ext>
-            </a:extLst>
-          </p:cNvPr>
-          <p:cNvSpPr>
-            <a:spLocks noGrp="1"/>
-          </p:cNvSpPr>
-          <p:nvPr>
-            <p:ph type="title"/>
-          </p:nvPr>
-        </p:nvSpPr>
-        <p:spPr/>
-        <p:txBody>
-          <a:bodyPr/>
-          <a:lstStyle/>
-          <a:p>
-            <a:r>
-              <a:rPr lang="en-US" dirty="0"/>
-              <a:t>Packages in flutter</a:t>
-            </a:r>
-          </a:p>
-        </p:txBody>
-      </p:sp>
-      <p:sp>
-        <p:nvSpPr>
-          <p:cNvPr id="3" name="Content Placeholder 2">
-            <a:extLst>
-              <a:ext uri="{FF2B5EF4-FFF2-40B4-BE49-F238E27FC236}">
-                <a16:creationId xmlns:a16="http://schemas.microsoft.com/office/drawing/2014/main" id="{FEE9AA64-80E0-314E-9CB6-EB83F52C1657}"/>
-              </a:ext>
-            </a:extLst>
-          </p:cNvPr>
-          <p:cNvSpPr>
-            <a:spLocks noGrp="1"/>
-          </p:cNvSpPr>
-          <p:nvPr>
-            <p:ph idx="1"/>
-          </p:nvPr>
-        </p:nvSpPr>
-        <p:spPr/>
-        <p:txBody>
-          <a:bodyPr/>
-          <a:lstStyle/>
-          <a:p>
-            <a:r>
-              <a:rPr lang="en-IN" dirty="0"/>
-              <a:t>Flutter supports using shared packages contributed by other developers to the Flutter and Dart ecosystems.</a:t>
-            </a:r>
-          </a:p>
-          <a:p>
-            <a:endParaRPr lang="en-IN" dirty="0"/>
-          </a:p>
-          <a:p>
-            <a:r>
-              <a:rPr lang="en-IN" dirty="0"/>
-              <a:t>This allows quickly building an app without having to develop everything from scratch.</a:t>
-            </a:r>
-          </a:p>
-          <a:p>
-            <a:endParaRPr lang="en-IN" dirty="0"/>
-          </a:p>
-          <a:p>
-            <a:r>
-              <a:rPr lang="en-IN" dirty="0"/>
-              <a:t>Website to check all the packages available – </a:t>
-            </a:r>
-            <a:r>
-              <a:rPr lang="en-IN" dirty="0">
-                <a:hlinkClick r:id="rId2"/>
-              </a:rPr>
-              <a:t>https://pub.dev</a:t>
-            </a:r>
-            <a:r>
-              <a:rPr lang="en-IN" dirty="0"/>
-              <a:t>	</a:t>
-            </a:r>
-            <a:endParaRPr lang="en-US" dirty="0"/>
-          </a:p>
-        </p:txBody>
-      </p:sp>
-    </p:spTree>
-    <p:extLst>
-      <p:ext uri="{BB962C8B-B14F-4D97-AF65-F5344CB8AC3E}">
-        <p14:creationId xmlns:p14="http://schemas.microsoft.com/office/powerpoint/2010/main" val="2082540175"/>
-      </p:ext>
-    </p:extLst>
-  </p:cSld>
-  <p:clrMapOvr>
-    <a:masterClrMapping/>
-  </p:clrMapOvr>
-</p:sld>
-</file>
-
-<file path=ppt/slides/slide18.xml><?xml version="1.0" encoding="utf-8"?>
+<file path=ppt/slides/slide10.xml><?xml version="1.0" encoding="utf-8"?>
 <p:sld xmlns:a="http://schemas.openxmlformats.org/drawingml/2006/main" xmlns:r="http://schemas.openxmlformats.org/officeDocument/2006/relationships" xmlns:p="http://schemas.openxmlformats.org/presentationml/2006/main">
   <p:cSld>
     <p:spTree>
@@ -8112,6 +7109,1176 @@
     <p:extLst>
       <p:ext uri="{BB962C8B-B14F-4D97-AF65-F5344CB8AC3E}">
         <p14:creationId xmlns:p14="http://schemas.microsoft.com/office/powerpoint/2010/main" val="2335687602"/>
+      </p:ext>
+    </p:extLst>
+  </p:cSld>
+  <p:clrMapOvr>
+    <a:masterClrMapping/>
+  </p:clrMapOvr>
+</p:sld>
+</file>
+
+<file path=ppt/slides/slide11.xml><?xml version="1.0" encoding="utf-8"?>
+<p:sld xmlns:a="http://schemas.openxmlformats.org/drawingml/2006/main" xmlns:r="http://schemas.openxmlformats.org/officeDocument/2006/relationships" xmlns:p="http://schemas.openxmlformats.org/presentationml/2006/main">
+  <p:cSld>
+    <p:spTree>
+      <p:nvGrpSpPr>
+        <p:cNvPr id="1" name=""/>
+        <p:cNvGrpSpPr/>
+        <p:nvPr/>
+      </p:nvGrpSpPr>
+      <p:grpSpPr>
+        <a:xfrm>
+          <a:off x="0" y="0"/>
+          <a:ext cx="0" cy="0"/>
+          <a:chOff x="0" y="0"/>
+          <a:chExt cx="0" cy="0"/>
+        </a:xfrm>
+      </p:grpSpPr>
+      <p:sp>
+        <p:nvSpPr>
+          <p:cNvPr id="2" name="Title 1">
+            <a:extLst>
+              <a:ext uri="{FF2B5EF4-FFF2-40B4-BE49-F238E27FC236}">
+                <a16:creationId xmlns:a16="http://schemas.microsoft.com/office/drawing/2014/main" id="{9A3837F2-C4CD-684B-8DD5-F961D7CEB8C0}"/>
+              </a:ext>
+            </a:extLst>
+          </p:cNvPr>
+          <p:cNvSpPr>
+            <a:spLocks noGrp="1"/>
+          </p:cNvSpPr>
+          <p:nvPr>
+            <p:ph type="title"/>
+          </p:nvPr>
+        </p:nvSpPr>
+        <p:spPr/>
+        <p:txBody>
+          <a:bodyPr/>
+          <a:lstStyle/>
+          <a:p>
+            <a:r>
+              <a:rPr lang="en-US" dirty="0"/>
+              <a:t>Material app</a:t>
+            </a:r>
+          </a:p>
+        </p:txBody>
+      </p:sp>
+      <p:sp>
+        <p:nvSpPr>
+          <p:cNvPr id="3" name="Content Placeholder 2">
+            <a:extLst>
+              <a:ext uri="{FF2B5EF4-FFF2-40B4-BE49-F238E27FC236}">
+                <a16:creationId xmlns:a16="http://schemas.microsoft.com/office/drawing/2014/main" id="{813C1C68-8457-7D42-848F-09DE86B59F84}"/>
+              </a:ext>
+            </a:extLst>
+          </p:cNvPr>
+          <p:cNvSpPr>
+            <a:spLocks noGrp="1"/>
+          </p:cNvSpPr>
+          <p:nvPr>
+            <p:ph idx="1"/>
+          </p:nvPr>
+        </p:nvSpPr>
+        <p:spPr/>
+        <p:txBody>
+          <a:bodyPr/>
+          <a:lstStyle/>
+          <a:p>
+            <a:r>
+              <a:rPr lang="en-IN" dirty="0" err="1"/>
+              <a:t>MaterialApp</a:t>
+            </a:r>
+            <a:r>
+              <a:rPr lang="en-IN" dirty="0"/>
+              <a:t> is </a:t>
+            </a:r>
+            <a:r>
+              <a:rPr lang="en-IN" b="1" dirty="0"/>
+              <a:t>a predefined class in a flutter</a:t>
+            </a:r>
+            <a:r>
+              <a:rPr lang="en-IN" dirty="0"/>
+              <a:t>.</a:t>
+            </a:r>
+          </a:p>
+          <a:p>
+            <a:endParaRPr lang="en-IN" dirty="0"/>
+          </a:p>
+          <a:p>
+            <a:r>
+              <a:rPr lang="en-IN" dirty="0"/>
+              <a:t>It is likely the main or core component of flutter. We can access all the other components and widgets provided by Flutter SDK.</a:t>
+            </a:r>
+          </a:p>
+          <a:p>
+            <a:endParaRPr lang="en-IN" dirty="0"/>
+          </a:p>
+          <a:p>
+            <a:r>
+              <a:rPr lang="en-US" dirty="0" err="1"/>
+              <a:t>MaterialApp</a:t>
+            </a:r>
+            <a:r>
+              <a:rPr lang="en-US" dirty="0"/>
+              <a:t> is a widget that introduces many interesting tools such as Navigator or Theme to help you develop your app. Material is, on the other hand, a widget used to define a UI element respecting </a:t>
+            </a:r>
+            <a:r>
+              <a:rPr lang="en-US"/>
+              <a:t>Material rules.</a:t>
+            </a:r>
+            <a:endParaRPr lang="en-US" dirty="0"/>
+          </a:p>
+        </p:txBody>
+      </p:sp>
+    </p:spTree>
+    <p:extLst>
+      <p:ext uri="{BB962C8B-B14F-4D97-AF65-F5344CB8AC3E}">
+        <p14:creationId xmlns:p14="http://schemas.microsoft.com/office/powerpoint/2010/main" val="3678167165"/>
+      </p:ext>
+    </p:extLst>
+  </p:cSld>
+  <p:clrMapOvr>
+    <a:masterClrMapping/>
+  </p:clrMapOvr>
+</p:sld>
+</file>
+
+<file path=ppt/slides/slide12.xml><?xml version="1.0" encoding="utf-8"?>
+<p:sld xmlns:a="http://schemas.openxmlformats.org/drawingml/2006/main" xmlns:r="http://schemas.openxmlformats.org/officeDocument/2006/relationships" xmlns:p="http://schemas.openxmlformats.org/presentationml/2006/main">
+  <p:cSld>
+    <p:spTree>
+      <p:nvGrpSpPr>
+        <p:cNvPr id="1" name=""/>
+        <p:cNvGrpSpPr/>
+        <p:nvPr/>
+      </p:nvGrpSpPr>
+      <p:grpSpPr>
+        <a:xfrm>
+          <a:off x="0" y="0"/>
+          <a:ext cx="0" cy="0"/>
+          <a:chOff x="0" y="0"/>
+          <a:chExt cx="0" cy="0"/>
+        </a:xfrm>
+      </p:grpSpPr>
+      <p:sp>
+        <p:nvSpPr>
+          <p:cNvPr id="2" name="Title 1">
+            <a:extLst>
+              <a:ext uri="{FF2B5EF4-FFF2-40B4-BE49-F238E27FC236}">
+                <a16:creationId xmlns:a16="http://schemas.microsoft.com/office/drawing/2014/main" id="{08F01746-5149-E34A-87B0-02685CF332FB}"/>
+              </a:ext>
+            </a:extLst>
+          </p:cNvPr>
+          <p:cNvSpPr>
+            <a:spLocks noGrp="1"/>
+          </p:cNvSpPr>
+          <p:nvPr>
+            <p:ph type="title"/>
+          </p:nvPr>
+        </p:nvSpPr>
+        <p:spPr/>
+        <p:txBody>
+          <a:bodyPr/>
+          <a:lstStyle/>
+          <a:p>
+            <a:r>
+              <a:rPr lang="en-US" dirty="0"/>
+              <a:t>Scaffold</a:t>
+            </a:r>
+          </a:p>
+        </p:txBody>
+      </p:sp>
+      <p:sp>
+        <p:nvSpPr>
+          <p:cNvPr id="3" name="Content Placeholder 2">
+            <a:extLst>
+              <a:ext uri="{FF2B5EF4-FFF2-40B4-BE49-F238E27FC236}">
+                <a16:creationId xmlns:a16="http://schemas.microsoft.com/office/drawing/2014/main" id="{F450093E-D5E3-FA42-A83C-B3EC5BDC31B6}"/>
+              </a:ext>
+            </a:extLst>
+          </p:cNvPr>
+          <p:cNvSpPr>
+            <a:spLocks noGrp="1"/>
+          </p:cNvSpPr>
+          <p:nvPr>
+            <p:ph idx="1"/>
+          </p:nvPr>
+        </p:nvSpPr>
+        <p:spPr/>
+        <p:txBody>
+          <a:bodyPr/>
+          <a:lstStyle/>
+          <a:p>
+            <a:r>
+              <a:rPr lang="en-IN" dirty="0"/>
+              <a:t>Implements the basic material design visual layout structure.</a:t>
+            </a:r>
+          </a:p>
+          <a:p>
+            <a:endParaRPr lang="en-IN" dirty="0"/>
+          </a:p>
+          <a:p>
+            <a:r>
+              <a:rPr lang="en-IN" dirty="0"/>
+              <a:t>This class provides APIs for showing drawers and bottom sheets.</a:t>
+            </a:r>
+          </a:p>
+        </p:txBody>
+      </p:sp>
+      <p:pic>
+        <p:nvPicPr>
+          <p:cNvPr id="2050" name="Picture 2" descr="The Scaffold has a white background with a blue AppBar at the top. A blue FloatingActionButton is positioned at the bottom right corner of the Scaffold.">
+            <a:extLst>
+              <a:ext uri="{FF2B5EF4-FFF2-40B4-BE49-F238E27FC236}">
+                <a16:creationId xmlns:a16="http://schemas.microsoft.com/office/drawing/2014/main" id="{00DBC750-5814-C847-AF48-95EA51ED7015}"/>
+              </a:ext>
+            </a:extLst>
+          </p:cNvPr>
+          <p:cNvPicPr>
+            <a:picLocks noChangeAspect="1" noChangeArrowheads="1"/>
+          </p:cNvPicPr>
+          <p:nvPr/>
+        </p:nvPicPr>
+        <p:blipFill>
+          <a:blip r:embed="rId2">
+            <a:extLst>
+              <a:ext uri="{28A0092B-C50C-407E-A947-70E740481C1C}">
+                <a14:useLocalDpi xmlns:a14="http://schemas.microsoft.com/office/drawing/2010/main" val="0"/>
+              </a:ext>
+            </a:extLst>
+          </a:blip>
+          <a:srcRect/>
+          <a:stretch>
+            <a:fillRect/>
+          </a:stretch>
+        </p:blipFill>
+        <p:spPr bwMode="auto">
+          <a:xfrm>
+            <a:off x="8489499" y="635254"/>
+            <a:ext cx="3139040" cy="5587492"/>
+          </a:xfrm>
+          <a:prstGeom prst="rect">
+            <a:avLst/>
+          </a:prstGeom>
+          <a:noFill/>
+          <a:extLst>
+            <a:ext uri="{909E8E84-426E-40DD-AFC4-6F175D3DCCD1}">
+              <a14:hiddenFill xmlns:a14="http://schemas.microsoft.com/office/drawing/2010/main">
+                <a:solidFill>
+                  <a:srgbClr val="FFFFFF"/>
+                </a:solidFill>
+              </a14:hiddenFill>
+            </a:ext>
+          </a:extLst>
+        </p:spPr>
+      </p:pic>
+    </p:spTree>
+    <p:extLst>
+      <p:ext uri="{BB962C8B-B14F-4D97-AF65-F5344CB8AC3E}">
+        <p14:creationId xmlns:p14="http://schemas.microsoft.com/office/powerpoint/2010/main" val="624436353"/>
+      </p:ext>
+    </p:extLst>
+  </p:cSld>
+  <p:clrMapOvr>
+    <a:masterClrMapping/>
+  </p:clrMapOvr>
+</p:sld>
+</file>
+
+<file path=ppt/slides/slide13.xml><?xml version="1.0" encoding="utf-8"?>
+<p:sld xmlns:a="http://schemas.openxmlformats.org/drawingml/2006/main" xmlns:r="http://schemas.openxmlformats.org/officeDocument/2006/relationships" xmlns:p="http://schemas.openxmlformats.org/presentationml/2006/main">
+  <p:cSld>
+    <p:spTree>
+      <p:nvGrpSpPr>
+        <p:cNvPr id="1" name=""/>
+        <p:cNvGrpSpPr/>
+        <p:nvPr/>
+      </p:nvGrpSpPr>
+      <p:grpSpPr>
+        <a:xfrm>
+          <a:off x="0" y="0"/>
+          <a:ext cx="0" cy="0"/>
+          <a:chOff x="0" y="0"/>
+          <a:chExt cx="0" cy="0"/>
+        </a:xfrm>
+      </p:grpSpPr>
+      <p:sp>
+        <p:nvSpPr>
+          <p:cNvPr id="2" name="Title 1">
+            <a:extLst>
+              <a:ext uri="{FF2B5EF4-FFF2-40B4-BE49-F238E27FC236}">
+                <a16:creationId xmlns:a16="http://schemas.microsoft.com/office/drawing/2014/main" id="{08F01746-5149-E34A-87B0-02685CF332FB}"/>
+              </a:ext>
+            </a:extLst>
+          </p:cNvPr>
+          <p:cNvSpPr>
+            <a:spLocks noGrp="1"/>
+          </p:cNvSpPr>
+          <p:nvPr>
+            <p:ph type="title"/>
+          </p:nvPr>
+        </p:nvSpPr>
+        <p:spPr/>
+        <p:txBody>
+          <a:bodyPr/>
+          <a:lstStyle/>
+          <a:p>
+            <a:r>
+              <a:rPr lang="en-US" dirty="0" err="1"/>
+              <a:t>Appbar</a:t>
+            </a:r>
+            <a:r>
+              <a:rPr lang="en-US" dirty="0"/>
+              <a:t> widget</a:t>
+            </a:r>
+          </a:p>
+        </p:txBody>
+      </p:sp>
+      <p:sp>
+        <p:nvSpPr>
+          <p:cNvPr id="3" name="Content Placeholder 2">
+            <a:extLst>
+              <a:ext uri="{FF2B5EF4-FFF2-40B4-BE49-F238E27FC236}">
+                <a16:creationId xmlns:a16="http://schemas.microsoft.com/office/drawing/2014/main" id="{F450093E-D5E3-FA42-A83C-B3EC5BDC31B6}"/>
+              </a:ext>
+            </a:extLst>
+          </p:cNvPr>
+          <p:cNvSpPr>
+            <a:spLocks noGrp="1"/>
+          </p:cNvSpPr>
+          <p:nvPr>
+            <p:ph idx="1"/>
+          </p:nvPr>
+        </p:nvSpPr>
+        <p:spPr/>
+        <p:txBody>
+          <a:bodyPr/>
+          <a:lstStyle/>
+          <a:p>
+            <a:r>
+              <a:rPr lang="en-IN" dirty="0"/>
+              <a:t>A material design app bar consists of a toolbar and potentially other widgets, such as a </a:t>
+            </a:r>
+            <a:r>
+              <a:rPr lang="en-IN" dirty="0" err="1"/>
+              <a:t>TabBar</a:t>
+            </a:r>
+            <a:r>
+              <a:rPr lang="en-IN" dirty="0"/>
+              <a:t> and a </a:t>
+            </a:r>
+            <a:r>
+              <a:rPr lang="en-IN" dirty="0" err="1"/>
+              <a:t>FlexibleSpaceBar</a:t>
+            </a:r>
+            <a:r>
+              <a:rPr lang="en-IN" dirty="0"/>
+              <a:t>. </a:t>
+            </a:r>
+          </a:p>
+          <a:p>
+            <a:endParaRPr lang="en-IN" dirty="0"/>
+          </a:p>
+          <a:p>
+            <a:r>
+              <a:rPr lang="en-IN" dirty="0"/>
+              <a:t>App bars typically expose one or more common actions with </a:t>
+            </a:r>
+            <a:r>
+              <a:rPr lang="en-IN" dirty="0" err="1"/>
+              <a:t>IconButtons</a:t>
+            </a:r>
+            <a:endParaRPr lang="en-IN" dirty="0"/>
+          </a:p>
+        </p:txBody>
+      </p:sp>
+    </p:spTree>
+    <p:extLst>
+      <p:ext uri="{BB962C8B-B14F-4D97-AF65-F5344CB8AC3E}">
+        <p14:creationId xmlns:p14="http://schemas.microsoft.com/office/powerpoint/2010/main" val="3871910676"/>
+      </p:ext>
+    </p:extLst>
+  </p:cSld>
+  <p:clrMapOvr>
+    <a:masterClrMapping/>
+  </p:clrMapOvr>
+</p:sld>
+</file>
+
+<file path=ppt/slides/slide14.xml><?xml version="1.0" encoding="utf-8"?>
+<p:sld xmlns:a="http://schemas.openxmlformats.org/drawingml/2006/main" xmlns:r="http://schemas.openxmlformats.org/officeDocument/2006/relationships" xmlns:p="http://schemas.openxmlformats.org/presentationml/2006/main">
+  <p:cSld>
+    <p:spTree>
+      <p:nvGrpSpPr>
+        <p:cNvPr id="1" name=""/>
+        <p:cNvGrpSpPr/>
+        <p:nvPr/>
+      </p:nvGrpSpPr>
+      <p:grpSpPr>
+        <a:xfrm>
+          <a:off x="0" y="0"/>
+          <a:ext cx="0" cy="0"/>
+          <a:chOff x="0" y="0"/>
+          <a:chExt cx="0" cy="0"/>
+        </a:xfrm>
+      </p:grpSpPr>
+      <p:sp>
+        <p:nvSpPr>
+          <p:cNvPr id="2" name="Title 1">
+            <a:extLst>
+              <a:ext uri="{FF2B5EF4-FFF2-40B4-BE49-F238E27FC236}">
+                <a16:creationId xmlns:a16="http://schemas.microsoft.com/office/drawing/2014/main" id="{08F01746-5149-E34A-87B0-02685CF332FB}"/>
+              </a:ext>
+            </a:extLst>
+          </p:cNvPr>
+          <p:cNvSpPr>
+            <a:spLocks noGrp="1"/>
+          </p:cNvSpPr>
+          <p:nvPr>
+            <p:ph type="title"/>
+          </p:nvPr>
+        </p:nvSpPr>
+        <p:spPr/>
+        <p:txBody>
+          <a:bodyPr/>
+          <a:lstStyle/>
+          <a:p>
+            <a:r>
+              <a:rPr lang="en-US" dirty="0"/>
+              <a:t>Container widget</a:t>
+            </a:r>
+          </a:p>
+        </p:txBody>
+      </p:sp>
+      <p:sp>
+        <p:nvSpPr>
+          <p:cNvPr id="3" name="Content Placeholder 2">
+            <a:extLst>
+              <a:ext uri="{FF2B5EF4-FFF2-40B4-BE49-F238E27FC236}">
+                <a16:creationId xmlns:a16="http://schemas.microsoft.com/office/drawing/2014/main" id="{F450093E-D5E3-FA42-A83C-B3EC5BDC31B6}"/>
+              </a:ext>
+            </a:extLst>
+          </p:cNvPr>
+          <p:cNvSpPr>
+            <a:spLocks noGrp="1"/>
+          </p:cNvSpPr>
+          <p:nvPr>
+            <p:ph idx="1"/>
+          </p:nvPr>
+        </p:nvSpPr>
+        <p:spPr/>
+        <p:txBody>
+          <a:bodyPr/>
+          <a:lstStyle/>
+          <a:p>
+            <a:r>
+              <a:rPr lang="en-IN" dirty="0"/>
+              <a:t>The Container widget lets you create a rectangular visual element. A container can be decorated with a </a:t>
+            </a:r>
+            <a:r>
+              <a:rPr lang="en-IN" dirty="0">
+                <a:hlinkClick r:id="rId2"/>
+              </a:rPr>
+              <a:t>BoxDecoration</a:t>
+            </a:r>
+            <a:r>
+              <a:rPr lang="en-IN" dirty="0"/>
+              <a:t>, such as a background, a border, or a shadow. </a:t>
+            </a:r>
+          </a:p>
+          <a:p>
+            <a:endParaRPr lang="en-IN" dirty="0"/>
+          </a:p>
+          <a:p>
+            <a:r>
+              <a:rPr lang="en-IN" dirty="0"/>
+              <a:t>A Container can also have margins, padding, and constraints applied to its size. In addition, a Container can be transformed in three dimensional space using a matrix.</a:t>
+            </a:r>
+            <a:endParaRPr lang="en-US" dirty="0"/>
+          </a:p>
+        </p:txBody>
+      </p:sp>
+    </p:spTree>
+    <p:extLst>
+      <p:ext uri="{BB962C8B-B14F-4D97-AF65-F5344CB8AC3E}">
+        <p14:creationId xmlns:p14="http://schemas.microsoft.com/office/powerpoint/2010/main" val="2065876928"/>
+      </p:ext>
+    </p:extLst>
+  </p:cSld>
+  <p:clrMapOvr>
+    <a:masterClrMapping/>
+  </p:clrMapOvr>
+</p:sld>
+</file>
+
+<file path=ppt/slides/slide15.xml><?xml version="1.0" encoding="utf-8"?>
+<p:sld xmlns:a="http://schemas.openxmlformats.org/drawingml/2006/main" xmlns:r="http://schemas.openxmlformats.org/officeDocument/2006/relationships" xmlns:p="http://schemas.openxmlformats.org/presentationml/2006/main">
+  <p:cSld>
+    <p:spTree>
+      <p:nvGrpSpPr>
+        <p:cNvPr id="1" name=""/>
+        <p:cNvGrpSpPr/>
+        <p:nvPr/>
+      </p:nvGrpSpPr>
+      <p:grpSpPr>
+        <a:xfrm>
+          <a:off x="0" y="0"/>
+          <a:ext cx="0" cy="0"/>
+          <a:chOff x="0" y="0"/>
+          <a:chExt cx="0" cy="0"/>
+        </a:xfrm>
+      </p:grpSpPr>
+      <p:sp>
+        <p:nvSpPr>
+          <p:cNvPr id="2" name="Title 1">
+            <a:extLst>
+              <a:ext uri="{FF2B5EF4-FFF2-40B4-BE49-F238E27FC236}">
+                <a16:creationId xmlns:a16="http://schemas.microsoft.com/office/drawing/2014/main" id="{08F01746-5149-E34A-87B0-02685CF332FB}"/>
+              </a:ext>
+            </a:extLst>
+          </p:cNvPr>
+          <p:cNvSpPr>
+            <a:spLocks noGrp="1"/>
+          </p:cNvSpPr>
+          <p:nvPr>
+            <p:ph type="title"/>
+          </p:nvPr>
+        </p:nvSpPr>
+        <p:spPr/>
+        <p:txBody>
+          <a:bodyPr/>
+          <a:lstStyle/>
+          <a:p>
+            <a:r>
+              <a:rPr lang="en-US" dirty="0"/>
+              <a:t>Row, column widgets</a:t>
+            </a:r>
+          </a:p>
+        </p:txBody>
+      </p:sp>
+      <p:sp>
+        <p:nvSpPr>
+          <p:cNvPr id="3" name="Content Placeholder 2">
+            <a:extLst>
+              <a:ext uri="{FF2B5EF4-FFF2-40B4-BE49-F238E27FC236}">
+                <a16:creationId xmlns:a16="http://schemas.microsoft.com/office/drawing/2014/main" id="{F450093E-D5E3-FA42-A83C-B3EC5BDC31B6}"/>
+              </a:ext>
+            </a:extLst>
+          </p:cNvPr>
+          <p:cNvSpPr>
+            <a:spLocks noGrp="1"/>
+          </p:cNvSpPr>
+          <p:nvPr>
+            <p:ph idx="1"/>
+          </p:nvPr>
+        </p:nvSpPr>
+        <p:spPr/>
+        <p:txBody>
+          <a:bodyPr/>
+          <a:lstStyle/>
+          <a:p>
+            <a:r>
+              <a:rPr lang="en-IN" dirty="0"/>
+              <a:t>These flex widgets let you create flexible layouts in both the horizontal (Row) and vertical (Column) directions. </a:t>
+            </a:r>
+          </a:p>
+          <a:p>
+            <a:endParaRPr lang="en-IN" dirty="0"/>
+          </a:p>
+          <a:p>
+            <a:r>
+              <a:rPr lang="en-IN" dirty="0"/>
+              <a:t>The design of these objects is based on the web’s flexbox layout model.</a:t>
+            </a:r>
+          </a:p>
+          <a:p>
+            <a:endParaRPr lang="en-IN" dirty="0"/>
+          </a:p>
+          <a:p>
+            <a:r>
+              <a:rPr lang="en-IN" dirty="0"/>
+              <a:t>Row is widget that displays its children in a horizontal array.</a:t>
+            </a:r>
+          </a:p>
+          <a:p>
+            <a:endParaRPr lang="en-IN" dirty="0"/>
+          </a:p>
+          <a:p>
+            <a:r>
+              <a:rPr lang="en-IN" dirty="0"/>
+              <a:t>Column is a widget that displays its children in a vertical array.</a:t>
+            </a:r>
+          </a:p>
+        </p:txBody>
+      </p:sp>
+    </p:spTree>
+    <p:extLst>
+      <p:ext uri="{BB962C8B-B14F-4D97-AF65-F5344CB8AC3E}">
+        <p14:creationId xmlns:p14="http://schemas.microsoft.com/office/powerpoint/2010/main" val="2502009771"/>
+      </p:ext>
+    </p:extLst>
+  </p:cSld>
+  <p:clrMapOvr>
+    <a:masterClrMapping/>
+  </p:clrMapOvr>
+</p:sld>
+</file>
+
+<file path=ppt/slides/slide16.xml><?xml version="1.0" encoding="utf-8"?>
+<p:sld xmlns:a="http://schemas.openxmlformats.org/drawingml/2006/main" xmlns:r="http://schemas.openxmlformats.org/officeDocument/2006/relationships" xmlns:p="http://schemas.openxmlformats.org/presentationml/2006/main">
+  <p:cSld>
+    <p:spTree>
+      <p:nvGrpSpPr>
+        <p:cNvPr id="1" name=""/>
+        <p:cNvGrpSpPr/>
+        <p:nvPr/>
+      </p:nvGrpSpPr>
+      <p:grpSpPr>
+        <a:xfrm>
+          <a:off x="0" y="0"/>
+          <a:ext cx="0" cy="0"/>
+          <a:chOff x="0" y="0"/>
+          <a:chExt cx="0" cy="0"/>
+        </a:xfrm>
+      </p:grpSpPr>
+      <p:sp>
+        <p:nvSpPr>
+          <p:cNvPr id="2" name="Title 1">
+            <a:extLst>
+              <a:ext uri="{FF2B5EF4-FFF2-40B4-BE49-F238E27FC236}">
+                <a16:creationId xmlns:a16="http://schemas.microsoft.com/office/drawing/2014/main" id="{08F01746-5149-E34A-87B0-02685CF332FB}"/>
+              </a:ext>
+            </a:extLst>
+          </p:cNvPr>
+          <p:cNvSpPr>
+            <a:spLocks noGrp="1"/>
+          </p:cNvSpPr>
+          <p:nvPr>
+            <p:ph type="title"/>
+          </p:nvPr>
+        </p:nvSpPr>
+        <p:spPr/>
+        <p:txBody>
+          <a:bodyPr/>
+          <a:lstStyle/>
+          <a:p>
+            <a:r>
+              <a:rPr lang="en-US" dirty="0"/>
+              <a:t>Text widget</a:t>
+            </a:r>
+          </a:p>
+        </p:txBody>
+      </p:sp>
+      <p:sp>
+        <p:nvSpPr>
+          <p:cNvPr id="3" name="Content Placeholder 2">
+            <a:extLst>
+              <a:ext uri="{FF2B5EF4-FFF2-40B4-BE49-F238E27FC236}">
+                <a16:creationId xmlns:a16="http://schemas.microsoft.com/office/drawing/2014/main" id="{F450093E-D5E3-FA42-A83C-B3EC5BDC31B6}"/>
+              </a:ext>
+            </a:extLst>
+          </p:cNvPr>
+          <p:cNvSpPr>
+            <a:spLocks noGrp="1"/>
+          </p:cNvSpPr>
+          <p:nvPr>
+            <p:ph idx="1"/>
+          </p:nvPr>
+        </p:nvSpPr>
+        <p:spPr/>
+        <p:txBody>
+          <a:bodyPr/>
+          <a:lstStyle/>
+          <a:p>
+            <a:r>
+              <a:rPr lang="en-IN" dirty="0"/>
+              <a:t>The Text widget displays a string of text with single style. </a:t>
+            </a:r>
+          </a:p>
+          <a:p>
+            <a:endParaRPr lang="en-IN" dirty="0"/>
+          </a:p>
+          <a:p>
+            <a:r>
+              <a:rPr lang="en-IN" dirty="0"/>
+              <a:t>The string might break across multiple lines or might all be displayed on the same line depending on the layout constraints. </a:t>
+            </a:r>
+          </a:p>
+          <a:p>
+            <a:endParaRPr lang="en-IN" dirty="0"/>
+          </a:p>
+          <a:p>
+            <a:r>
+              <a:rPr lang="en-IN" dirty="0"/>
+              <a:t>The style argument is optional.</a:t>
+            </a:r>
+          </a:p>
+        </p:txBody>
+      </p:sp>
+    </p:spTree>
+    <p:extLst>
+      <p:ext uri="{BB962C8B-B14F-4D97-AF65-F5344CB8AC3E}">
+        <p14:creationId xmlns:p14="http://schemas.microsoft.com/office/powerpoint/2010/main" val="138455456"/>
+      </p:ext>
+    </p:extLst>
+  </p:cSld>
+  <p:clrMapOvr>
+    <a:masterClrMapping/>
+  </p:clrMapOvr>
+</p:sld>
+</file>
+
+<file path=ppt/slides/slide17.xml><?xml version="1.0" encoding="utf-8"?>
+<p:sld xmlns:a="http://schemas.openxmlformats.org/drawingml/2006/main" xmlns:r="http://schemas.openxmlformats.org/officeDocument/2006/relationships" xmlns:p="http://schemas.openxmlformats.org/presentationml/2006/main">
+  <p:cSld>
+    <p:spTree>
+      <p:nvGrpSpPr>
+        <p:cNvPr id="1" name=""/>
+        <p:cNvGrpSpPr/>
+        <p:nvPr/>
+      </p:nvGrpSpPr>
+      <p:grpSpPr>
+        <a:xfrm>
+          <a:off x="0" y="0"/>
+          <a:ext cx="0" cy="0"/>
+          <a:chOff x="0" y="0"/>
+          <a:chExt cx="0" cy="0"/>
+        </a:xfrm>
+      </p:grpSpPr>
+      <p:sp>
+        <p:nvSpPr>
+          <p:cNvPr id="2" name="Title 1">
+            <a:extLst>
+              <a:ext uri="{FF2B5EF4-FFF2-40B4-BE49-F238E27FC236}">
+                <a16:creationId xmlns:a16="http://schemas.microsoft.com/office/drawing/2014/main" id="{08F01746-5149-E34A-87B0-02685CF332FB}"/>
+              </a:ext>
+            </a:extLst>
+          </p:cNvPr>
+          <p:cNvSpPr>
+            <a:spLocks noGrp="1"/>
+          </p:cNvSpPr>
+          <p:nvPr>
+            <p:ph type="title"/>
+          </p:nvPr>
+        </p:nvSpPr>
+        <p:spPr/>
+        <p:txBody>
+          <a:bodyPr/>
+          <a:lstStyle/>
+          <a:p>
+            <a:r>
+              <a:rPr lang="en-US" dirty="0"/>
+              <a:t>Icons</a:t>
+            </a:r>
+          </a:p>
+        </p:txBody>
+      </p:sp>
+      <p:sp>
+        <p:nvSpPr>
+          <p:cNvPr id="3" name="Content Placeholder 2">
+            <a:extLst>
+              <a:ext uri="{FF2B5EF4-FFF2-40B4-BE49-F238E27FC236}">
+                <a16:creationId xmlns:a16="http://schemas.microsoft.com/office/drawing/2014/main" id="{F450093E-D5E3-FA42-A83C-B3EC5BDC31B6}"/>
+              </a:ext>
+            </a:extLst>
+          </p:cNvPr>
+          <p:cNvSpPr>
+            <a:spLocks noGrp="1"/>
+          </p:cNvSpPr>
+          <p:nvPr>
+            <p:ph idx="1"/>
+          </p:nvPr>
+        </p:nvSpPr>
+        <p:spPr/>
+        <p:txBody>
+          <a:bodyPr/>
+          <a:lstStyle/>
+          <a:p>
+            <a:r>
+              <a:rPr lang="en-IN" dirty="0"/>
+              <a:t>A graphical icon widget drawn with a glyph from a font described in an </a:t>
+            </a:r>
+            <a:r>
+              <a:rPr lang="en-IN" dirty="0">
+                <a:hlinkClick r:id="rId2"/>
+              </a:rPr>
+              <a:t>IconData</a:t>
+            </a:r>
+            <a:r>
+              <a:rPr lang="en-IN" dirty="0"/>
+              <a:t> such as material's predefined </a:t>
+            </a:r>
+            <a:r>
+              <a:rPr lang="en-IN" dirty="0" err="1">
+                <a:hlinkClick r:id="rId2"/>
+              </a:rPr>
+              <a:t>IconData</a:t>
+            </a:r>
+            <a:r>
+              <a:rPr lang="en-IN" dirty="0" err="1"/>
+              <a:t>s</a:t>
+            </a:r>
+            <a:r>
+              <a:rPr lang="en-IN" dirty="0"/>
+              <a:t> in </a:t>
+            </a:r>
+            <a:r>
+              <a:rPr lang="en-IN" dirty="0">
+                <a:hlinkClick r:id="rId3"/>
+              </a:rPr>
+              <a:t>Icons</a:t>
+            </a:r>
+            <a:r>
+              <a:rPr lang="en-IN" dirty="0"/>
+              <a:t>.</a:t>
+            </a:r>
+          </a:p>
+          <a:p>
+            <a:pPr marL="0" indent="0">
+              <a:buNone/>
+            </a:pPr>
+            <a:endParaRPr lang="en-IN" dirty="0"/>
+          </a:p>
+          <a:p>
+            <a:r>
+              <a:rPr lang="en-IN" dirty="0"/>
+              <a:t>Icons are not interactive. For an interactive icon, consider material's </a:t>
+            </a:r>
+            <a:r>
+              <a:rPr lang="en-IN" dirty="0">
+                <a:hlinkClick r:id="rId4"/>
+              </a:rPr>
+              <a:t>IconButton</a:t>
+            </a:r>
+            <a:r>
+              <a:rPr lang="en-IN" dirty="0"/>
+              <a:t>.</a:t>
+            </a:r>
+          </a:p>
+        </p:txBody>
+      </p:sp>
+    </p:spTree>
+    <p:extLst>
+      <p:ext uri="{BB962C8B-B14F-4D97-AF65-F5344CB8AC3E}">
+        <p14:creationId xmlns:p14="http://schemas.microsoft.com/office/powerpoint/2010/main" val="2514715186"/>
+      </p:ext>
+    </p:extLst>
+  </p:cSld>
+  <p:clrMapOvr>
+    <a:masterClrMapping/>
+  </p:clrMapOvr>
+</p:sld>
+</file>
+
+<file path=ppt/slides/slide18.xml><?xml version="1.0" encoding="utf-8"?>
+<p:sld xmlns:a="http://schemas.openxmlformats.org/drawingml/2006/main" xmlns:r="http://schemas.openxmlformats.org/officeDocument/2006/relationships" xmlns:p="http://schemas.openxmlformats.org/presentationml/2006/main">
+  <p:cSld>
+    <p:spTree>
+      <p:nvGrpSpPr>
+        <p:cNvPr id="1" name=""/>
+        <p:cNvGrpSpPr/>
+        <p:nvPr/>
+      </p:nvGrpSpPr>
+      <p:grpSpPr>
+        <a:xfrm>
+          <a:off x="0" y="0"/>
+          <a:ext cx="0" cy="0"/>
+          <a:chOff x="0" y="0"/>
+          <a:chExt cx="0" cy="0"/>
+        </a:xfrm>
+      </p:grpSpPr>
+      <p:sp>
+        <p:nvSpPr>
+          <p:cNvPr id="2" name="Title 1">
+            <a:extLst>
+              <a:ext uri="{FF2B5EF4-FFF2-40B4-BE49-F238E27FC236}">
+                <a16:creationId xmlns:a16="http://schemas.microsoft.com/office/drawing/2014/main" id="{08F01746-5149-E34A-87B0-02685CF332FB}"/>
+              </a:ext>
+            </a:extLst>
+          </p:cNvPr>
+          <p:cNvSpPr>
+            <a:spLocks noGrp="1"/>
+          </p:cNvSpPr>
+          <p:nvPr>
+            <p:ph type="title"/>
+          </p:nvPr>
+        </p:nvSpPr>
+        <p:spPr/>
+        <p:txBody>
+          <a:bodyPr/>
+          <a:lstStyle/>
+          <a:p>
+            <a:r>
+              <a:rPr lang="en-US" dirty="0"/>
+              <a:t>Image widget</a:t>
+            </a:r>
+          </a:p>
+        </p:txBody>
+      </p:sp>
+      <p:sp>
+        <p:nvSpPr>
+          <p:cNvPr id="3" name="Content Placeholder 2">
+            <a:extLst>
+              <a:ext uri="{FF2B5EF4-FFF2-40B4-BE49-F238E27FC236}">
+                <a16:creationId xmlns:a16="http://schemas.microsoft.com/office/drawing/2014/main" id="{F450093E-D5E3-FA42-A83C-B3EC5BDC31B6}"/>
+              </a:ext>
+            </a:extLst>
+          </p:cNvPr>
+          <p:cNvSpPr>
+            <a:spLocks noGrp="1"/>
+          </p:cNvSpPr>
+          <p:nvPr>
+            <p:ph idx="1"/>
+          </p:nvPr>
+        </p:nvSpPr>
+        <p:spPr/>
+        <p:txBody>
+          <a:bodyPr/>
+          <a:lstStyle/>
+          <a:p>
+            <a:r>
+              <a:rPr lang="en-IN" dirty="0"/>
+              <a:t>A widget that is used to display images in the application.</a:t>
+            </a:r>
+          </a:p>
+          <a:p>
+            <a:endParaRPr lang="en-IN" dirty="0"/>
+          </a:p>
+          <a:p>
+            <a:r>
+              <a:rPr lang="en-IN" dirty="0"/>
+              <a:t>Several constructors are provided for the various ways that an image can be specified:</a:t>
+            </a:r>
+          </a:p>
+          <a:p>
+            <a:pPr lvl="1"/>
+            <a:r>
+              <a:rPr lang="en-IN" dirty="0">
+                <a:hlinkClick r:id="rId2"/>
+              </a:rPr>
+              <a:t>new Image</a:t>
+            </a:r>
+            <a:r>
+              <a:rPr lang="en-IN" dirty="0"/>
+              <a:t>, for obtaining an image from an </a:t>
+            </a:r>
+            <a:r>
+              <a:rPr lang="en-IN" dirty="0">
+                <a:hlinkClick r:id="rId3"/>
+              </a:rPr>
+              <a:t>ImageProvider</a:t>
+            </a:r>
+            <a:r>
+              <a:rPr lang="en-IN" dirty="0"/>
+              <a:t>.</a:t>
+            </a:r>
+          </a:p>
+          <a:p>
+            <a:pPr lvl="1"/>
+            <a:r>
+              <a:rPr lang="en-IN" dirty="0">
+                <a:hlinkClick r:id="rId4"/>
+              </a:rPr>
+              <a:t>new Image.asset</a:t>
+            </a:r>
+            <a:r>
+              <a:rPr lang="en-IN" dirty="0"/>
+              <a:t>, for obtaining an image from an </a:t>
+            </a:r>
+            <a:r>
+              <a:rPr lang="en-IN" dirty="0">
+                <a:hlinkClick r:id="rId5"/>
+              </a:rPr>
+              <a:t>AssetBundle</a:t>
+            </a:r>
+            <a:r>
+              <a:rPr lang="en-IN" dirty="0"/>
+              <a:t> using a key.</a:t>
+            </a:r>
+          </a:p>
+          <a:p>
+            <a:pPr lvl="1"/>
+            <a:r>
+              <a:rPr lang="en-IN" dirty="0">
+                <a:hlinkClick r:id="rId6"/>
+              </a:rPr>
+              <a:t>new Image.network</a:t>
+            </a:r>
+            <a:r>
+              <a:rPr lang="en-IN" dirty="0"/>
+              <a:t>, for obtaining an image from a URL.</a:t>
+            </a:r>
+          </a:p>
+          <a:p>
+            <a:pPr lvl="1"/>
+            <a:r>
+              <a:rPr lang="en-IN" dirty="0">
+                <a:hlinkClick r:id="rId7"/>
+              </a:rPr>
+              <a:t>new Image.file</a:t>
+            </a:r>
+            <a:r>
+              <a:rPr lang="en-IN" dirty="0"/>
+              <a:t>, for obtaining an image from a </a:t>
+            </a:r>
+            <a:r>
+              <a:rPr lang="en-IN" dirty="0">
+                <a:hlinkClick r:id="rId8"/>
+              </a:rPr>
+              <a:t>File</a:t>
+            </a:r>
+            <a:r>
+              <a:rPr lang="en-IN" dirty="0"/>
+              <a:t>.</a:t>
+            </a:r>
+          </a:p>
+          <a:p>
+            <a:pPr lvl="1"/>
+            <a:r>
+              <a:rPr lang="en-IN" dirty="0">
+                <a:hlinkClick r:id="rId9"/>
+              </a:rPr>
+              <a:t>new Image.memory</a:t>
+            </a:r>
+            <a:r>
+              <a:rPr lang="en-IN" dirty="0"/>
+              <a:t>, for obtaining an image from a </a:t>
+            </a:r>
+            <a:r>
+              <a:rPr lang="en-IN" dirty="0">
+                <a:hlinkClick r:id="rId10"/>
+              </a:rPr>
+              <a:t>Uint8List</a:t>
+            </a:r>
+            <a:r>
+              <a:rPr lang="en-IN" dirty="0"/>
+              <a:t>.</a:t>
+            </a:r>
+          </a:p>
+          <a:p>
+            <a:endParaRPr lang="en-IN" dirty="0"/>
+          </a:p>
+        </p:txBody>
+      </p:sp>
+    </p:spTree>
+    <p:extLst>
+      <p:ext uri="{BB962C8B-B14F-4D97-AF65-F5344CB8AC3E}">
+        <p14:creationId xmlns:p14="http://schemas.microsoft.com/office/powerpoint/2010/main" val="2762348345"/>
+      </p:ext>
+    </p:extLst>
+  </p:cSld>
+  <p:clrMapOvr>
+    <a:masterClrMapping/>
+  </p:clrMapOvr>
+</p:sld>
+</file>
+
+<file path=ppt/slides/slide19.xml><?xml version="1.0" encoding="utf-8"?>
+<p:sld xmlns:a="http://schemas.openxmlformats.org/drawingml/2006/main" xmlns:r="http://schemas.openxmlformats.org/officeDocument/2006/relationships" xmlns:p="http://schemas.openxmlformats.org/presentationml/2006/main">
+  <p:cSld>
+    <p:spTree>
+      <p:nvGrpSpPr>
+        <p:cNvPr id="1" name=""/>
+        <p:cNvGrpSpPr/>
+        <p:nvPr/>
+      </p:nvGrpSpPr>
+      <p:grpSpPr>
+        <a:xfrm>
+          <a:off x="0" y="0"/>
+          <a:ext cx="0" cy="0"/>
+          <a:chOff x="0" y="0"/>
+          <a:chExt cx="0" cy="0"/>
+        </a:xfrm>
+      </p:grpSpPr>
+      <p:sp>
+        <p:nvSpPr>
+          <p:cNvPr id="2" name="Title 1">
+            <a:extLst>
+              <a:ext uri="{FF2B5EF4-FFF2-40B4-BE49-F238E27FC236}">
+                <a16:creationId xmlns:a16="http://schemas.microsoft.com/office/drawing/2014/main" id="{118C87DD-08E4-5F47-ADD8-FBC1E4552AA0}"/>
+              </a:ext>
+            </a:extLst>
+          </p:cNvPr>
+          <p:cNvSpPr>
+            <a:spLocks noGrp="1"/>
+          </p:cNvSpPr>
+          <p:nvPr>
+            <p:ph type="title"/>
+          </p:nvPr>
+        </p:nvSpPr>
+        <p:spPr/>
+        <p:txBody>
+          <a:bodyPr/>
+          <a:lstStyle/>
+          <a:p>
+            <a:r>
+              <a:rPr lang="en-US" dirty="0"/>
+              <a:t>Packages in flutter</a:t>
+            </a:r>
+          </a:p>
+        </p:txBody>
+      </p:sp>
+      <p:sp>
+        <p:nvSpPr>
+          <p:cNvPr id="3" name="Content Placeholder 2">
+            <a:extLst>
+              <a:ext uri="{FF2B5EF4-FFF2-40B4-BE49-F238E27FC236}">
+                <a16:creationId xmlns:a16="http://schemas.microsoft.com/office/drawing/2014/main" id="{FEE9AA64-80E0-314E-9CB6-EB83F52C1657}"/>
+              </a:ext>
+            </a:extLst>
+          </p:cNvPr>
+          <p:cNvSpPr>
+            <a:spLocks noGrp="1"/>
+          </p:cNvSpPr>
+          <p:nvPr>
+            <p:ph idx="1"/>
+          </p:nvPr>
+        </p:nvSpPr>
+        <p:spPr/>
+        <p:txBody>
+          <a:bodyPr/>
+          <a:lstStyle/>
+          <a:p>
+            <a:r>
+              <a:rPr lang="en-IN" dirty="0"/>
+              <a:t>Flutter supports using shared packages contributed by other developers to the Flutter and Dart ecosystems.</a:t>
+            </a:r>
+          </a:p>
+          <a:p>
+            <a:endParaRPr lang="en-IN" dirty="0"/>
+          </a:p>
+          <a:p>
+            <a:r>
+              <a:rPr lang="en-IN" dirty="0"/>
+              <a:t>This allows quickly building an app without having to develop everything from scratch.</a:t>
+            </a:r>
+          </a:p>
+          <a:p>
+            <a:endParaRPr lang="en-IN" dirty="0"/>
+          </a:p>
+          <a:p>
+            <a:r>
+              <a:rPr lang="en-IN" dirty="0"/>
+              <a:t>Website to check all the packages available – </a:t>
+            </a:r>
+            <a:r>
+              <a:rPr lang="en-IN" dirty="0">
+                <a:hlinkClick r:id="rId2"/>
+              </a:rPr>
+              <a:t>https://pub.dev</a:t>
+            </a:r>
+            <a:r>
+              <a:rPr lang="en-IN" dirty="0"/>
+              <a:t>	</a:t>
+            </a:r>
+            <a:endParaRPr lang="en-US" dirty="0"/>
+          </a:p>
+        </p:txBody>
+      </p:sp>
+    </p:spTree>
+    <p:extLst>
+      <p:ext uri="{BB962C8B-B14F-4D97-AF65-F5344CB8AC3E}">
+        <p14:creationId xmlns:p14="http://schemas.microsoft.com/office/powerpoint/2010/main" val="2082540175"/>
       </p:ext>
     </p:extLst>
   </p:cSld>
@@ -8475,6 +8642,53 @@
           </a:p>
         </p:txBody>
       </p:sp>
+      <p:pic>
+        <p:nvPicPr>
+          <p:cNvPr id="4" name="Picture 2">
+            <a:extLst>
+              <a:ext uri="{FF2B5EF4-FFF2-40B4-BE49-F238E27FC236}">
+                <a16:creationId xmlns:a16="http://schemas.microsoft.com/office/drawing/2014/main" id="{79467D52-E22F-F643-A606-D13259957290}"/>
+              </a:ext>
+            </a:extLst>
+          </p:cNvPr>
+          <p:cNvPicPr>
+            <a:picLocks noChangeAspect="1" noChangeArrowheads="1"/>
+          </p:cNvPicPr>
+          <p:nvPr/>
+        </p:nvPicPr>
+        <p:blipFill>
+          <a:blip r:embed="rId2">
+            <a:extLst>
+              <a:ext uri="{28A0092B-C50C-407E-A947-70E740481C1C}">
+                <a14:useLocalDpi xmlns:a14="http://schemas.microsoft.com/office/drawing/2010/main" val="0"/>
+              </a:ext>
+            </a:extLst>
+          </a:blip>
+          <a:srcRect/>
+          <a:stretch>
+            <a:fillRect/>
+          </a:stretch>
+        </p:blipFill>
+        <p:spPr bwMode="auto">
+          <a:xfrm>
+            <a:off x="9585239" y="382385"/>
+            <a:ext cx="2110317" cy="602193"/>
+          </a:xfrm>
+          <a:prstGeom prst="rect">
+            <a:avLst/>
+          </a:prstGeom>
+          <a:noFill/>
+          <a:extLst>
+            <a:ext uri="{909E8E84-426E-40DD-AFC4-6F175D3DCCD1}">
+              <a14:hiddenFill xmlns:a14="http://schemas.microsoft.com/office/drawing/2010/main">
+                <a:solidFill>
+                  <a:srgbClr val="FFFFFF"/>
+                </a:solidFill>
+              </a14:hiddenFill>
+            </a:ext>
+          </a:extLst>
+        </p:spPr>
+      </p:pic>
     </p:spTree>
     <p:extLst>
       <p:ext uri="{BB962C8B-B14F-4D97-AF65-F5344CB8AC3E}">
@@ -8510,6 +8724,158 @@
           <p:cNvPr id="2" name="Title 1">
             <a:extLst>
               <a:ext uri="{FF2B5EF4-FFF2-40B4-BE49-F238E27FC236}">
+                <a16:creationId xmlns:a16="http://schemas.microsoft.com/office/drawing/2014/main" id="{F5C89727-068F-C744-B180-0C7F34AD3056}"/>
+              </a:ext>
+            </a:extLst>
+          </p:cNvPr>
+          <p:cNvSpPr>
+            <a:spLocks noGrp="1"/>
+          </p:cNvSpPr>
+          <p:nvPr>
+            <p:ph type="title"/>
+          </p:nvPr>
+        </p:nvSpPr>
+        <p:spPr/>
+        <p:txBody>
+          <a:bodyPr/>
+          <a:lstStyle/>
+          <a:p>
+            <a:r>
+              <a:rPr lang="en-US" dirty="0"/>
+              <a:t>What is Dart?</a:t>
+            </a:r>
+          </a:p>
+        </p:txBody>
+      </p:sp>
+      <p:sp>
+        <p:nvSpPr>
+          <p:cNvPr id="3" name="Content Placeholder 2">
+            <a:extLst>
+              <a:ext uri="{FF2B5EF4-FFF2-40B4-BE49-F238E27FC236}">
+                <a16:creationId xmlns:a16="http://schemas.microsoft.com/office/drawing/2014/main" id="{4480555E-19CE-4D41-A930-A8DE5BB26E41}"/>
+              </a:ext>
+            </a:extLst>
+          </p:cNvPr>
+          <p:cNvSpPr>
+            <a:spLocks noGrp="1"/>
+          </p:cNvSpPr>
+          <p:nvPr>
+            <p:ph idx="1"/>
+          </p:nvPr>
+        </p:nvSpPr>
+        <p:spPr/>
+        <p:txBody>
+          <a:bodyPr/>
+          <a:lstStyle/>
+          <a:p>
+            <a:r>
+              <a:rPr lang="en-IN" dirty="0"/>
+              <a:t>Dart is a programming language designed for client development, such as for the web and mobile apps.</a:t>
+            </a:r>
+          </a:p>
+          <a:p>
+            <a:endParaRPr lang="en-IN" dirty="0"/>
+          </a:p>
+          <a:p>
+            <a:r>
+              <a:rPr lang="en-IN" dirty="0"/>
+              <a:t>It is developed by Google and can also be used to build server and desktop applications.</a:t>
+            </a:r>
+          </a:p>
+          <a:p>
+            <a:endParaRPr lang="en-IN" dirty="0"/>
+          </a:p>
+          <a:p>
+            <a:r>
+              <a:rPr lang="en-IN" dirty="0"/>
+              <a:t>Dart is an object-oriented, class-based, garbage-collected language</a:t>
+            </a:r>
+            <a:endParaRPr lang="en-US" dirty="0"/>
+          </a:p>
+        </p:txBody>
+      </p:sp>
+      <p:pic>
+        <p:nvPicPr>
+          <p:cNvPr id="3074" name="Picture 2">
+            <a:extLst>
+              <a:ext uri="{FF2B5EF4-FFF2-40B4-BE49-F238E27FC236}">
+                <a16:creationId xmlns:a16="http://schemas.microsoft.com/office/drawing/2014/main" id="{96CB0A91-30AA-2242-B230-7565FC776643}"/>
+              </a:ext>
+            </a:extLst>
+          </p:cNvPr>
+          <p:cNvPicPr>
+            <a:picLocks noChangeAspect="1" noChangeArrowheads="1"/>
+          </p:cNvPicPr>
+          <p:nvPr/>
+        </p:nvPicPr>
+        <p:blipFill>
+          <a:blip r:embed="rId2">
+            <a:extLst>
+              <a:ext uri="{28A0092B-C50C-407E-A947-70E740481C1C}">
+                <a14:useLocalDpi xmlns:a14="http://schemas.microsoft.com/office/drawing/2010/main" val="0"/>
+              </a:ext>
+            </a:extLst>
+          </a:blip>
+          <a:srcRect/>
+          <a:stretch>
+            <a:fillRect/>
+          </a:stretch>
+        </p:blipFill>
+        <p:spPr bwMode="auto">
+          <a:xfrm>
+            <a:off x="9127067" y="382385"/>
+            <a:ext cx="2302933" cy="719667"/>
+          </a:xfrm>
+          <a:prstGeom prst="rect">
+            <a:avLst/>
+          </a:prstGeom>
+          <a:noFill/>
+          <a:extLst>
+            <a:ext uri="{909E8E84-426E-40DD-AFC4-6F175D3DCCD1}">
+              <a14:hiddenFill xmlns:a14="http://schemas.microsoft.com/office/drawing/2010/main">
+                <a:solidFill>
+                  <a:srgbClr val="FFFFFF"/>
+                </a:solidFill>
+              </a14:hiddenFill>
+            </a:ext>
+          </a:extLst>
+        </p:spPr>
+      </p:pic>
+    </p:spTree>
+    <p:extLst>
+      <p:ext uri="{BB962C8B-B14F-4D97-AF65-F5344CB8AC3E}">
+        <p14:creationId xmlns:p14="http://schemas.microsoft.com/office/powerpoint/2010/main" val="2037261265"/>
+      </p:ext>
+    </p:extLst>
+  </p:cSld>
+  <p:clrMapOvr>
+    <a:masterClrMapping/>
+  </p:clrMapOvr>
+</p:sld>
+</file>
+
+<file path=ppt/slides/slide7.xml><?xml version="1.0" encoding="utf-8"?>
+<p:sld xmlns:a="http://schemas.openxmlformats.org/drawingml/2006/main" xmlns:r="http://schemas.openxmlformats.org/officeDocument/2006/relationships" xmlns:p="http://schemas.openxmlformats.org/presentationml/2006/main">
+  <p:cSld>
+    <p:spTree>
+      <p:nvGrpSpPr>
+        <p:cNvPr id="1" name=""/>
+        <p:cNvGrpSpPr/>
+        <p:nvPr/>
+      </p:nvGrpSpPr>
+      <p:grpSpPr>
+        <a:xfrm>
+          <a:off x="0" y="0"/>
+          <a:ext cx="0" cy="0"/>
+          <a:chOff x="0" y="0"/>
+          <a:chExt cx="0" cy="0"/>
+        </a:xfrm>
+      </p:grpSpPr>
+      <p:sp>
+        <p:nvSpPr>
+          <p:cNvPr id="2" name="Title 1">
+            <a:extLst>
+              <a:ext uri="{FF2B5EF4-FFF2-40B4-BE49-F238E27FC236}">
                 <a16:creationId xmlns:a16="http://schemas.microsoft.com/office/drawing/2014/main" id="{BF8ACFF9-4325-E647-B507-B5032170FBB9}"/>
               </a:ext>
             </a:extLst>
@@ -8574,7 +8940,7 @@
 </p:sld>
 </file>
 
-<file path=ppt/slides/slide7.xml><?xml version="1.0" encoding="utf-8"?>
+<file path=ppt/slides/slide8.xml><?xml version="1.0" encoding="utf-8"?>
 <p:sld xmlns:a="http://schemas.openxmlformats.org/drawingml/2006/main" xmlns:r="http://schemas.openxmlformats.org/officeDocument/2006/relationships" xmlns:p="http://schemas.openxmlformats.org/presentationml/2006/main">
   <p:cSld>
     <p:spTree>
@@ -8661,121 +9027,6 @@
 </p:sld>
 </file>
 
-<file path=ppt/slides/slide8.xml><?xml version="1.0" encoding="utf-8"?>
-<p:sld xmlns:a="http://schemas.openxmlformats.org/drawingml/2006/main" xmlns:r="http://schemas.openxmlformats.org/officeDocument/2006/relationships" xmlns:p="http://schemas.openxmlformats.org/presentationml/2006/main">
-  <p:cSld>
-    <p:spTree>
-      <p:nvGrpSpPr>
-        <p:cNvPr id="1" name=""/>
-        <p:cNvGrpSpPr/>
-        <p:nvPr/>
-      </p:nvGrpSpPr>
-      <p:grpSpPr>
-        <a:xfrm>
-          <a:off x="0" y="0"/>
-          <a:ext cx="0" cy="0"/>
-          <a:chOff x="0" y="0"/>
-          <a:chExt cx="0" cy="0"/>
-        </a:xfrm>
-      </p:grpSpPr>
-      <p:sp>
-        <p:nvSpPr>
-          <p:cNvPr id="2" name="Title 1">
-            <a:extLst>
-              <a:ext uri="{FF2B5EF4-FFF2-40B4-BE49-F238E27FC236}">
-                <a16:creationId xmlns:a16="http://schemas.microsoft.com/office/drawing/2014/main" id="{632C444E-F7F5-914A-92EB-9EADBCCF5189}"/>
-              </a:ext>
-            </a:extLst>
-          </p:cNvPr>
-          <p:cNvSpPr>
-            <a:spLocks noGrp="1"/>
-          </p:cNvSpPr>
-          <p:nvPr>
-            <p:ph type="title"/>
-          </p:nvPr>
-        </p:nvSpPr>
-        <p:spPr/>
-        <p:txBody>
-          <a:bodyPr/>
-          <a:lstStyle/>
-          <a:p>
-            <a:r>
-              <a:rPr lang="en-US" dirty="0"/>
-              <a:t>What are widgets?</a:t>
-            </a:r>
-          </a:p>
-        </p:txBody>
-      </p:sp>
-      <p:sp>
-        <p:nvSpPr>
-          <p:cNvPr id="3" name="Content Placeholder 2">
-            <a:extLst>
-              <a:ext uri="{FF2B5EF4-FFF2-40B4-BE49-F238E27FC236}">
-                <a16:creationId xmlns:a16="http://schemas.microsoft.com/office/drawing/2014/main" id="{ACF81D5A-65C2-BB4B-95B4-71AAD27A4F39}"/>
-              </a:ext>
-            </a:extLst>
-          </p:cNvPr>
-          <p:cNvSpPr>
-            <a:spLocks noGrp="1"/>
-          </p:cNvSpPr>
-          <p:nvPr>
-            <p:ph idx="1"/>
-          </p:nvPr>
-        </p:nvSpPr>
-        <p:spPr/>
-        <p:txBody>
-          <a:bodyPr/>
-          <a:lstStyle/>
-          <a:p>
-            <a:r>
-              <a:rPr lang="en-IN" dirty="0"/>
-              <a:t>Flutter widgets are built using a modern framework that takes inspiration from </a:t>
-            </a:r>
-            <a:r>
-              <a:rPr lang="en-IN" dirty="0">
-                <a:hlinkClick r:id="rId2"/>
-              </a:rPr>
-              <a:t>React</a:t>
-            </a:r>
-            <a:r>
-              <a:rPr lang="en-IN" dirty="0"/>
-              <a:t>. The central idea is that you build your UI out of widgets. </a:t>
-            </a:r>
-          </a:p>
-          <a:p>
-            <a:endParaRPr lang="en-IN" dirty="0"/>
-          </a:p>
-          <a:p>
-            <a:r>
-              <a:rPr lang="en-IN" dirty="0"/>
-              <a:t>Widgets describe what their view should look like given their current configuration and state. When a widget’s state changes, the widget rebuilds its description.</a:t>
-            </a:r>
-          </a:p>
-          <a:p>
-            <a:endParaRPr lang="en-IN" dirty="0"/>
-          </a:p>
-          <a:p>
-            <a:r>
-              <a:rPr lang="en-IN" dirty="0"/>
-              <a:t>Examples – Container, Row, Column, Image, Icon etc.</a:t>
-            </a:r>
-            <a:endParaRPr lang="en-US" dirty="0"/>
-          </a:p>
-        </p:txBody>
-      </p:sp>
-    </p:spTree>
-    <p:extLst>
-      <p:ext uri="{BB962C8B-B14F-4D97-AF65-F5344CB8AC3E}">
-        <p14:creationId xmlns:p14="http://schemas.microsoft.com/office/powerpoint/2010/main" val="402986338"/>
-      </p:ext>
-    </p:extLst>
-  </p:cSld>
-  <p:clrMapOvr>
-    <a:masterClrMapping/>
-  </p:clrMapOvr>
-</p:sld>
-</file>
-
 <file path=ppt/slides/slide9.xml><?xml version="1.0" encoding="utf-8"?>
 <p:sld xmlns:a="http://schemas.openxmlformats.org/drawingml/2006/main" xmlns:r="http://schemas.openxmlformats.org/officeDocument/2006/relationships" xmlns:p="http://schemas.openxmlformats.org/presentationml/2006/main">
   <p:cSld>
@@ -8798,7 +9049,7 @@
           <p:cNvPr id="2" name="Title 1">
             <a:extLst>
               <a:ext uri="{FF2B5EF4-FFF2-40B4-BE49-F238E27FC236}">
-                <a16:creationId xmlns:a16="http://schemas.microsoft.com/office/drawing/2014/main" id="{9A3837F2-C4CD-684B-8DD5-F961D7CEB8C0}"/>
+                <a16:creationId xmlns:a16="http://schemas.microsoft.com/office/drawing/2014/main" id="{632C444E-F7F5-914A-92EB-9EADBCCF5189}"/>
               </a:ext>
             </a:extLst>
           </p:cNvPr>
@@ -8816,7 +9067,7 @@
           <a:p>
             <a:r>
               <a:rPr lang="en-US" dirty="0"/>
-              <a:t>Material app</a:t>
+              <a:t>What are widgets?</a:t>
             </a:r>
           </a:p>
         </p:txBody>
@@ -8826,7 +9077,7 @@
           <p:cNvPr id="3" name="Content Placeholder 2">
             <a:extLst>
               <a:ext uri="{FF2B5EF4-FFF2-40B4-BE49-F238E27FC236}">
-                <a16:creationId xmlns:a16="http://schemas.microsoft.com/office/drawing/2014/main" id="{813C1C68-8457-7D42-848F-09DE86B59F84}"/>
+                <a16:creationId xmlns:a16="http://schemas.microsoft.com/office/drawing/2014/main" id="{ACF81D5A-65C2-BB4B-95B4-71AAD27A4F39}"/>
               </a:ext>
             </a:extLst>
           </p:cNvPr>
@@ -8843,20 +9094,18 @@
           <a:lstStyle/>
           <a:p>
             <a:r>
-              <a:rPr lang="en-IN" dirty="0" err="1"/>
-              <a:t>MaterialApp</a:t>
-            </a:r>
-            <a:r>
               <a:rPr lang="en-IN" dirty="0"/>
-              <a:t> is </a:t>
-            </a:r>
-            <a:r>
-              <a:rPr lang="en-IN" b="1" dirty="0"/>
-              <a:t>a predefined class in a flutter</a:t>
+              <a:t>Flutter widgets are built using a modern framework that takes inspiration from </a:t>
+            </a:r>
+            <a:r>
+              <a:rPr lang="en-IN" dirty="0">
+                <a:hlinkClick r:id="rId2"/>
+              </a:rPr>
+              <a:t>React</a:t>
             </a:r>
             <a:r>
               <a:rPr lang="en-IN" dirty="0"/>
-              <a:t>.</a:t>
+              <a:t>. The central idea is that you build your UI out of widgets. </a:t>
             </a:r>
           </a:p>
           <a:p>
@@ -8865,7 +9114,7 @@
           <a:p>
             <a:r>
               <a:rPr lang="en-IN" dirty="0"/>
-              <a:t>It is likely the main or core component of flutter. We can access all the other components and widgets provided by Flutter SDK.</a:t>
+              <a:t>Widgets describe what their view should look like given their current configuration and state. When a widget’s state changes, the widget rebuilds its description.</a:t>
             </a:r>
           </a:p>
           <a:p>
@@ -8873,16 +9122,8 @@
           </a:p>
           <a:p>
             <a:r>
-              <a:rPr lang="en-US" dirty="0" err="1"/>
-              <a:t>MaterialApp</a:t>
-            </a:r>
-            <a:r>
-              <a:rPr lang="en-US" dirty="0"/>
-              <a:t> is a widget that introduces many interesting tools such as Navigator or Theme to help you develop your app. Material is, on the other hand, a widget used to define a UI element respecting </a:t>
-            </a:r>
-            <a:r>
-              <a:rPr lang="en-US"/>
-              <a:t>Material rules.</a:t>
+              <a:rPr lang="en-IN" dirty="0"/>
+              <a:t>Examples – Container, Row, Column, Image, Icon etc.</a:t>
             </a:r>
             <a:endParaRPr lang="en-US" dirty="0"/>
           </a:p>
@@ -8891,7 +9132,7 @@
     </p:spTree>
     <p:extLst>
       <p:ext uri="{BB962C8B-B14F-4D97-AF65-F5344CB8AC3E}">
-        <p14:creationId xmlns:p14="http://schemas.microsoft.com/office/powerpoint/2010/main" val="3678167165"/>
+        <p14:creationId xmlns:p14="http://schemas.microsoft.com/office/powerpoint/2010/main" val="402986338"/>
       </p:ext>
     </p:extLst>
   </p:cSld>

--- a/Flutter Workshop.pptx
+++ b/Flutter Workshop.pptx
@@ -23,7 +23,14 @@
     <p:sldId id="267" r:id="rId17"/>
     <p:sldId id="268" r:id="rId18"/>
     <p:sldId id="269" r:id="rId19"/>
-    <p:sldId id="272" r:id="rId20"/>
+    <p:sldId id="275" r:id="rId20"/>
+    <p:sldId id="272" r:id="rId21"/>
+    <p:sldId id="276" r:id="rId22"/>
+    <p:sldId id="279" r:id="rId23"/>
+    <p:sldId id="280" r:id="rId24"/>
+    <p:sldId id="277" r:id="rId25"/>
+    <p:sldId id="278" r:id="rId26"/>
+    <p:sldId id="281" r:id="rId27"/>
   </p:sldIdLst>
   <p:sldSz cx="12192000" cy="6858000"/>
   <p:notesSz cx="6858000" cy="9144000"/>
@@ -1342,7 +1349,7 @@
             <a:fld id="{9334D819-9F07-4261-B09B-9E467E5D9002}" type="datetimeFigureOut">
               <a:rPr lang="en-US" dirty="0"/>
               <a:pPr/>
-              <a:t>8/16/21</a:t>
+              <a:t>8/17/21</a:t>
             </a:fld>
             <a:endParaRPr lang="en-US" dirty="0"/>
           </a:p>
@@ -1576,7 +1583,7 @@
           <a:p>
             <a:fld id="{9334D819-9F07-4261-B09B-9E467E5D9002}" type="datetimeFigureOut">
               <a:rPr lang="en-US" dirty="0"/>
-              <a:t>8/16/21</a:t>
+              <a:t>8/17/21</a:t>
             </a:fld>
             <a:endParaRPr lang="en-US" dirty="0"/>
           </a:p>
@@ -1751,7 +1758,7 @@
           <a:p>
             <a:fld id="{9334D819-9F07-4261-B09B-9E467E5D9002}" type="datetimeFigureOut">
               <a:rPr lang="en-US" dirty="0"/>
-              <a:t>8/16/21</a:t>
+              <a:t>8/17/21</a:t>
             </a:fld>
             <a:endParaRPr lang="en-US" dirty="0"/>
           </a:p>
@@ -1916,7 +1923,7 @@
           <a:p>
             <a:fld id="{9334D819-9F07-4261-B09B-9E467E5D9002}" type="datetimeFigureOut">
               <a:rPr lang="en-US" dirty="0"/>
-              <a:t>8/16/21</a:t>
+              <a:t>8/17/21</a:t>
             </a:fld>
             <a:endParaRPr lang="en-US" dirty="0"/>
           </a:p>
@@ -2188,7 +2195,7 @@
             <a:fld id="{9334D819-9F07-4261-B09B-9E467E5D9002}" type="datetimeFigureOut">
               <a:rPr lang="en-US" dirty="0"/>
               <a:pPr/>
-              <a:t>8/16/21</a:t>
+              <a:t>8/17/21</a:t>
             </a:fld>
             <a:endParaRPr lang="en-US" dirty="0"/>
           </a:p>
@@ -3385,7 +3392,7 @@
           <a:p>
             <a:fld id="{9334D819-9F07-4261-B09B-9E467E5D9002}" type="datetimeFigureOut">
               <a:rPr lang="en-US" dirty="0"/>
-              <a:t>8/16/21</a:t>
+              <a:t>8/17/21</a:t>
             </a:fld>
             <a:endParaRPr lang="en-US" dirty="0"/>
           </a:p>
@@ -3770,7 +3777,7 @@
           <a:p>
             <a:fld id="{9334D819-9F07-4261-B09B-9E467E5D9002}" type="datetimeFigureOut">
               <a:rPr lang="en-US" dirty="0"/>
-              <a:t>8/16/21</a:t>
+              <a:t>8/17/21</a:t>
             </a:fld>
             <a:endParaRPr lang="en-US" dirty="0"/>
           </a:p>
@@ -3888,7 +3895,7 @@
           <a:p>
             <a:fld id="{9334D819-9F07-4261-B09B-9E467E5D9002}" type="datetimeFigureOut">
               <a:rPr lang="en-US" dirty="0"/>
-              <a:t>8/16/21</a:t>
+              <a:t>8/17/21</a:t>
             </a:fld>
             <a:endParaRPr lang="en-US" dirty="0"/>
           </a:p>
@@ -3978,7 +3985,7 @@
           <a:p>
             <a:fld id="{9334D819-9F07-4261-B09B-9E467E5D9002}" type="datetimeFigureOut">
               <a:rPr lang="en-US" dirty="0"/>
-              <a:t>8/16/21</a:t>
+              <a:t>8/17/21</a:t>
             </a:fld>
             <a:endParaRPr lang="en-US" dirty="0"/>
           </a:p>
@@ -4736,7 +4743,7 @@
           <a:p>
             <a:fld id="{9334D819-9F07-4261-B09B-9E467E5D9002}" type="datetimeFigureOut">
               <a:rPr lang="en-US" dirty="0"/>
-              <a:t>8/16/21</a:t>
+              <a:t>8/17/21</a:t>
             </a:fld>
             <a:endParaRPr lang="en-US" dirty="0"/>
           </a:p>
@@ -5571,7 +5578,7 @@
           <a:p>
             <a:fld id="{9334D819-9F07-4261-B09B-9E467E5D9002}" type="datetimeFigureOut">
               <a:rPr lang="en-US" dirty="0"/>
-              <a:t>8/16/21</a:t>
+              <a:t>8/17/21</a:t>
             </a:fld>
             <a:endParaRPr lang="en-US" dirty="0"/>
           </a:p>
@@ -5794,7 +5801,7 @@
             <a:fld id="{9334D819-9F07-4261-B09B-9E467E5D9002}" type="datetimeFigureOut">
               <a:rPr lang="en-US" dirty="0"/>
               <a:pPr/>
-              <a:t>8/16/21</a:t>
+              <a:t>8/17/21</a:t>
             </a:fld>
             <a:endParaRPr lang="en-US" dirty="0"/>
           </a:p>
@@ -8195,7 +8202,7 @@
           <p:cNvPr id="2" name="Title 1">
             <a:extLst>
               <a:ext uri="{FF2B5EF4-FFF2-40B4-BE49-F238E27FC236}">
-                <a16:creationId xmlns:a16="http://schemas.microsoft.com/office/drawing/2014/main" id="{118C87DD-08E4-5F47-ADD8-FBC1E4552AA0}"/>
+                <a16:creationId xmlns:a16="http://schemas.microsoft.com/office/drawing/2014/main" id="{261C86A2-B8A8-CF48-98AA-6E692D456051}"/>
               </a:ext>
             </a:extLst>
           </p:cNvPr>
@@ -8213,7 +8220,7 @@
           <a:p>
             <a:r>
               <a:rPr lang="en-US" dirty="0"/>
-              <a:t>Packages in flutter</a:t>
+              <a:t>drawer widget</a:t>
             </a:r>
           </a:p>
         </p:txBody>
@@ -8223,7 +8230,7 @@
           <p:cNvPr id="3" name="Content Placeholder 2">
             <a:extLst>
               <a:ext uri="{FF2B5EF4-FFF2-40B4-BE49-F238E27FC236}">
-                <a16:creationId xmlns:a16="http://schemas.microsoft.com/office/drawing/2014/main" id="{FEE9AA64-80E0-314E-9CB6-EB83F52C1657}"/>
+                <a16:creationId xmlns:a16="http://schemas.microsoft.com/office/drawing/2014/main" id="{24AA0E1A-C387-6248-9889-E2F867C15F6D}"/>
               </a:ext>
             </a:extLst>
           </p:cNvPr>
@@ -8241,7 +8248,7 @@
           <a:p>
             <a:r>
               <a:rPr lang="en-IN" dirty="0"/>
-              <a:t>Flutter supports using shared packages contributed by other developers to the Flutter and Dart ecosystems.</a:t>
+              <a:t>In apps that use Material Design, there are two primary options for navigation: tabs and drawers. When there is insufficient space to support tabs, drawers provide a handy alternative.</a:t>
             </a:r>
           </a:p>
           <a:p>
@@ -8250,35 +8257,35 @@
           <a:p>
             <a:r>
               <a:rPr lang="en-IN" dirty="0"/>
-              <a:t>This allows quickly building an app without having to develop everything from scratch.</a:t>
-            </a:r>
-          </a:p>
-          <a:p>
-            <a:endParaRPr lang="en-IN" dirty="0"/>
-          </a:p>
-          <a:p>
-            <a:r>
-              <a:rPr lang="en-IN" dirty="0"/>
-              <a:t>Website to check all the packages available – </a:t>
+              <a:t>In Flutter, use the </a:t>
             </a:r>
             <a:r>
               <a:rPr lang="en-IN" dirty="0">
                 <a:hlinkClick r:id="rId2"/>
               </a:rPr>
-              <a:t>https://pub.dev</a:t>
+              <a:t>Drawer</a:t>
             </a:r>
             <a:r>
               <a:rPr lang="en-IN" dirty="0"/>
-              <a:t>	</a:t>
-            </a:r>
-            <a:endParaRPr lang="en-US" dirty="0"/>
+              <a:t> widget in combination with a </a:t>
+            </a:r>
+            <a:r>
+              <a:rPr lang="en-IN" dirty="0">
+                <a:hlinkClick r:id="rId3"/>
+              </a:rPr>
+              <a:t>Scaffold</a:t>
+            </a:r>
+            <a:r>
+              <a:rPr lang="en-IN" dirty="0"/>
+              <a:t> to create a layout with a Material Design drawer. This recipe uses the following steps:</a:t>
+            </a:r>
           </a:p>
         </p:txBody>
       </p:sp>
     </p:spTree>
     <p:extLst>
       <p:ext uri="{BB962C8B-B14F-4D97-AF65-F5344CB8AC3E}">
-        <p14:creationId xmlns:p14="http://schemas.microsoft.com/office/powerpoint/2010/main" val="2082540175"/>
+        <p14:creationId xmlns:p14="http://schemas.microsoft.com/office/powerpoint/2010/main" val="311543120"/>
       </p:ext>
     </p:extLst>
   </p:cSld>
@@ -8368,6 +8375,831 @@
     <p:extLst>
       <p:ext uri="{BB962C8B-B14F-4D97-AF65-F5344CB8AC3E}">
         <p14:creationId xmlns:p14="http://schemas.microsoft.com/office/powerpoint/2010/main" val="1166661560"/>
+      </p:ext>
+    </p:extLst>
+  </p:cSld>
+  <p:clrMapOvr>
+    <a:masterClrMapping/>
+  </p:clrMapOvr>
+</p:sld>
+</file>
+
+<file path=ppt/slides/slide20.xml><?xml version="1.0" encoding="utf-8"?>
+<p:sld xmlns:a="http://schemas.openxmlformats.org/drawingml/2006/main" xmlns:r="http://schemas.openxmlformats.org/officeDocument/2006/relationships" xmlns:p="http://schemas.openxmlformats.org/presentationml/2006/main">
+  <p:cSld>
+    <p:spTree>
+      <p:nvGrpSpPr>
+        <p:cNvPr id="1" name=""/>
+        <p:cNvGrpSpPr/>
+        <p:nvPr/>
+      </p:nvGrpSpPr>
+      <p:grpSpPr>
+        <a:xfrm>
+          <a:off x="0" y="0"/>
+          <a:ext cx="0" cy="0"/>
+          <a:chOff x="0" y="0"/>
+          <a:chExt cx="0" cy="0"/>
+        </a:xfrm>
+      </p:grpSpPr>
+      <p:sp>
+        <p:nvSpPr>
+          <p:cNvPr id="2" name="Title 1">
+            <a:extLst>
+              <a:ext uri="{FF2B5EF4-FFF2-40B4-BE49-F238E27FC236}">
+                <a16:creationId xmlns:a16="http://schemas.microsoft.com/office/drawing/2014/main" id="{118C87DD-08E4-5F47-ADD8-FBC1E4552AA0}"/>
+              </a:ext>
+            </a:extLst>
+          </p:cNvPr>
+          <p:cNvSpPr>
+            <a:spLocks noGrp="1"/>
+          </p:cNvSpPr>
+          <p:nvPr>
+            <p:ph type="title"/>
+          </p:nvPr>
+        </p:nvSpPr>
+        <p:spPr/>
+        <p:txBody>
+          <a:bodyPr/>
+          <a:lstStyle/>
+          <a:p>
+            <a:r>
+              <a:rPr lang="en-US" dirty="0"/>
+              <a:t>Packages in flutter</a:t>
+            </a:r>
+          </a:p>
+        </p:txBody>
+      </p:sp>
+      <p:sp>
+        <p:nvSpPr>
+          <p:cNvPr id="3" name="Content Placeholder 2">
+            <a:extLst>
+              <a:ext uri="{FF2B5EF4-FFF2-40B4-BE49-F238E27FC236}">
+                <a16:creationId xmlns:a16="http://schemas.microsoft.com/office/drawing/2014/main" id="{FEE9AA64-80E0-314E-9CB6-EB83F52C1657}"/>
+              </a:ext>
+            </a:extLst>
+          </p:cNvPr>
+          <p:cNvSpPr>
+            <a:spLocks noGrp="1"/>
+          </p:cNvSpPr>
+          <p:nvPr>
+            <p:ph idx="1"/>
+          </p:nvPr>
+        </p:nvSpPr>
+        <p:spPr/>
+        <p:txBody>
+          <a:bodyPr/>
+          <a:lstStyle/>
+          <a:p>
+            <a:r>
+              <a:rPr lang="en-IN" dirty="0"/>
+              <a:t>Flutter supports using shared packages contributed by other developers to the Flutter and Dart ecosystems.</a:t>
+            </a:r>
+          </a:p>
+          <a:p>
+            <a:endParaRPr lang="en-IN" dirty="0"/>
+          </a:p>
+          <a:p>
+            <a:r>
+              <a:rPr lang="en-IN" dirty="0"/>
+              <a:t>This allows quickly building an app without having to develop everything from scratch.</a:t>
+            </a:r>
+          </a:p>
+          <a:p>
+            <a:endParaRPr lang="en-IN" dirty="0"/>
+          </a:p>
+          <a:p>
+            <a:r>
+              <a:rPr lang="en-IN" dirty="0"/>
+              <a:t>Website to check all the packages available – </a:t>
+            </a:r>
+            <a:r>
+              <a:rPr lang="en-IN" dirty="0">
+                <a:hlinkClick r:id="rId2"/>
+              </a:rPr>
+              <a:t>https://pub.dev</a:t>
+            </a:r>
+            <a:r>
+              <a:rPr lang="en-IN" dirty="0"/>
+              <a:t>	</a:t>
+            </a:r>
+            <a:endParaRPr lang="en-US" dirty="0"/>
+          </a:p>
+        </p:txBody>
+      </p:sp>
+    </p:spTree>
+    <p:extLst>
+      <p:ext uri="{BB962C8B-B14F-4D97-AF65-F5344CB8AC3E}">
+        <p14:creationId xmlns:p14="http://schemas.microsoft.com/office/powerpoint/2010/main" val="2082540175"/>
+      </p:ext>
+    </p:extLst>
+  </p:cSld>
+  <p:clrMapOvr>
+    <a:masterClrMapping/>
+  </p:clrMapOvr>
+</p:sld>
+</file>
+
+<file path=ppt/slides/slide21.xml><?xml version="1.0" encoding="utf-8"?>
+<p:sld xmlns:a="http://schemas.openxmlformats.org/drawingml/2006/main" xmlns:r="http://schemas.openxmlformats.org/officeDocument/2006/relationships" xmlns:p="http://schemas.openxmlformats.org/presentationml/2006/main">
+  <p:cSld>
+    <p:spTree>
+      <p:nvGrpSpPr>
+        <p:cNvPr id="1" name=""/>
+        <p:cNvGrpSpPr/>
+        <p:nvPr/>
+      </p:nvGrpSpPr>
+      <p:grpSpPr>
+        <a:xfrm>
+          <a:off x="0" y="0"/>
+          <a:ext cx="0" cy="0"/>
+          <a:chOff x="0" y="0"/>
+          <a:chExt cx="0" cy="0"/>
+        </a:xfrm>
+      </p:grpSpPr>
+      <p:sp>
+        <p:nvSpPr>
+          <p:cNvPr id="2" name="Title 1">
+            <a:extLst>
+              <a:ext uri="{FF2B5EF4-FFF2-40B4-BE49-F238E27FC236}">
+                <a16:creationId xmlns:a16="http://schemas.microsoft.com/office/drawing/2014/main" id="{1A38F7DD-C5DC-4E40-B115-A14223400783}"/>
+              </a:ext>
+            </a:extLst>
+          </p:cNvPr>
+          <p:cNvSpPr>
+            <a:spLocks noGrp="1"/>
+          </p:cNvSpPr>
+          <p:nvPr>
+            <p:ph type="title"/>
+          </p:nvPr>
+        </p:nvSpPr>
+        <p:spPr/>
+        <p:txBody>
+          <a:bodyPr/>
+          <a:lstStyle/>
+          <a:p>
+            <a:r>
+              <a:rPr lang="en-US" dirty="0"/>
+              <a:t>firebase</a:t>
+            </a:r>
+          </a:p>
+        </p:txBody>
+      </p:sp>
+      <p:sp>
+        <p:nvSpPr>
+          <p:cNvPr id="3" name="Content Placeholder 2">
+            <a:extLst>
+              <a:ext uri="{FF2B5EF4-FFF2-40B4-BE49-F238E27FC236}">
+                <a16:creationId xmlns:a16="http://schemas.microsoft.com/office/drawing/2014/main" id="{43AE5B57-7CA2-5E49-9A66-9169FE61F4C4}"/>
+              </a:ext>
+            </a:extLst>
+          </p:cNvPr>
+          <p:cNvSpPr>
+            <a:spLocks noGrp="1"/>
+          </p:cNvSpPr>
+          <p:nvPr>
+            <p:ph idx="1"/>
+          </p:nvPr>
+        </p:nvSpPr>
+        <p:spPr/>
+        <p:txBody>
+          <a:bodyPr/>
+          <a:lstStyle/>
+          <a:p>
+            <a:r>
+              <a:rPr lang="en-IN" dirty="0"/>
+              <a:t>Firebase is a platform developed by Google for creating mobile and web applications. It was originally an independent company founded in 2011.</a:t>
+            </a:r>
+          </a:p>
+          <a:p>
+            <a:endParaRPr lang="en-IN" dirty="0"/>
+          </a:p>
+          <a:p>
+            <a:r>
+              <a:rPr lang="en-IN" dirty="0"/>
+              <a:t>In 2014, Google acquired the platform and it is now their flagship offering for app development.</a:t>
+            </a:r>
+            <a:endParaRPr lang="en-US" dirty="0"/>
+          </a:p>
+        </p:txBody>
+      </p:sp>
+      <p:pic>
+        <p:nvPicPr>
+          <p:cNvPr id="1026" name="Picture 2" descr="Standard lockup logo">
+            <a:extLst>
+              <a:ext uri="{FF2B5EF4-FFF2-40B4-BE49-F238E27FC236}">
+                <a16:creationId xmlns:a16="http://schemas.microsoft.com/office/drawing/2014/main" id="{565ADFB8-BD9A-284F-890D-0F262C839F99}"/>
+              </a:ext>
+            </a:extLst>
+          </p:cNvPr>
+          <p:cNvPicPr>
+            <a:picLocks noChangeAspect="1" noChangeArrowheads="1"/>
+          </p:cNvPicPr>
+          <p:nvPr/>
+        </p:nvPicPr>
+        <p:blipFill>
+          <a:blip r:embed="rId2">
+            <a:extLst>
+              <a:ext uri="{28A0092B-C50C-407E-A947-70E740481C1C}">
+                <a14:useLocalDpi xmlns:a14="http://schemas.microsoft.com/office/drawing/2010/main" val="0"/>
+              </a:ext>
+            </a:extLst>
+          </a:blip>
+          <a:srcRect/>
+          <a:stretch>
+            <a:fillRect/>
+          </a:stretch>
+        </p:blipFill>
+        <p:spPr bwMode="auto">
+          <a:xfrm>
+            <a:off x="8113386" y="142085"/>
+            <a:ext cx="3798444" cy="1305715"/>
+          </a:xfrm>
+          <a:prstGeom prst="rect">
+            <a:avLst/>
+          </a:prstGeom>
+          <a:noFill/>
+          <a:extLst>
+            <a:ext uri="{909E8E84-426E-40DD-AFC4-6F175D3DCCD1}">
+              <a14:hiddenFill xmlns:a14="http://schemas.microsoft.com/office/drawing/2010/main">
+                <a:solidFill>
+                  <a:srgbClr val="FFFFFF"/>
+                </a:solidFill>
+              </a14:hiddenFill>
+            </a:ext>
+          </a:extLst>
+        </p:spPr>
+      </p:pic>
+    </p:spTree>
+    <p:extLst>
+      <p:ext uri="{BB962C8B-B14F-4D97-AF65-F5344CB8AC3E}">
+        <p14:creationId xmlns:p14="http://schemas.microsoft.com/office/powerpoint/2010/main" val="3274968447"/>
+      </p:ext>
+    </p:extLst>
+  </p:cSld>
+  <p:clrMapOvr>
+    <a:masterClrMapping/>
+  </p:clrMapOvr>
+</p:sld>
+</file>
+
+<file path=ppt/slides/slide22.xml><?xml version="1.0" encoding="utf-8"?>
+<p:sld xmlns:a="http://schemas.openxmlformats.org/drawingml/2006/main" xmlns:r="http://schemas.openxmlformats.org/officeDocument/2006/relationships" xmlns:p="http://schemas.openxmlformats.org/presentationml/2006/main">
+  <p:cSld>
+    <p:spTree>
+      <p:nvGrpSpPr>
+        <p:cNvPr id="1" name=""/>
+        <p:cNvGrpSpPr/>
+        <p:nvPr/>
+      </p:nvGrpSpPr>
+      <p:grpSpPr>
+        <a:xfrm>
+          <a:off x="0" y="0"/>
+          <a:ext cx="0" cy="0"/>
+          <a:chOff x="0" y="0"/>
+          <a:chExt cx="0" cy="0"/>
+        </a:xfrm>
+      </p:grpSpPr>
+      <p:sp>
+        <p:nvSpPr>
+          <p:cNvPr id="2" name="Title 1">
+            <a:extLst>
+              <a:ext uri="{FF2B5EF4-FFF2-40B4-BE49-F238E27FC236}">
+                <a16:creationId xmlns:a16="http://schemas.microsoft.com/office/drawing/2014/main" id="{72E81C6B-AE9D-AA4F-8AF8-83999CA9BF11}"/>
+              </a:ext>
+            </a:extLst>
+          </p:cNvPr>
+          <p:cNvSpPr>
+            <a:spLocks noGrp="1"/>
+          </p:cNvSpPr>
+          <p:nvPr>
+            <p:ph type="title"/>
+          </p:nvPr>
+        </p:nvSpPr>
+        <p:spPr/>
+        <p:txBody>
+          <a:bodyPr/>
+          <a:lstStyle/>
+          <a:p>
+            <a:r>
+              <a:rPr lang="en-US" dirty="0"/>
+              <a:t>Why firebase?</a:t>
+            </a:r>
+          </a:p>
+        </p:txBody>
+      </p:sp>
+      <p:pic>
+        <p:nvPicPr>
+          <p:cNvPr id="2050" name="Picture 2">
+            <a:extLst>
+              <a:ext uri="{FF2B5EF4-FFF2-40B4-BE49-F238E27FC236}">
+                <a16:creationId xmlns:a16="http://schemas.microsoft.com/office/drawing/2014/main" id="{2FE5F1D9-6021-F14D-AC7E-6F64B7446E28}"/>
+              </a:ext>
+            </a:extLst>
+          </p:cNvPr>
+          <p:cNvPicPr>
+            <a:picLocks noChangeAspect="1" noChangeArrowheads="1"/>
+          </p:cNvPicPr>
+          <p:nvPr/>
+        </p:nvPicPr>
+        <p:blipFill>
+          <a:blip r:embed="rId2">
+            <a:extLst>
+              <a:ext uri="{28A0092B-C50C-407E-A947-70E740481C1C}">
+                <a14:useLocalDpi xmlns:a14="http://schemas.microsoft.com/office/drawing/2010/main" val="0"/>
+              </a:ext>
+            </a:extLst>
+          </a:blip>
+          <a:srcRect/>
+          <a:stretch>
+            <a:fillRect/>
+          </a:stretch>
+        </p:blipFill>
+        <p:spPr bwMode="auto">
+          <a:xfrm>
+            <a:off x="2284105" y="1695980"/>
+            <a:ext cx="7623790" cy="4779635"/>
+          </a:xfrm>
+          <a:prstGeom prst="rect">
+            <a:avLst/>
+          </a:prstGeom>
+          <a:noFill/>
+          <a:extLst>
+            <a:ext uri="{909E8E84-426E-40DD-AFC4-6F175D3DCCD1}">
+              <a14:hiddenFill xmlns:a14="http://schemas.microsoft.com/office/drawing/2010/main">
+                <a:solidFill>
+                  <a:srgbClr val="FFFFFF"/>
+                </a:solidFill>
+              </a14:hiddenFill>
+            </a:ext>
+          </a:extLst>
+        </p:spPr>
+      </p:pic>
+    </p:spTree>
+    <p:extLst>
+      <p:ext uri="{BB962C8B-B14F-4D97-AF65-F5344CB8AC3E}">
+        <p14:creationId xmlns:p14="http://schemas.microsoft.com/office/powerpoint/2010/main" val="2382407467"/>
+      </p:ext>
+    </p:extLst>
+  </p:cSld>
+  <p:clrMapOvr>
+    <a:masterClrMapping/>
+  </p:clrMapOvr>
+</p:sld>
+</file>
+
+<file path=ppt/slides/slide23.xml><?xml version="1.0" encoding="utf-8"?>
+<p:sld xmlns:a="http://schemas.openxmlformats.org/drawingml/2006/main" xmlns:r="http://schemas.openxmlformats.org/officeDocument/2006/relationships" xmlns:p="http://schemas.openxmlformats.org/presentationml/2006/main">
+  <p:cSld>
+    <p:spTree>
+      <p:nvGrpSpPr>
+        <p:cNvPr id="1" name=""/>
+        <p:cNvGrpSpPr/>
+        <p:nvPr/>
+      </p:nvGrpSpPr>
+      <p:grpSpPr>
+        <a:xfrm>
+          <a:off x="0" y="0"/>
+          <a:ext cx="0" cy="0"/>
+          <a:chOff x="0" y="0"/>
+          <a:chExt cx="0" cy="0"/>
+        </a:xfrm>
+      </p:grpSpPr>
+      <p:pic>
+        <p:nvPicPr>
+          <p:cNvPr id="4098" name="Picture 2">
+            <a:extLst>
+              <a:ext uri="{FF2B5EF4-FFF2-40B4-BE49-F238E27FC236}">
+                <a16:creationId xmlns:a16="http://schemas.microsoft.com/office/drawing/2014/main" id="{D448176E-5464-E54D-B562-C3C737862FA3}"/>
+              </a:ext>
+            </a:extLst>
+          </p:cNvPr>
+          <p:cNvPicPr>
+            <a:picLocks noChangeAspect="1" noChangeArrowheads="1"/>
+          </p:cNvPicPr>
+          <p:nvPr/>
+        </p:nvPicPr>
+        <p:blipFill>
+          <a:blip r:embed="rId2">
+            <a:extLst>
+              <a:ext uri="{28A0092B-C50C-407E-A947-70E740481C1C}">
+                <a14:useLocalDpi xmlns:a14="http://schemas.microsoft.com/office/drawing/2010/main" val="0"/>
+              </a:ext>
+            </a:extLst>
+          </a:blip>
+          <a:srcRect/>
+          <a:stretch>
+            <a:fillRect/>
+          </a:stretch>
+        </p:blipFill>
+        <p:spPr bwMode="auto">
+          <a:xfrm>
+            <a:off x="1150130" y="660401"/>
+            <a:ext cx="10745537" cy="5634412"/>
+          </a:xfrm>
+          <a:prstGeom prst="rect">
+            <a:avLst/>
+          </a:prstGeom>
+          <a:noFill/>
+          <a:extLst>
+            <a:ext uri="{909E8E84-426E-40DD-AFC4-6F175D3DCCD1}">
+              <a14:hiddenFill xmlns:a14="http://schemas.microsoft.com/office/drawing/2010/main">
+                <a:solidFill>
+                  <a:srgbClr val="FFFFFF"/>
+                </a:solidFill>
+              </a14:hiddenFill>
+            </a:ext>
+          </a:extLst>
+        </p:spPr>
+      </p:pic>
+    </p:spTree>
+    <p:extLst>
+      <p:ext uri="{BB962C8B-B14F-4D97-AF65-F5344CB8AC3E}">
+        <p14:creationId xmlns:p14="http://schemas.microsoft.com/office/powerpoint/2010/main" val="2850811540"/>
+      </p:ext>
+    </p:extLst>
+  </p:cSld>
+  <p:clrMapOvr>
+    <a:masterClrMapping/>
+  </p:clrMapOvr>
+</p:sld>
+</file>
+
+<file path=ppt/slides/slide24.xml><?xml version="1.0" encoding="utf-8"?>
+<p:sld xmlns:a="http://schemas.openxmlformats.org/drawingml/2006/main" xmlns:r="http://schemas.openxmlformats.org/officeDocument/2006/relationships" xmlns:p="http://schemas.openxmlformats.org/presentationml/2006/main">
+  <p:cSld>
+    <p:spTree>
+      <p:nvGrpSpPr>
+        <p:cNvPr id="1" name=""/>
+        <p:cNvGrpSpPr/>
+        <p:nvPr/>
+      </p:nvGrpSpPr>
+      <p:grpSpPr>
+        <a:xfrm>
+          <a:off x="0" y="0"/>
+          <a:ext cx="0" cy="0"/>
+          <a:chOff x="0" y="0"/>
+          <a:chExt cx="0" cy="0"/>
+        </a:xfrm>
+      </p:grpSpPr>
+      <p:sp>
+        <p:nvSpPr>
+          <p:cNvPr id="2" name="Title 1">
+            <a:extLst>
+              <a:ext uri="{FF2B5EF4-FFF2-40B4-BE49-F238E27FC236}">
+                <a16:creationId xmlns:a16="http://schemas.microsoft.com/office/drawing/2014/main" id="{F3B46CCB-E484-9D46-BB34-D59FCA18C17D}"/>
+              </a:ext>
+            </a:extLst>
+          </p:cNvPr>
+          <p:cNvSpPr>
+            <a:spLocks noGrp="1"/>
+          </p:cNvSpPr>
+          <p:nvPr>
+            <p:ph type="title"/>
+          </p:nvPr>
+        </p:nvSpPr>
+        <p:spPr/>
+        <p:txBody>
+          <a:bodyPr/>
+          <a:lstStyle/>
+          <a:p>
+            <a:r>
+              <a:rPr lang="en-US" dirty="0" err="1"/>
+              <a:t>Nosql</a:t>
+            </a:r>
+            <a:r>
+              <a:rPr lang="en-US" dirty="0"/>
+              <a:t> databases</a:t>
+            </a:r>
+          </a:p>
+        </p:txBody>
+      </p:sp>
+      <p:sp>
+        <p:nvSpPr>
+          <p:cNvPr id="3" name="Content Placeholder 2">
+            <a:extLst>
+              <a:ext uri="{FF2B5EF4-FFF2-40B4-BE49-F238E27FC236}">
+                <a16:creationId xmlns:a16="http://schemas.microsoft.com/office/drawing/2014/main" id="{63B87964-7AE8-F945-B4A2-8C2047DC0D2E}"/>
+              </a:ext>
+            </a:extLst>
+          </p:cNvPr>
+          <p:cNvSpPr>
+            <a:spLocks noGrp="1"/>
+          </p:cNvSpPr>
+          <p:nvPr>
+            <p:ph idx="1"/>
+          </p:nvPr>
+        </p:nvSpPr>
+        <p:spPr/>
+        <p:txBody>
+          <a:bodyPr/>
+          <a:lstStyle/>
+          <a:p>
+            <a:r>
+              <a:rPr lang="en-IN" dirty="0"/>
+              <a:t>A NoSQL database provides a mechanism for storage and retrieval of data that is </a:t>
+            </a:r>
+            <a:r>
+              <a:rPr lang="en-IN" dirty="0" err="1"/>
+              <a:t>modeled</a:t>
+            </a:r>
+            <a:r>
+              <a:rPr lang="en-IN" dirty="0"/>
+              <a:t> in means other than the tabular relations used in relational databases.</a:t>
+            </a:r>
+          </a:p>
+          <a:p>
+            <a:endParaRPr lang="en-IN" dirty="0"/>
+          </a:p>
+          <a:p>
+            <a:r>
+              <a:rPr lang="en-US" dirty="0"/>
+              <a:t>NoSQL, also referred to as “not only SQL” or “non-SQL,” is an approach to database design that enables the storage and querying of data outside the traditional structures found in relational databases.</a:t>
+            </a:r>
+          </a:p>
+        </p:txBody>
+      </p:sp>
+    </p:spTree>
+    <p:extLst>
+      <p:ext uri="{BB962C8B-B14F-4D97-AF65-F5344CB8AC3E}">
+        <p14:creationId xmlns:p14="http://schemas.microsoft.com/office/powerpoint/2010/main" val="1748284995"/>
+      </p:ext>
+    </p:extLst>
+  </p:cSld>
+  <p:clrMapOvr>
+    <a:masterClrMapping/>
+  </p:clrMapOvr>
+</p:sld>
+</file>
+
+<file path=ppt/slides/slide25.xml><?xml version="1.0" encoding="utf-8"?>
+<p:sld xmlns:a="http://schemas.openxmlformats.org/drawingml/2006/main" xmlns:r="http://schemas.openxmlformats.org/officeDocument/2006/relationships" xmlns:p="http://schemas.openxmlformats.org/presentationml/2006/main">
+  <p:cSld>
+    <p:spTree>
+      <p:nvGrpSpPr>
+        <p:cNvPr id="1" name=""/>
+        <p:cNvGrpSpPr/>
+        <p:nvPr/>
+      </p:nvGrpSpPr>
+      <p:grpSpPr>
+        <a:xfrm>
+          <a:off x="0" y="0"/>
+          <a:ext cx="0" cy="0"/>
+          <a:chOff x="0" y="0"/>
+          <a:chExt cx="0" cy="0"/>
+        </a:xfrm>
+      </p:grpSpPr>
+      <p:sp>
+        <p:nvSpPr>
+          <p:cNvPr id="2" name="Title 1">
+            <a:extLst>
+              <a:ext uri="{FF2B5EF4-FFF2-40B4-BE49-F238E27FC236}">
+                <a16:creationId xmlns:a16="http://schemas.microsoft.com/office/drawing/2014/main" id="{49F2A252-B580-1346-884C-A44968425653}"/>
+              </a:ext>
+            </a:extLst>
+          </p:cNvPr>
+          <p:cNvSpPr>
+            <a:spLocks noGrp="1"/>
+          </p:cNvSpPr>
+          <p:nvPr>
+            <p:ph type="title"/>
+          </p:nvPr>
+        </p:nvSpPr>
+        <p:spPr/>
+        <p:txBody>
+          <a:bodyPr/>
+          <a:lstStyle/>
+          <a:p>
+            <a:r>
+              <a:rPr lang="en-US" dirty="0"/>
+              <a:t>Cloud </a:t>
+            </a:r>
+            <a:r>
+              <a:rPr lang="en-US" dirty="0" err="1"/>
+              <a:t>firestore</a:t>
+            </a:r>
+            <a:r>
+              <a:rPr lang="en-US" dirty="0"/>
+              <a:t> vs </a:t>
+            </a:r>
+            <a:r>
+              <a:rPr lang="en-US" dirty="0" err="1"/>
+              <a:t>realtime</a:t>
+            </a:r>
+            <a:r>
+              <a:rPr lang="en-US" dirty="0"/>
+              <a:t> database</a:t>
+            </a:r>
+          </a:p>
+        </p:txBody>
+      </p:sp>
+      <p:sp>
+        <p:nvSpPr>
+          <p:cNvPr id="3" name="Content Placeholder 2">
+            <a:extLst>
+              <a:ext uri="{FF2B5EF4-FFF2-40B4-BE49-F238E27FC236}">
+                <a16:creationId xmlns:a16="http://schemas.microsoft.com/office/drawing/2014/main" id="{A18BE753-744D-5248-8D98-0DB8F3707C7B}"/>
+              </a:ext>
+            </a:extLst>
+          </p:cNvPr>
+          <p:cNvSpPr>
+            <a:spLocks noGrp="1"/>
+          </p:cNvSpPr>
+          <p:nvPr>
+            <p:ph idx="1"/>
+          </p:nvPr>
+        </p:nvSpPr>
+        <p:spPr/>
+        <p:txBody>
+          <a:bodyPr/>
+          <a:lstStyle/>
+          <a:p>
+            <a:r>
+              <a:rPr lang="en-US" dirty="0"/>
+              <a:t>Cloud </a:t>
+            </a:r>
+            <a:r>
+              <a:rPr lang="en-US" dirty="0" err="1"/>
+              <a:t>Firestore</a:t>
+            </a:r>
+            <a:r>
+              <a:rPr lang="en-US" dirty="0"/>
+              <a:t> is Firebase's newest database for mobile app development. It builds on the successes of the Realtime Database with a new, more intuitive data model. Cloud </a:t>
+            </a:r>
+            <a:r>
+              <a:rPr lang="en-US" dirty="0" err="1"/>
+              <a:t>Firestore</a:t>
+            </a:r>
+            <a:r>
+              <a:rPr lang="en-US" dirty="0"/>
+              <a:t> also features richer, faster queries and scales further than the Realtime Database.</a:t>
+            </a:r>
+          </a:p>
+          <a:p>
+            <a:endParaRPr lang="en-US" dirty="0"/>
+          </a:p>
+          <a:p>
+            <a:r>
+              <a:rPr lang="en-US" dirty="0"/>
+              <a:t>Realtime Database is Firebase's original database. It's an efficient, low-latency solution for mobile apps that require synced states across clients in </a:t>
+            </a:r>
+            <a:r>
+              <a:rPr lang="en-US" dirty="0" err="1"/>
+              <a:t>realtime</a:t>
+            </a:r>
+            <a:r>
+              <a:rPr lang="en-US" dirty="0"/>
+              <a:t>.</a:t>
+            </a:r>
+          </a:p>
+        </p:txBody>
+      </p:sp>
+    </p:spTree>
+    <p:extLst>
+      <p:ext uri="{BB962C8B-B14F-4D97-AF65-F5344CB8AC3E}">
+        <p14:creationId xmlns:p14="http://schemas.microsoft.com/office/powerpoint/2010/main" val="646650091"/>
+      </p:ext>
+    </p:extLst>
+  </p:cSld>
+  <p:clrMapOvr>
+    <a:masterClrMapping/>
+  </p:clrMapOvr>
+</p:sld>
+</file>
+
+<file path=ppt/slides/slide26.xml><?xml version="1.0" encoding="utf-8"?>
+<p:sld xmlns:a="http://schemas.openxmlformats.org/drawingml/2006/main" xmlns:r="http://schemas.openxmlformats.org/officeDocument/2006/relationships" xmlns:p="http://schemas.openxmlformats.org/presentationml/2006/main">
+  <p:cSld>
+    <p:spTree>
+      <p:nvGrpSpPr>
+        <p:cNvPr id="1" name=""/>
+        <p:cNvGrpSpPr/>
+        <p:nvPr/>
+      </p:nvGrpSpPr>
+      <p:grpSpPr>
+        <a:xfrm>
+          <a:off x="0" y="0"/>
+          <a:ext cx="0" cy="0"/>
+          <a:chOff x="0" y="0"/>
+          <a:chExt cx="0" cy="0"/>
+        </a:xfrm>
+      </p:grpSpPr>
+      <p:sp>
+        <p:nvSpPr>
+          <p:cNvPr id="2" name="Title 1">
+            <a:extLst>
+              <a:ext uri="{FF2B5EF4-FFF2-40B4-BE49-F238E27FC236}">
+                <a16:creationId xmlns:a16="http://schemas.microsoft.com/office/drawing/2014/main" id="{67D618EB-9801-6642-8F6C-5A26E62DD719}"/>
+              </a:ext>
+            </a:extLst>
+          </p:cNvPr>
+          <p:cNvSpPr>
+            <a:spLocks noGrp="1"/>
+          </p:cNvSpPr>
+          <p:nvPr>
+            <p:ph type="title"/>
+          </p:nvPr>
+        </p:nvSpPr>
+        <p:spPr>
+          <a:xfrm>
+            <a:off x="1006839" y="949787"/>
+            <a:ext cx="10178322" cy="1492132"/>
+          </a:xfrm>
+        </p:spPr>
+        <p:txBody>
+          <a:bodyPr/>
+          <a:lstStyle/>
+          <a:p>
+            <a:pPr algn="ctr"/>
+            <a:r>
+              <a:rPr lang="en-US" dirty="0"/>
+              <a:t>Thank you</a:t>
+            </a:r>
+          </a:p>
+        </p:txBody>
+      </p:sp>
+      <p:sp>
+        <p:nvSpPr>
+          <p:cNvPr id="3" name="Content Placeholder 2">
+            <a:extLst>
+              <a:ext uri="{FF2B5EF4-FFF2-40B4-BE49-F238E27FC236}">
+                <a16:creationId xmlns:a16="http://schemas.microsoft.com/office/drawing/2014/main" id="{ECE31ED7-4A15-654C-8625-71ED85D7F456}"/>
+              </a:ext>
+            </a:extLst>
+          </p:cNvPr>
+          <p:cNvSpPr>
+            <a:spLocks noGrp="1"/>
+          </p:cNvSpPr>
+          <p:nvPr>
+            <p:ph idx="1"/>
+          </p:nvPr>
+        </p:nvSpPr>
+        <p:spPr>
+          <a:xfrm>
+            <a:off x="1006839" y="3618488"/>
+            <a:ext cx="10178322" cy="2289725"/>
+          </a:xfrm>
+        </p:spPr>
+        <p:txBody>
+          <a:bodyPr/>
+          <a:lstStyle/>
+          <a:p>
+            <a:pPr marL="0" indent="0" algn="ctr">
+              <a:buNone/>
+            </a:pPr>
+            <a:r>
+              <a:rPr lang="en-US" dirty="0"/>
+              <a:t>GitHub URL - </a:t>
+            </a:r>
+            <a:r>
+              <a:rPr lang="en-US" dirty="0">
+                <a:hlinkClick r:id="rId2"/>
+              </a:rPr>
+              <a:t>https://github.com/narayanvyas/flutter_workshop</a:t>
+            </a:r>
+            <a:endParaRPr lang="en-US" dirty="0"/>
+          </a:p>
+          <a:p>
+            <a:pPr marL="0" indent="0" algn="ctr">
+              <a:buNone/>
+            </a:pPr>
+            <a:endParaRPr lang="en-US" dirty="0"/>
+          </a:p>
+          <a:p>
+            <a:pPr marL="0" indent="0" algn="ctr">
+              <a:buNone/>
+            </a:pPr>
+            <a:r>
+              <a:rPr lang="en-US" b="1" dirty="0"/>
+              <a:t>Narayan Vyas</a:t>
+            </a:r>
+          </a:p>
+          <a:p>
+            <a:pPr marL="0" indent="0" algn="ctr">
+              <a:buNone/>
+            </a:pPr>
+            <a:r>
+              <a:rPr lang="en-US" dirty="0"/>
+              <a:t>Sr. Developer, Flexxited, Bangalore</a:t>
+            </a:r>
+          </a:p>
+          <a:p>
+            <a:pPr marL="0" indent="0" algn="ctr">
+              <a:buNone/>
+            </a:pPr>
+            <a:r>
+              <a:rPr lang="en-US" dirty="0">
+                <a:hlinkClick r:id="rId3"/>
+              </a:rPr>
+              <a:t>www.narayanvyas.org</a:t>
+            </a:r>
+            <a:endParaRPr lang="en-US" dirty="0"/>
+          </a:p>
+        </p:txBody>
+      </p:sp>
+    </p:spTree>
+    <p:extLst>
+      <p:ext uri="{BB962C8B-B14F-4D97-AF65-F5344CB8AC3E}">
+        <p14:creationId xmlns:p14="http://schemas.microsoft.com/office/powerpoint/2010/main" val="2452239062"/>
       </p:ext>
     </p:extLst>
   </p:cSld>

--- a/Flutter Workshop.pptx
+++ b/Flutter Workshop.pptx
@@ -1349,7 +1349,7 @@
             <a:fld id="{9334D819-9F07-4261-B09B-9E467E5D9002}" type="datetimeFigureOut">
               <a:rPr lang="en-US" dirty="0"/>
               <a:pPr/>
-              <a:t>8/17/21</a:t>
+              <a:t>8/27/21</a:t>
             </a:fld>
             <a:endParaRPr lang="en-US" dirty="0"/>
           </a:p>
@@ -1583,7 +1583,7 @@
           <a:p>
             <a:fld id="{9334D819-9F07-4261-B09B-9E467E5D9002}" type="datetimeFigureOut">
               <a:rPr lang="en-US" dirty="0"/>
-              <a:t>8/17/21</a:t>
+              <a:t>8/27/21</a:t>
             </a:fld>
             <a:endParaRPr lang="en-US" dirty="0"/>
           </a:p>
@@ -1758,7 +1758,7 @@
           <a:p>
             <a:fld id="{9334D819-9F07-4261-B09B-9E467E5D9002}" type="datetimeFigureOut">
               <a:rPr lang="en-US" dirty="0"/>
-              <a:t>8/17/21</a:t>
+              <a:t>8/27/21</a:t>
             </a:fld>
             <a:endParaRPr lang="en-US" dirty="0"/>
           </a:p>
@@ -1923,7 +1923,7 @@
           <a:p>
             <a:fld id="{9334D819-9F07-4261-B09B-9E467E5D9002}" type="datetimeFigureOut">
               <a:rPr lang="en-US" dirty="0"/>
-              <a:t>8/17/21</a:t>
+              <a:t>8/27/21</a:t>
             </a:fld>
             <a:endParaRPr lang="en-US" dirty="0"/>
           </a:p>
@@ -2195,7 +2195,7 @@
             <a:fld id="{9334D819-9F07-4261-B09B-9E467E5D9002}" type="datetimeFigureOut">
               <a:rPr lang="en-US" dirty="0"/>
               <a:pPr/>
-              <a:t>8/17/21</a:t>
+              <a:t>8/27/21</a:t>
             </a:fld>
             <a:endParaRPr lang="en-US" dirty="0"/>
           </a:p>
@@ -3392,7 +3392,7 @@
           <a:p>
             <a:fld id="{9334D819-9F07-4261-B09B-9E467E5D9002}" type="datetimeFigureOut">
               <a:rPr lang="en-US" dirty="0"/>
-              <a:t>8/17/21</a:t>
+              <a:t>8/27/21</a:t>
             </a:fld>
             <a:endParaRPr lang="en-US" dirty="0"/>
           </a:p>
@@ -3777,7 +3777,7 @@
           <a:p>
             <a:fld id="{9334D819-9F07-4261-B09B-9E467E5D9002}" type="datetimeFigureOut">
               <a:rPr lang="en-US" dirty="0"/>
-              <a:t>8/17/21</a:t>
+              <a:t>8/27/21</a:t>
             </a:fld>
             <a:endParaRPr lang="en-US" dirty="0"/>
           </a:p>
@@ -3895,7 +3895,7 @@
           <a:p>
             <a:fld id="{9334D819-9F07-4261-B09B-9E467E5D9002}" type="datetimeFigureOut">
               <a:rPr lang="en-US" dirty="0"/>
-              <a:t>8/17/21</a:t>
+              <a:t>8/27/21</a:t>
             </a:fld>
             <a:endParaRPr lang="en-US" dirty="0"/>
           </a:p>
@@ -3985,7 +3985,7 @@
           <a:p>
             <a:fld id="{9334D819-9F07-4261-B09B-9E467E5D9002}" type="datetimeFigureOut">
               <a:rPr lang="en-US" dirty="0"/>
-              <a:t>8/17/21</a:t>
+              <a:t>8/27/21</a:t>
             </a:fld>
             <a:endParaRPr lang="en-US" dirty="0"/>
           </a:p>
@@ -4743,7 +4743,7 @@
           <a:p>
             <a:fld id="{9334D819-9F07-4261-B09B-9E467E5D9002}" type="datetimeFigureOut">
               <a:rPr lang="en-US" dirty="0"/>
-              <a:t>8/17/21</a:t>
+              <a:t>8/27/21</a:t>
             </a:fld>
             <a:endParaRPr lang="en-US" dirty="0"/>
           </a:p>
@@ -5578,7 +5578,7 @@
           <a:p>
             <a:fld id="{9334D819-9F07-4261-B09B-9E467E5D9002}" type="datetimeFigureOut">
               <a:rPr lang="en-US" dirty="0"/>
-              <a:t>8/17/21</a:t>
+              <a:t>8/27/21</a:t>
             </a:fld>
             <a:endParaRPr lang="en-US" dirty="0"/>
           </a:p>
@@ -5801,7 +5801,7 @@
             <a:fld id="{9334D819-9F07-4261-B09B-9E467E5D9002}" type="datetimeFigureOut">
               <a:rPr lang="en-US" dirty="0"/>
               <a:pPr/>
-              <a:t>8/17/21</a:t>
+              <a:t>8/27/21</a:t>
             </a:fld>
             <a:endParaRPr lang="en-US" dirty="0"/>
           </a:p>
@@ -7214,7 +7214,7 @@
           <a:p>
             <a:r>
               <a:rPr lang="en-IN" dirty="0"/>
-              <a:t>It is likely the main or core component of flutter. We can access all the other components and widgets provided by Flutter SDK.</a:t>
+              <a:t>It is likely the main or core component of flutter.  We can access all the other components and widgets provided by Flutter SDK.</a:t>
             </a:r>
           </a:p>
           <a:p>
@@ -7227,13 +7227,8 @@
             </a:r>
             <a:r>
               <a:rPr lang="en-US" dirty="0"/>
-              <a:t> is a widget that introduces many interesting tools such as Navigator or Theme to help you develop your app. Material is, on the other hand, a widget used to define a UI element respecting </a:t>
-            </a:r>
-            <a:r>
-              <a:rPr lang="en-US"/>
-              <a:t>Material rules.</a:t>
-            </a:r>
-            <a:endParaRPr lang="en-US" dirty="0"/>
+              <a:t> is a widget that introduces many interesting tools such as Navigator or Theme to help you develop your app. Material is, on the other hand, a widget used to define a UI element respecting Material rules.</a:t>
+            </a:r>
           </a:p>
         </p:txBody>
       </p:sp>
